--- a/slides/17-for-loops.pptx
+++ b/slides/17-for-loops.pptx
@@ -5,33 +5,45 @@
     <p:sldMasterId id="2147483852" r:id="rId1"/>
   </p:sldMasterIdLst>
   <p:notesMasterIdLst>
-    <p:notesMasterId r:id="rId26"/>
+    <p:notesMasterId r:id="rId38"/>
   </p:notesMasterIdLst>
   <p:sldIdLst>
     <p:sldId id="256" r:id="rId2"/>
     <p:sldId id="257" r:id="rId3"/>
-    <p:sldId id="395" r:id="rId4"/>
-    <p:sldId id="377" r:id="rId5"/>
-    <p:sldId id="367" r:id="rId6"/>
-    <p:sldId id="369" r:id="rId7"/>
-    <p:sldId id="368" r:id="rId8"/>
-    <p:sldId id="370" r:id="rId9"/>
-    <p:sldId id="365" r:id="rId10"/>
-    <p:sldId id="371" r:id="rId11"/>
-    <p:sldId id="400" r:id="rId12"/>
-    <p:sldId id="401" r:id="rId13"/>
-    <p:sldId id="372" r:id="rId14"/>
-    <p:sldId id="373" r:id="rId15"/>
-    <p:sldId id="374" r:id="rId16"/>
-    <p:sldId id="375" r:id="rId17"/>
-    <p:sldId id="376" r:id="rId18"/>
-    <p:sldId id="366" r:id="rId19"/>
-    <p:sldId id="392" r:id="rId20"/>
-    <p:sldId id="381" r:id="rId21"/>
-    <p:sldId id="382" r:id="rId22"/>
-    <p:sldId id="399" r:id="rId23"/>
-    <p:sldId id="402" r:id="rId24"/>
-    <p:sldId id="333" r:id="rId25"/>
+    <p:sldId id="403" r:id="rId4"/>
+    <p:sldId id="404" r:id="rId5"/>
+    <p:sldId id="406" r:id="rId6"/>
+    <p:sldId id="407" r:id="rId7"/>
+    <p:sldId id="408" r:id="rId8"/>
+    <p:sldId id="409" r:id="rId9"/>
+    <p:sldId id="367" r:id="rId10"/>
+    <p:sldId id="410" r:id="rId11"/>
+    <p:sldId id="411" r:id="rId12"/>
+    <p:sldId id="412" r:id="rId13"/>
+    <p:sldId id="413" r:id="rId14"/>
+    <p:sldId id="414" r:id="rId15"/>
+    <p:sldId id="415" r:id="rId16"/>
+    <p:sldId id="369" r:id="rId17"/>
+    <p:sldId id="418" r:id="rId18"/>
+    <p:sldId id="419" r:id="rId19"/>
+    <p:sldId id="420" r:id="rId20"/>
+    <p:sldId id="421" r:id="rId21"/>
+    <p:sldId id="422" r:id="rId22"/>
+    <p:sldId id="423" r:id="rId23"/>
+    <p:sldId id="424" r:id="rId24"/>
+    <p:sldId id="368" r:id="rId25"/>
+    <p:sldId id="370" r:id="rId26"/>
+    <p:sldId id="365" r:id="rId27"/>
+    <p:sldId id="371" r:id="rId28"/>
+    <p:sldId id="400" r:id="rId29"/>
+    <p:sldId id="401" r:id="rId30"/>
+    <p:sldId id="372" r:id="rId31"/>
+    <p:sldId id="373" r:id="rId32"/>
+    <p:sldId id="374" r:id="rId33"/>
+    <p:sldId id="375" r:id="rId34"/>
+    <p:sldId id="376" r:id="rId35"/>
+    <p:sldId id="366" r:id="rId36"/>
+    <p:sldId id="392" r:id="rId37"/>
   </p:sldIdLst>
   <p:sldSz cx="12192000" cy="6858000"/>
   <p:notesSz cx="6858000" cy="9144000"/>
@@ -220,7 +232,7 @@
           <a:p>
             <a:fld id="{3CBB8A52-8AC5-C74C-97FB-632C448F3674}" type="datetimeFigureOut">
               <a:rPr lang="en-US" smtClean="0"/>
-              <a:t>10/1/23</a:t>
+              <a:t>2/20/24</a:t>
             </a:fld>
             <a:endParaRPr lang="en-US"/>
           </a:p>
@@ -550,9 +562,9 @@
           <a:bodyPr/>
           <a:lstStyle/>
           <a:p>
-            <a:fld id="{77F12483-E947-6F4E-A75E-B2E677827779}" type="slidenum">
+            <a:fld id="{E666506D-5C9B-294C-B2AE-15ACE8B5B9F7}" type="slidenum">
               <a:rPr lang="en-US" smtClean="0"/>
-              <a:t>18</a:t>
+              <a:t>16</a:t>
             </a:fld>
             <a:endParaRPr lang="en-US"/>
           </a:p>
@@ -561,7 +573,7 @@
     </p:spTree>
     <p:extLst>
       <p:ext uri="{BB962C8B-B14F-4D97-AF65-F5344CB8AC3E}">
-        <p14:creationId xmlns:p14="http://schemas.microsoft.com/office/powerpoint/2010/main" val="2079132131"/>
+        <p14:creationId xmlns:p14="http://schemas.microsoft.com/office/powerpoint/2010/main" val="436230028"/>
       </p:ext>
     </p:extLst>
   </p:cSld>
@@ -571,7 +583,7 @@
 </p:notes>
 </file>
 
-<file path=ppt/notesSlides/notesSlide2.xml><?xml version="1.0" encoding="utf-8"?>
+<file path=ppt/notesSlides/notesSlide10.xml><?xml version="1.0" encoding="utf-8"?>
 <p:notes xmlns:a="http://schemas.openxmlformats.org/drawingml/2006/main" xmlns:r="http://schemas.openxmlformats.org/officeDocument/2006/relationships" xmlns:p="http://schemas.openxmlformats.org/presentationml/2006/main">
   <p:cSld>
     <p:spTree>
@@ -636,7 +648,7 @@
           <a:p>
             <a:fld id="{77F12483-E947-6F4E-A75E-B2E677827779}" type="slidenum">
               <a:rPr lang="en-US" smtClean="0"/>
-              <a:t>19</a:t>
+              <a:t>36</a:t>
             </a:fld>
             <a:endParaRPr lang="en-US"/>
           </a:p>
@@ -655,7 +667,763 @@
 </p:notes>
 </file>
 
+<file path=ppt/notesSlides/notesSlide2.xml><?xml version="1.0" encoding="utf-8"?>
+<p:notes xmlns:a="http://schemas.openxmlformats.org/drawingml/2006/main" xmlns:r="http://schemas.openxmlformats.org/officeDocument/2006/relationships" xmlns:p="http://schemas.openxmlformats.org/presentationml/2006/main">
+  <p:cSld>
+    <p:spTree>
+      <p:nvGrpSpPr>
+        <p:cNvPr id="1" name="">
+          <a:extLst>
+            <a:ext uri="{FF2B5EF4-FFF2-40B4-BE49-F238E27FC236}">
+              <a16:creationId xmlns:a16="http://schemas.microsoft.com/office/drawing/2014/main" id="{D6A5897E-5EC6-7ECD-D3EC-01240865F381}"/>
+            </a:ext>
+          </a:extLst>
+        </p:cNvPr>
+        <p:cNvGrpSpPr/>
+        <p:nvPr/>
+      </p:nvGrpSpPr>
+      <p:grpSpPr>
+        <a:xfrm>
+          <a:off x="0" y="0"/>
+          <a:ext cx="0" cy="0"/>
+          <a:chOff x="0" y="0"/>
+          <a:chExt cx="0" cy="0"/>
+        </a:xfrm>
+      </p:grpSpPr>
+      <p:sp>
+        <p:nvSpPr>
+          <p:cNvPr id="2" name="Slide Image Placeholder 1">
+            <a:extLst>
+              <a:ext uri="{FF2B5EF4-FFF2-40B4-BE49-F238E27FC236}">
+                <a16:creationId xmlns:a16="http://schemas.microsoft.com/office/drawing/2014/main" id="{D995F372-A7AF-28CA-6B8D-2C245FC3DAEE}"/>
+              </a:ext>
+            </a:extLst>
+          </p:cNvPr>
+          <p:cNvSpPr>
+            <a:spLocks noGrp="1" noRot="1" noChangeAspect="1"/>
+          </p:cNvSpPr>
+          <p:nvPr>
+            <p:ph type="sldImg"/>
+          </p:nvPr>
+        </p:nvSpPr>
+        <p:spPr/>
+      </p:sp>
+      <p:sp>
+        <p:nvSpPr>
+          <p:cNvPr id="3" name="Notes Placeholder 2">
+            <a:extLst>
+              <a:ext uri="{FF2B5EF4-FFF2-40B4-BE49-F238E27FC236}">
+                <a16:creationId xmlns:a16="http://schemas.microsoft.com/office/drawing/2014/main" id="{B449B3AE-68C6-8820-7B9C-C2F15049AFF2}"/>
+              </a:ext>
+            </a:extLst>
+          </p:cNvPr>
+          <p:cNvSpPr>
+            <a:spLocks noGrp="1"/>
+          </p:cNvSpPr>
+          <p:nvPr>
+            <p:ph type="body" idx="1"/>
+          </p:nvPr>
+        </p:nvSpPr>
+        <p:spPr/>
+        <p:txBody>
+          <a:bodyPr/>
+          <a:lstStyle/>
+          <a:p>
+            <a:endParaRPr lang="en-US" dirty="0"/>
+          </a:p>
+        </p:txBody>
+      </p:sp>
+      <p:sp>
+        <p:nvSpPr>
+          <p:cNvPr id="4" name="Slide Number Placeholder 3">
+            <a:extLst>
+              <a:ext uri="{FF2B5EF4-FFF2-40B4-BE49-F238E27FC236}">
+                <a16:creationId xmlns:a16="http://schemas.microsoft.com/office/drawing/2014/main" id="{B2E90B76-5A41-0A19-7FE2-CD0E956D3AE7}"/>
+              </a:ext>
+            </a:extLst>
+          </p:cNvPr>
+          <p:cNvSpPr>
+            <a:spLocks noGrp="1"/>
+          </p:cNvSpPr>
+          <p:nvPr>
+            <p:ph type="sldNum" sz="quarter" idx="5"/>
+          </p:nvPr>
+        </p:nvSpPr>
+        <p:spPr/>
+        <p:txBody>
+          <a:bodyPr/>
+          <a:lstStyle/>
+          <a:p>
+            <a:fld id="{E666506D-5C9B-294C-B2AE-15ACE8B5B9F7}" type="slidenum">
+              <a:rPr lang="en-US" smtClean="0"/>
+              <a:t>17</a:t>
+            </a:fld>
+            <a:endParaRPr lang="en-US"/>
+          </a:p>
+        </p:txBody>
+      </p:sp>
+    </p:spTree>
+    <p:extLst>
+      <p:ext uri="{BB962C8B-B14F-4D97-AF65-F5344CB8AC3E}">
+        <p14:creationId xmlns:p14="http://schemas.microsoft.com/office/powerpoint/2010/main" val="3611679175"/>
+      </p:ext>
+    </p:extLst>
+  </p:cSld>
+  <p:clrMapOvr>
+    <a:masterClrMapping/>
+  </p:clrMapOvr>
+</p:notes>
+</file>
+
 <file path=ppt/notesSlides/notesSlide3.xml><?xml version="1.0" encoding="utf-8"?>
+<p:notes xmlns:a="http://schemas.openxmlformats.org/drawingml/2006/main" xmlns:r="http://schemas.openxmlformats.org/officeDocument/2006/relationships" xmlns:p="http://schemas.openxmlformats.org/presentationml/2006/main">
+  <p:cSld>
+    <p:spTree>
+      <p:nvGrpSpPr>
+        <p:cNvPr id="1" name="">
+          <a:extLst>
+            <a:ext uri="{FF2B5EF4-FFF2-40B4-BE49-F238E27FC236}">
+              <a16:creationId xmlns:a16="http://schemas.microsoft.com/office/drawing/2014/main" id="{E6F77D73-9858-BA61-CD78-CF278B62CB8F}"/>
+            </a:ext>
+          </a:extLst>
+        </p:cNvPr>
+        <p:cNvGrpSpPr/>
+        <p:nvPr/>
+      </p:nvGrpSpPr>
+      <p:grpSpPr>
+        <a:xfrm>
+          <a:off x="0" y="0"/>
+          <a:ext cx="0" cy="0"/>
+          <a:chOff x="0" y="0"/>
+          <a:chExt cx="0" cy="0"/>
+        </a:xfrm>
+      </p:grpSpPr>
+      <p:sp>
+        <p:nvSpPr>
+          <p:cNvPr id="2" name="Slide Image Placeholder 1">
+            <a:extLst>
+              <a:ext uri="{FF2B5EF4-FFF2-40B4-BE49-F238E27FC236}">
+                <a16:creationId xmlns:a16="http://schemas.microsoft.com/office/drawing/2014/main" id="{87B49AE3-DEC5-A7CA-2894-8789A17C985C}"/>
+              </a:ext>
+            </a:extLst>
+          </p:cNvPr>
+          <p:cNvSpPr>
+            <a:spLocks noGrp="1" noRot="1" noChangeAspect="1"/>
+          </p:cNvSpPr>
+          <p:nvPr>
+            <p:ph type="sldImg"/>
+          </p:nvPr>
+        </p:nvSpPr>
+        <p:spPr/>
+      </p:sp>
+      <p:sp>
+        <p:nvSpPr>
+          <p:cNvPr id="3" name="Notes Placeholder 2">
+            <a:extLst>
+              <a:ext uri="{FF2B5EF4-FFF2-40B4-BE49-F238E27FC236}">
+                <a16:creationId xmlns:a16="http://schemas.microsoft.com/office/drawing/2014/main" id="{237FF465-E30E-9E1F-1830-8F62A398CF7D}"/>
+              </a:ext>
+            </a:extLst>
+          </p:cNvPr>
+          <p:cNvSpPr>
+            <a:spLocks noGrp="1"/>
+          </p:cNvSpPr>
+          <p:nvPr>
+            <p:ph type="body" idx="1"/>
+          </p:nvPr>
+        </p:nvSpPr>
+        <p:spPr/>
+        <p:txBody>
+          <a:bodyPr/>
+          <a:lstStyle/>
+          <a:p>
+            <a:endParaRPr lang="en-US" dirty="0"/>
+          </a:p>
+        </p:txBody>
+      </p:sp>
+      <p:sp>
+        <p:nvSpPr>
+          <p:cNvPr id="4" name="Slide Number Placeholder 3">
+            <a:extLst>
+              <a:ext uri="{FF2B5EF4-FFF2-40B4-BE49-F238E27FC236}">
+                <a16:creationId xmlns:a16="http://schemas.microsoft.com/office/drawing/2014/main" id="{B0B7C65D-803A-742A-7DCA-D81F49355A19}"/>
+              </a:ext>
+            </a:extLst>
+          </p:cNvPr>
+          <p:cNvSpPr>
+            <a:spLocks noGrp="1"/>
+          </p:cNvSpPr>
+          <p:nvPr>
+            <p:ph type="sldNum" sz="quarter" idx="5"/>
+          </p:nvPr>
+        </p:nvSpPr>
+        <p:spPr/>
+        <p:txBody>
+          <a:bodyPr/>
+          <a:lstStyle/>
+          <a:p>
+            <a:fld id="{E666506D-5C9B-294C-B2AE-15ACE8B5B9F7}" type="slidenum">
+              <a:rPr lang="en-US" smtClean="0"/>
+              <a:t>18</a:t>
+            </a:fld>
+            <a:endParaRPr lang="en-US"/>
+          </a:p>
+        </p:txBody>
+      </p:sp>
+    </p:spTree>
+    <p:extLst>
+      <p:ext uri="{BB962C8B-B14F-4D97-AF65-F5344CB8AC3E}">
+        <p14:creationId xmlns:p14="http://schemas.microsoft.com/office/powerpoint/2010/main" val="2531177445"/>
+      </p:ext>
+    </p:extLst>
+  </p:cSld>
+  <p:clrMapOvr>
+    <a:masterClrMapping/>
+  </p:clrMapOvr>
+</p:notes>
+</file>
+
+<file path=ppt/notesSlides/notesSlide4.xml><?xml version="1.0" encoding="utf-8"?>
+<p:notes xmlns:a="http://schemas.openxmlformats.org/drawingml/2006/main" xmlns:r="http://schemas.openxmlformats.org/officeDocument/2006/relationships" xmlns:p="http://schemas.openxmlformats.org/presentationml/2006/main">
+  <p:cSld>
+    <p:spTree>
+      <p:nvGrpSpPr>
+        <p:cNvPr id="1" name="">
+          <a:extLst>
+            <a:ext uri="{FF2B5EF4-FFF2-40B4-BE49-F238E27FC236}">
+              <a16:creationId xmlns:a16="http://schemas.microsoft.com/office/drawing/2014/main" id="{097807C7-A2B1-F8C7-61E1-C0029B2B640C}"/>
+            </a:ext>
+          </a:extLst>
+        </p:cNvPr>
+        <p:cNvGrpSpPr/>
+        <p:nvPr/>
+      </p:nvGrpSpPr>
+      <p:grpSpPr>
+        <a:xfrm>
+          <a:off x="0" y="0"/>
+          <a:ext cx="0" cy="0"/>
+          <a:chOff x="0" y="0"/>
+          <a:chExt cx="0" cy="0"/>
+        </a:xfrm>
+      </p:grpSpPr>
+      <p:sp>
+        <p:nvSpPr>
+          <p:cNvPr id="2" name="Slide Image Placeholder 1">
+            <a:extLst>
+              <a:ext uri="{FF2B5EF4-FFF2-40B4-BE49-F238E27FC236}">
+                <a16:creationId xmlns:a16="http://schemas.microsoft.com/office/drawing/2014/main" id="{30243AA7-CA7B-87EC-A118-0BBA965AAAD4}"/>
+              </a:ext>
+            </a:extLst>
+          </p:cNvPr>
+          <p:cNvSpPr>
+            <a:spLocks noGrp="1" noRot="1" noChangeAspect="1"/>
+          </p:cNvSpPr>
+          <p:nvPr>
+            <p:ph type="sldImg"/>
+          </p:nvPr>
+        </p:nvSpPr>
+        <p:spPr/>
+      </p:sp>
+      <p:sp>
+        <p:nvSpPr>
+          <p:cNvPr id="3" name="Notes Placeholder 2">
+            <a:extLst>
+              <a:ext uri="{FF2B5EF4-FFF2-40B4-BE49-F238E27FC236}">
+                <a16:creationId xmlns:a16="http://schemas.microsoft.com/office/drawing/2014/main" id="{0B9FF0EF-50C1-1C80-160E-290894A42950}"/>
+              </a:ext>
+            </a:extLst>
+          </p:cNvPr>
+          <p:cNvSpPr>
+            <a:spLocks noGrp="1"/>
+          </p:cNvSpPr>
+          <p:nvPr>
+            <p:ph type="body" idx="1"/>
+          </p:nvPr>
+        </p:nvSpPr>
+        <p:spPr/>
+        <p:txBody>
+          <a:bodyPr/>
+          <a:lstStyle/>
+          <a:p>
+            <a:endParaRPr lang="en-US" dirty="0"/>
+          </a:p>
+        </p:txBody>
+      </p:sp>
+      <p:sp>
+        <p:nvSpPr>
+          <p:cNvPr id="4" name="Slide Number Placeholder 3">
+            <a:extLst>
+              <a:ext uri="{FF2B5EF4-FFF2-40B4-BE49-F238E27FC236}">
+                <a16:creationId xmlns:a16="http://schemas.microsoft.com/office/drawing/2014/main" id="{3348F6E8-4438-FD26-1612-5EFFC1B53F6B}"/>
+              </a:ext>
+            </a:extLst>
+          </p:cNvPr>
+          <p:cNvSpPr>
+            <a:spLocks noGrp="1"/>
+          </p:cNvSpPr>
+          <p:nvPr>
+            <p:ph type="sldNum" sz="quarter" idx="5"/>
+          </p:nvPr>
+        </p:nvSpPr>
+        <p:spPr/>
+        <p:txBody>
+          <a:bodyPr/>
+          <a:lstStyle/>
+          <a:p>
+            <a:fld id="{E666506D-5C9B-294C-B2AE-15ACE8B5B9F7}" type="slidenum">
+              <a:rPr lang="en-US" smtClean="0"/>
+              <a:t>19</a:t>
+            </a:fld>
+            <a:endParaRPr lang="en-US"/>
+          </a:p>
+        </p:txBody>
+      </p:sp>
+    </p:spTree>
+    <p:extLst>
+      <p:ext uri="{BB962C8B-B14F-4D97-AF65-F5344CB8AC3E}">
+        <p14:creationId xmlns:p14="http://schemas.microsoft.com/office/powerpoint/2010/main" val="3221917287"/>
+      </p:ext>
+    </p:extLst>
+  </p:cSld>
+  <p:clrMapOvr>
+    <a:masterClrMapping/>
+  </p:clrMapOvr>
+</p:notes>
+</file>
+
+<file path=ppt/notesSlides/notesSlide5.xml><?xml version="1.0" encoding="utf-8"?>
+<p:notes xmlns:a="http://schemas.openxmlformats.org/drawingml/2006/main" xmlns:r="http://schemas.openxmlformats.org/officeDocument/2006/relationships" xmlns:p="http://schemas.openxmlformats.org/presentationml/2006/main">
+  <p:cSld>
+    <p:spTree>
+      <p:nvGrpSpPr>
+        <p:cNvPr id="1" name="">
+          <a:extLst>
+            <a:ext uri="{FF2B5EF4-FFF2-40B4-BE49-F238E27FC236}">
+              <a16:creationId xmlns:a16="http://schemas.microsoft.com/office/drawing/2014/main" id="{319B75EA-CA99-D2D8-B6B5-53B6516E5FA5}"/>
+            </a:ext>
+          </a:extLst>
+        </p:cNvPr>
+        <p:cNvGrpSpPr/>
+        <p:nvPr/>
+      </p:nvGrpSpPr>
+      <p:grpSpPr>
+        <a:xfrm>
+          <a:off x="0" y="0"/>
+          <a:ext cx="0" cy="0"/>
+          <a:chOff x="0" y="0"/>
+          <a:chExt cx="0" cy="0"/>
+        </a:xfrm>
+      </p:grpSpPr>
+      <p:sp>
+        <p:nvSpPr>
+          <p:cNvPr id="2" name="Slide Image Placeholder 1">
+            <a:extLst>
+              <a:ext uri="{FF2B5EF4-FFF2-40B4-BE49-F238E27FC236}">
+                <a16:creationId xmlns:a16="http://schemas.microsoft.com/office/drawing/2014/main" id="{2FCEA211-B565-E2E4-3A68-D7C8C1266FA6}"/>
+              </a:ext>
+            </a:extLst>
+          </p:cNvPr>
+          <p:cNvSpPr>
+            <a:spLocks noGrp="1" noRot="1" noChangeAspect="1"/>
+          </p:cNvSpPr>
+          <p:nvPr>
+            <p:ph type="sldImg"/>
+          </p:nvPr>
+        </p:nvSpPr>
+        <p:spPr/>
+      </p:sp>
+      <p:sp>
+        <p:nvSpPr>
+          <p:cNvPr id="3" name="Notes Placeholder 2">
+            <a:extLst>
+              <a:ext uri="{FF2B5EF4-FFF2-40B4-BE49-F238E27FC236}">
+                <a16:creationId xmlns:a16="http://schemas.microsoft.com/office/drawing/2014/main" id="{C354388B-BFCD-0A13-9342-BBFE8198D4BB}"/>
+              </a:ext>
+            </a:extLst>
+          </p:cNvPr>
+          <p:cNvSpPr>
+            <a:spLocks noGrp="1"/>
+          </p:cNvSpPr>
+          <p:nvPr>
+            <p:ph type="body" idx="1"/>
+          </p:nvPr>
+        </p:nvSpPr>
+        <p:spPr/>
+        <p:txBody>
+          <a:bodyPr/>
+          <a:lstStyle/>
+          <a:p>
+            <a:endParaRPr lang="en-US" dirty="0"/>
+          </a:p>
+        </p:txBody>
+      </p:sp>
+      <p:sp>
+        <p:nvSpPr>
+          <p:cNvPr id="4" name="Slide Number Placeholder 3">
+            <a:extLst>
+              <a:ext uri="{FF2B5EF4-FFF2-40B4-BE49-F238E27FC236}">
+                <a16:creationId xmlns:a16="http://schemas.microsoft.com/office/drawing/2014/main" id="{4500F858-6420-7B1C-0F8C-343605134028}"/>
+              </a:ext>
+            </a:extLst>
+          </p:cNvPr>
+          <p:cNvSpPr>
+            <a:spLocks noGrp="1"/>
+          </p:cNvSpPr>
+          <p:nvPr>
+            <p:ph type="sldNum" sz="quarter" idx="5"/>
+          </p:nvPr>
+        </p:nvSpPr>
+        <p:spPr/>
+        <p:txBody>
+          <a:bodyPr/>
+          <a:lstStyle/>
+          <a:p>
+            <a:fld id="{E666506D-5C9B-294C-B2AE-15ACE8B5B9F7}" type="slidenum">
+              <a:rPr lang="en-US" smtClean="0"/>
+              <a:t>20</a:t>
+            </a:fld>
+            <a:endParaRPr lang="en-US"/>
+          </a:p>
+        </p:txBody>
+      </p:sp>
+    </p:spTree>
+    <p:extLst>
+      <p:ext uri="{BB962C8B-B14F-4D97-AF65-F5344CB8AC3E}">
+        <p14:creationId xmlns:p14="http://schemas.microsoft.com/office/powerpoint/2010/main" val="44370840"/>
+      </p:ext>
+    </p:extLst>
+  </p:cSld>
+  <p:clrMapOvr>
+    <a:masterClrMapping/>
+  </p:clrMapOvr>
+</p:notes>
+</file>
+
+<file path=ppt/notesSlides/notesSlide6.xml><?xml version="1.0" encoding="utf-8"?>
+<p:notes xmlns:a="http://schemas.openxmlformats.org/drawingml/2006/main" xmlns:r="http://schemas.openxmlformats.org/officeDocument/2006/relationships" xmlns:p="http://schemas.openxmlformats.org/presentationml/2006/main">
+  <p:cSld>
+    <p:spTree>
+      <p:nvGrpSpPr>
+        <p:cNvPr id="1" name="">
+          <a:extLst>
+            <a:ext uri="{FF2B5EF4-FFF2-40B4-BE49-F238E27FC236}">
+              <a16:creationId xmlns:a16="http://schemas.microsoft.com/office/drawing/2014/main" id="{9ECA8814-1747-144A-CC8A-6475EB37F058}"/>
+            </a:ext>
+          </a:extLst>
+        </p:cNvPr>
+        <p:cNvGrpSpPr/>
+        <p:nvPr/>
+      </p:nvGrpSpPr>
+      <p:grpSpPr>
+        <a:xfrm>
+          <a:off x="0" y="0"/>
+          <a:ext cx="0" cy="0"/>
+          <a:chOff x="0" y="0"/>
+          <a:chExt cx="0" cy="0"/>
+        </a:xfrm>
+      </p:grpSpPr>
+      <p:sp>
+        <p:nvSpPr>
+          <p:cNvPr id="2" name="Slide Image Placeholder 1">
+            <a:extLst>
+              <a:ext uri="{FF2B5EF4-FFF2-40B4-BE49-F238E27FC236}">
+                <a16:creationId xmlns:a16="http://schemas.microsoft.com/office/drawing/2014/main" id="{4E5BB97B-0061-0C34-A196-2F09042AFADF}"/>
+              </a:ext>
+            </a:extLst>
+          </p:cNvPr>
+          <p:cNvSpPr>
+            <a:spLocks noGrp="1" noRot="1" noChangeAspect="1"/>
+          </p:cNvSpPr>
+          <p:nvPr>
+            <p:ph type="sldImg"/>
+          </p:nvPr>
+        </p:nvSpPr>
+        <p:spPr/>
+      </p:sp>
+      <p:sp>
+        <p:nvSpPr>
+          <p:cNvPr id="3" name="Notes Placeholder 2">
+            <a:extLst>
+              <a:ext uri="{FF2B5EF4-FFF2-40B4-BE49-F238E27FC236}">
+                <a16:creationId xmlns:a16="http://schemas.microsoft.com/office/drawing/2014/main" id="{ADAD4E7B-4118-D9C6-7491-60FAB32B81BC}"/>
+              </a:ext>
+            </a:extLst>
+          </p:cNvPr>
+          <p:cNvSpPr>
+            <a:spLocks noGrp="1"/>
+          </p:cNvSpPr>
+          <p:nvPr>
+            <p:ph type="body" idx="1"/>
+          </p:nvPr>
+        </p:nvSpPr>
+        <p:spPr/>
+        <p:txBody>
+          <a:bodyPr/>
+          <a:lstStyle/>
+          <a:p>
+            <a:endParaRPr lang="en-US" dirty="0"/>
+          </a:p>
+        </p:txBody>
+      </p:sp>
+      <p:sp>
+        <p:nvSpPr>
+          <p:cNvPr id="4" name="Slide Number Placeholder 3">
+            <a:extLst>
+              <a:ext uri="{FF2B5EF4-FFF2-40B4-BE49-F238E27FC236}">
+                <a16:creationId xmlns:a16="http://schemas.microsoft.com/office/drawing/2014/main" id="{C04DFF32-D922-E087-05C3-A5A9CC6CFBBD}"/>
+              </a:ext>
+            </a:extLst>
+          </p:cNvPr>
+          <p:cNvSpPr>
+            <a:spLocks noGrp="1"/>
+          </p:cNvSpPr>
+          <p:nvPr>
+            <p:ph type="sldNum" sz="quarter" idx="5"/>
+          </p:nvPr>
+        </p:nvSpPr>
+        <p:spPr/>
+        <p:txBody>
+          <a:bodyPr/>
+          <a:lstStyle/>
+          <a:p>
+            <a:fld id="{E666506D-5C9B-294C-B2AE-15ACE8B5B9F7}" type="slidenum">
+              <a:rPr lang="en-US" smtClean="0"/>
+              <a:t>21</a:t>
+            </a:fld>
+            <a:endParaRPr lang="en-US"/>
+          </a:p>
+        </p:txBody>
+      </p:sp>
+    </p:spTree>
+    <p:extLst>
+      <p:ext uri="{BB962C8B-B14F-4D97-AF65-F5344CB8AC3E}">
+        <p14:creationId xmlns:p14="http://schemas.microsoft.com/office/powerpoint/2010/main" val="3407020246"/>
+      </p:ext>
+    </p:extLst>
+  </p:cSld>
+  <p:clrMapOvr>
+    <a:masterClrMapping/>
+  </p:clrMapOvr>
+</p:notes>
+</file>
+
+<file path=ppt/notesSlides/notesSlide7.xml><?xml version="1.0" encoding="utf-8"?>
+<p:notes xmlns:a="http://schemas.openxmlformats.org/drawingml/2006/main" xmlns:r="http://schemas.openxmlformats.org/officeDocument/2006/relationships" xmlns:p="http://schemas.openxmlformats.org/presentationml/2006/main">
+  <p:cSld>
+    <p:spTree>
+      <p:nvGrpSpPr>
+        <p:cNvPr id="1" name="">
+          <a:extLst>
+            <a:ext uri="{FF2B5EF4-FFF2-40B4-BE49-F238E27FC236}">
+              <a16:creationId xmlns:a16="http://schemas.microsoft.com/office/drawing/2014/main" id="{DADA3F42-7C96-7DF6-6C46-F417746A45CA}"/>
+            </a:ext>
+          </a:extLst>
+        </p:cNvPr>
+        <p:cNvGrpSpPr/>
+        <p:nvPr/>
+      </p:nvGrpSpPr>
+      <p:grpSpPr>
+        <a:xfrm>
+          <a:off x="0" y="0"/>
+          <a:ext cx="0" cy="0"/>
+          <a:chOff x="0" y="0"/>
+          <a:chExt cx="0" cy="0"/>
+        </a:xfrm>
+      </p:grpSpPr>
+      <p:sp>
+        <p:nvSpPr>
+          <p:cNvPr id="2" name="Slide Image Placeholder 1">
+            <a:extLst>
+              <a:ext uri="{FF2B5EF4-FFF2-40B4-BE49-F238E27FC236}">
+                <a16:creationId xmlns:a16="http://schemas.microsoft.com/office/drawing/2014/main" id="{B71AE025-1B80-7EB3-DD08-E3DC4F739786}"/>
+              </a:ext>
+            </a:extLst>
+          </p:cNvPr>
+          <p:cNvSpPr>
+            <a:spLocks noGrp="1" noRot="1" noChangeAspect="1"/>
+          </p:cNvSpPr>
+          <p:nvPr>
+            <p:ph type="sldImg"/>
+          </p:nvPr>
+        </p:nvSpPr>
+        <p:spPr/>
+      </p:sp>
+      <p:sp>
+        <p:nvSpPr>
+          <p:cNvPr id="3" name="Notes Placeholder 2">
+            <a:extLst>
+              <a:ext uri="{FF2B5EF4-FFF2-40B4-BE49-F238E27FC236}">
+                <a16:creationId xmlns:a16="http://schemas.microsoft.com/office/drawing/2014/main" id="{BC7A3A9A-05D3-45D4-86F5-AEAC2787174C}"/>
+              </a:ext>
+            </a:extLst>
+          </p:cNvPr>
+          <p:cNvSpPr>
+            <a:spLocks noGrp="1"/>
+          </p:cNvSpPr>
+          <p:nvPr>
+            <p:ph type="body" idx="1"/>
+          </p:nvPr>
+        </p:nvSpPr>
+        <p:spPr/>
+        <p:txBody>
+          <a:bodyPr/>
+          <a:lstStyle/>
+          <a:p>
+            <a:endParaRPr lang="en-US" dirty="0"/>
+          </a:p>
+        </p:txBody>
+      </p:sp>
+      <p:sp>
+        <p:nvSpPr>
+          <p:cNvPr id="4" name="Slide Number Placeholder 3">
+            <a:extLst>
+              <a:ext uri="{FF2B5EF4-FFF2-40B4-BE49-F238E27FC236}">
+                <a16:creationId xmlns:a16="http://schemas.microsoft.com/office/drawing/2014/main" id="{524149D4-D7B6-8456-F277-5F8344F65E57}"/>
+              </a:ext>
+            </a:extLst>
+          </p:cNvPr>
+          <p:cNvSpPr>
+            <a:spLocks noGrp="1"/>
+          </p:cNvSpPr>
+          <p:nvPr>
+            <p:ph type="sldNum" sz="quarter" idx="5"/>
+          </p:nvPr>
+        </p:nvSpPr>
+        <p:spPr/>
+        <p:txBody>
+          <a:bodyPr/>
+          <a:lstStyle/>
+          <a:p>
+            <a:fld id="{E666506D-5C9B-294C-B2AE-15ACE8B5B9F7}" type="slidenum">
+              <a:rPr lang="en-US" smtClean="0"/>
+              <a:t>22</a:t>
+            </a:fld>
+            <a:endParaRPr lang="en-US"/>
+          </a:p>
+        </p:txBody>
+      </p:sp>
+    </p:spTree>
+    <p:extLst>
+      <p:ext uri="{BB962C8B-B14F-4D97-AF65-F5344CB8AC3E}">
+        <p14:creationId xmlns:p14="http://schemas.microsoft.com/office/powerpoint/2010/main" val="1581797342"/>
+      </p:ext>
+    </p:extLst>
+  </p:cSld>
+  <p:clrMapOvr>
+    <a:masterClrMapping/>
+  </p:clrMapOvr>
+</p:notes>
+</file>
+
+<file path=ppt/notesSlides/notesSlide8.xml><?xml version="1.0" encoding="utf-8"?>
+<p:notes xmlns:a="http://schemas.openxmlformats.org/drawingml/2006/main" xmlns:r="http://schemas.openxmlformats.org/officeDocument/2006/relationships" xmlns:p="http://schemas.openxmlformats.org/presentationml/2006/main">
+  <p:cSld>
+    <p:spTree>
+      <p:nvGrpSpPr>
+        <p:cNvPr id="1" name="">
+          <a:extLst>
+            <a:ext uri="{FF2B5EF4-FFF2-40B4-BE49-F238E27FC236}">
+              <a16:creationId xmlns:a16="http://schemas.microsoft.com/office/drawing/2014/main" id="{E2EC2610-7F92-5D73-30DC-04CED3B1FB42}"/>
+            </a:ext>
+          </a:extLst>
+        </p:cNvPr>
+        <p:cNvGrpSpPr/>
+        <p:nvPr/>
+      </p:nvGrpSpPr>
+      <p:grpSpPr>
+        <a:xfrm>
+          <a:off x="0" y="0"/>
+          <a:ext cx="0" cy="0"/>
+          <a:chOff x="0" y="0"/>
+          <a:chExt cx="0" cy="0"/>
+        </a:xfrm>
+      </p:grpSpPr>
+      <p:sp>
+        <p:nvSpPr>
+          <p:cNvPr id="2" name="Slide Image Placeholder 1">
+            <a:extLst>
+              <a:ext uri="{FF2B5EF4-FFF2-40B4-BE49-F238E27FC236}">
+                <a16:creationId xmlns:a16="http://schemas.microsoft.com/office/drawing/2014/main" id="{1D6CE444-1E82-BFBF-7500-DF317E904A0B}"/>
+              </a:ext>
+            </a:extLst>
+          </p:cNvPr>
+          <p:cNvSpPr>
+            <a:spLocks noGrp="1" noRot="1" noChangeAspect="1"/>
+          </p:cNvSpPr>
+          <p:nvPr>
+            <p:ph type="sldImg"/>
+          </p:nvPr>
+        </p:nvSpPr>
+        <p:spPr/>
+      </p:sp>
+      <p:sp>
+        <p:nvSpPr>
+          <p:cNvPr id="3" name="Notes Placeholder 2">
+            <a:extLst>
+              <a:ext uri="{FF2B5EF4-FFF2-40B4-BE49-F238E27FC236}">
+                <a16:creationId xmlns:a16="http://schemas.microsoft.com/office/drawing/2014/main" id="{EF3B69DD-0FBE-B6F8-1FCA-30D6172A8EAB}"/>
+              </a:ext>
+            </a:extLst>
+          </p:cNvPr>
+          <p:cNvSpPr>
+            <a:spLocks noGrp="1"/>
+          </p:cNvSpPr>
+          <p:nvPr>
+            <p:ph type="body" idx="1"/>
+          </p:nvPr>
+        </p:nvSpPr>
+        <p:spPr/>
+        <p:txBody>
+          <a:bodyPr/>
+          <a:lstStyle/>
+          <a:p>
+            <a:endParaRPr lang="en-US" dirty="0"/>
+          </a:p>
+        </p:txBody>
+      </p:sp>
+      <p:sp>
+        <p:nvSpPr>
+          <p:cNvPr id="4" name="Slide Number Placeholder 3">
+            <a:extLst>
+              <a:ext uri="{FF2B5EF4-FFF2-40B4-BE49-F238E27FC236}">
+                <a16:creationId xmlns:a16="http://schemas.microsoft.com/office/drawing/2014/main" id="{C6DC9586-E8FC-76ED-E376-F2597C5099E5}"/>
+              </a:ext>
+            </a:extLst>
+          </p:cNvPr>
+          <p:cNvSpPr>
+            <a:spLocks noGrp="1"/>
+          </p:cNvSpPr>
+          <p:nvPr>
+            <p:ph type="sldNum" sz="quarter" idx="5"/>
+          </p:nvPr>
+        </p:nvSpPr>
+        <p:spPr/>
+        <p:txBody>
+          <a:bodyPr/>
+          <a:lstStyle/>
+          <a:p>
+            <a:fld id="{E666506D-5C9B-294C-B2AE-15ACE8B5B9F7}" type="slidenum">
+              <a:rPr lang="en-US" smtClean="0"/>
+              <a:t>23</a:t>
+            </a:fld>
+            <a:endParaRPr lang="en-US"/>
+          </a:p>
+        </p:txBody>
+      </p:sp>
+    </p:spTree>
+    <p:extLst>
+      <p:ext uri="{BB962C8B-B14F-4D97-AF65-F5344CB8AC3E}">
+        <p14:creationId xmlns:p14="http://schemas.microsoft.com/office/powerpoint/2010/main" val="4075307381"/>
+      </p:ext>
+    </p:extLst>
+  </p:cSld>
+  <p:clrMapOvr>
+    <a:masterClrMapping/>
+  </p:clrMapOvr>
+</p:notes>
+</file>
+
+<file path=ppt/notesSlides/notesSlide9.xml><?xml version="1.0" encoding="utf-8"?>
 <p:notes xmlns:a="http://schemas.openxmlformats.org/drawingml/2006/main" xmlns:r="http://schemas.openxmlformats.org/officeDocument/2006/relationships" xmlns:p="http://schemas.openxmlformats.org/presentationml/2006/main">
   <p:cSld>
     <p:spTree>
@@ -699,7 +1467,7 @@
           <a:bodyPr/>
           <a:lstStyle/>
           <a:p>
-            <a:endParaRPr lang="en-US"/>
+            <a:endParaRPr lang="en-US" dirty="0"/>
           </a:p>
         </p:txBody>
       </p:sp>
@@ -710,7 +1478,7 @@
             <a:spLocks noGrp="1"/>
           </p:cNvSpPr>
           <p:nvPr>
-            <p:ph type="sldNum" sz="quarter" idx="10"/>
+            <p:ph type="sldNum" sz="quarter" idx="5"/>
           </p:nvPr>
         </p:nvSpPr>
         <p:spPr/>
@@ -720,7 +1488,7 @@
           <a:p>
             <a:fld id="{77F12483-E947-6F4E-A75E-B2E677827779}" type="slidenum">
               <a:rPr lang="en-US" smtClean="0"/>
-              <a:t>23</a:t>
+              <a:t>35</a:t>
             </a:fld>
             <a:endParaRPr lang="en-US"/>
           </a:p>
@@ -729,7 +1497,7 @@
     </p:spTree>
     <p:extLst>
       <p:ext uri="{BB962C8B-B14F-4D97-AF65-F5344CB8AC3E}">
-        <p14:creationId xmlns:p14="http://schemas.microsoft.com/office/powerpoint/2010/main" val="1693617411"/>
+        <p14:creationId xmlns:p14="http://schemas.microsoft.com/office/powerpoint/2010/main" val="2079132131"/>
       </p:ext>
     </p:extLst>
   </p:cSld>
@@ -964,7 +1732,7 @@
             <a:fld id="{5586B75A-687E-405C-8A0B-8D00578BA2C3}" type="datetimeFigureOut">
               <a:rPr lang="en-US" smtClean="0"/>
               <a:pPr/>
-              <a:t>10/1/23</a:t>
+              <a:t>2/20/24</a:t>
             </a:fld>
             <a:endParaRPr lang="en-US" dirty="0"/>
           </a:p>
@@ -1136,7 +1904,7 @@
             <a:fld id="{5586B75A-687E-405C-8A0B-8D00578BA2C3}" type="datetimeFigureOut">
               <a:rPr lang="en-US" smtClean="0"/>
               <a:pPr/>
-              <a:t>10/1/23</a:t>
+              <a:t>2/20/24</a:t>
             </a:fld>
             <a:endParaRPr lang="en-US" dirty="0"/>
           </a:p>
@@ -1318,7 +2086,7 @@
             <a:fld id="{5586B75A-687E-405C-8A0B-8D00578BA2C3}" type="datetimeFigureOut">
               <a:rPr lang="en-US" smtClean="0"/>
               <a:pPr/>
-              <a:t>10/1/23</a:t>
+              <a:t>2/20/24</a:t>
             </a:fld>
             <a:endParaRPr lang="en-US" dirty="0"/>
           </a:p>
@@ -1490,7 +2258,7 @@
             <a:fld id="{5586B75A-687E-405C-8A0B-8D00578BA2C3}" type="datetimeFigureOut">
               <a:rPr lang="en-US" smtClean="0"/>
               <a:pPr/>
-              <a:t>10/1/23</a:t>
+              <a:t>2/20/24</a:t>
             </a:fld>
             <a:endParaRPr lang="en-US" dirty="0"/>
           </a:p>
@@ -1746,7 +2514,7 @@
             <a:fld id="{5586B75A-687E-405C-8A0B-8D00578BA2C3}" type="datetimeFigureOut">
               <a:rPr lang="en-US" smtClean="0"/>
               <a:pPr/>
-              <a:t>10/1/23</a:t>
+              <a:t>2/20/24</a:t>
             </a:fld>
             <a:endParaRPr lang="en-US" dirty="0"/>
           </a:p>
@@ -2036,7 +2804,7 @@
             <a:fld id="{5586B75A-687E-405C-8A0B-8D00578BA2C3}" type="datetimeFigureOut">
               <a:rPr lang="en-US" smtClean="0"/>
               <a:pPr/>
-              <a:t>10/1/23</a:t>
+              <a:t>2/20/24</a:t>
             </a:fld>
             <a:endParaRPr lang="en-US" dirty="0"/>
           </a:p>
@@ -2480,7 +3248,7 @@
             <a:fld id="{5586B75A-687E-405C-8A0B-8D00578BA2C3}" type="datetimeFigureOut">
               <a:rPr lang="en-US" smtClean="0"/>
               <a:pPr/>
-              <a:t>10/1/23</a:t>
+              <a:t>2/20/24</a:t>
             </a:fld>
             <a:endParaRPr lang="en-US" dirty="0"/>
           </a:p>
@@ -2600,7 +3368,7 @@
             <a:fld id="{5586B75A-687E-405C-8A0B-8D00578BA2C3}" type="datetimeFigureOut">
               <a:rPr lang="en-US" smtClean="0"/>
               <a:pPr/>
-              <a:t>10/1/23</a:t>
+              <a:t>2/20/24</a:t>
             </a:fld>
             <a:endParaRPr lang="en-US" dirty="0"/>
           </a:p>
@@ -2697,7 +3465,7 @@
             <a:fld id="{5586B75A-687E-405C-8A0B-8D00578BA2C3}" type="datetimeFigureOut">
               <a:rPr lang="en-US" smtClean="0"/>
               <a:pPr/>
-              <a:t>10/1/23</a:t>
+              <a:t>2/20/24</a:t>
             </a:fld>
             <a:endParaRPr lang="en-US" dirty="0"/>
           </a:p>
@@ -2987,7 +3755,7 @@
             <a:fld id="{5586B75A-687E-405C-8A0B-8D00578BA2C3}" type="datetimeFigureOut">
               <a:rPr lang="en-US" smtClean="0"/>
               <a:pPr/>
-              <a:t>10/1/23</a:t>
+              <a:t>2/20/24</a:t>
             </a:fld>
             <a:endParaRPr lang="en-US" dirty="0"/>
           </a:p>
@@ -3262,7 +4030,7 @@
             <a:fld id="{5586B75A-687E-405C-8A0B-8D00578BA2C3}" type="datetimeFigureOut">
               <a:rPr lang="en-US" smtClean="0"/>
               <a:pPr/>
-              <a:t>10/1/23</a:t>
+              <a:t>2/20/24</a:t>
             </a:fld>
             <a:endParaRPr lang="en-US" dirty="0"/>
           </a:p>
@@ -3561,7 +4329,7 @@
             <a:fld id="{5586B75A-687E-405C-8A0B-8D00578BA2C3}" type="datetimeFigureOut">
               <a:rPr lang="en-US" smtClean="0"/>
               <a:pPr/>
-              <a:t>10/1/23</a:t>
+              <a:t>2/20/24</a:t>
             </a:fld>
             <a:endParaRPr lang="en-US" dirty="0"/>
           </a:p>
@@ -4064,13 +4832,13 @@
         <p:spPr/>
         <p:txBody>
           <a:bodyPr>
-            <a:normAutofit fontScale="90000"/>
+            <a:normAutofit/>
           </a:bodyPr>
           <a:lstStyle/>
           <a:p>
             <a:r>
               <a:rPr lang="en-US" dirty="0"/>
-              <a:t>Why Does My Computer Do That? Intro to Coding with Python– Loops</a:t>
+              <a:t>Intro to Coding with Python– For Loops</a:t>
             </a:r>
           </a:p>
         </p:txBody>
@@ -4166,6 +4934,1534 @@
   <p:cSld>
     <p:spTree>
       <p:nvGrpSpPr>
+        <p:cNvPr id="1" name="">
+          <a:extLst>
+            <a:ext uri="{FF2B5EF4-FFF2-40B4-BE49-F238E27FC236}">
+              <a16:creationId xmlns:a16="http://schemas.microsoft.com/office/drawing/2014/main" id="{D40BC5D8-9A35-5B13-15C6-08C1CF0A6BD5}"/>
+            </a:ext>
+          </a:extLst>
+        </p:cNvPr>
+        <p:cNvGrpSpPr/>
+        <p:nvPr/>
+      </p:nvGrpSpPr>
+      <p:grpSpPr>
+        <a:xfrm>
+          <a:off x="0" y="0"/>
+          <a:ext cx="0" cy="0"/>
+          <a:chOff x="0" y="0"/>
+          <a:chExt cx="0" cy="0"/>
+        </a:xfrm>
+      </p:grpSpPr>
+      <p:sp>
+        <p:nvSpPr>
+          <p:cNvPr id="2" name="Title 1">
+            <a:extLst>
+              <a:ext uri="{FF2B5EF4-FFF2-40B4-BE49-F238E27FC236}">
+                <a16:creationId xmlns:a16="http://schemas.microsoft.com/office/drawing/2014/main" id="{FC3CD115-9094-CB58-A6A9-CCEB0DA79EFF}"/>
+              </a:ext>
+            </a:extLst>
+          </p:cNvPr>
+          <p:cNvSpPr>
+            <a:spLocks noGrp="1"/>
+          </p:cNvSpPr>
+          <p:nvPr>
+            <p:ph type="title"/>
+          </p:nvPr>
+        </p:nvSpPr>
+        <p:spPr/>
+        <p:txBody>
+          <a:bodyPr/>
+          <a:lstStyle/>
+          <a:p>
+            <a:r>
+              <a:rPr lang="en-US" b="1" dirty="0">
+                <a:solidFill>
+                  <a:srgbClr val="FF9100"/>
+                </a:solidFill>
+                <a:latin typeface="Courier" pitchFamily="2" charset="0"/>
+              </a:rPr>
+              <a:t>for...in</a:t>
+            </a:r>
+            <a:r>
+              <a:rPr lang="en-US" dirty="0"/>
+              <a:t> loops</a:t>
+            </a:r>
+          </a:p>
+        </p:txBody>
+      </p:sp>
+      <p:sp>
+        <p:nvSpPr>
+          <p:cNvPr id="3" name="Content Placeholder 2">
+            <a:extLst>
+              <a:ext uri="{FF2B5EF4-FFF2-40B4-BE49-F238E27FC236}">
+                <a16:creationId xmlns:a16="http://schemas.microsoft.com/office/drawing/2014/main" id="{57064A6B-C0F5-E76A-5016-6882EE337723}"/>
+              </a:ext>
+            </a:extLst>
+          </p:cNvPr>
+          <p:cNvSpPr>
+            <a:spLocks noGrp="1"/>
+          </p:cNvSpPr>
+          <p:nvPr>
+            <p:ph idx="1"/>
+          </p:nvPr>
+        </p:nvSpPr>
+        <p:spPr/>
+        <p:txBody>
+          <a:bodyPr anchor="t">
+            <a:normAutofit/>
+          </a:bodyPr>
+          <a:lstStyle/>
+          <a:p>
+            <a:r>
+              <a:rPr lang="en-US" sz="2800" dirty="0"/>
+              <a:t>In Python, we use the keywords </a:t>
+            </a:r>
+            <a:r>
+              <a:rPr lang="en-US" sz="2800" b="1" dirty="0">
+                <a:solidFill>
+                  <a:srgbClr val="FF9100"/>
+                </a:solidFill>
+                <a:latin typeface="Courier" pitchFamily="2" charset="0"/>
+              </a:rPr>
+              <a:t>for</a:t>
+            </a:r>
+            <a:r>
+              <a:rPr lang="en-US" sz="2800" dirty="0"/>
+              <a:t> and </a:t>
+            </a:r>
+            <a:r>
+              <a:rPr lang="en-US" sz="2800" b="1" dirty="0">
+                <a:solidFill>
+                  <a:srgbClr val="FF9100"/>
+                </a:solidFill>
+                <a:latin typeface="Courier" pitchFamily="2" charset="0"/>
+              </a:rPr>
+              <a:t>in</a:t>
+            </a:r>
+            <a:r>
+              <a:rPr lang="en-US" sz="2800" dirty="0"/>
+              <a:t> to loop through a list</a:t>
+            </a:r>
+          </a:p>
+        </p:txBody>
+      </p:sp>
+      <p:pic>
+        <p:nvPicPr>
+          <p:cNvPr id="7" name="Picture 6">
+            <a:extLst>
+              <a:ext uri="{FF2B5EF4-FFF2-40B4-BE49-F238E27FC236}">
+                <a16:creationId xmlns:a16="http://schemas.microsoft.com/office/drawing/2014/main" id="{D094406E-0803-4CD2-9CB6-8315A4F68CB4}"/>
+              </a:ext>
+            </a:extLst>
+          </p:cNvPr>
+          <p:cNvPicPr>
+            <a:picLocks noChangeAspect="1"/>
+          </p:cNvPicPr>
+          <p:nvPr/>
+        </p:nvPicPr>
+        <p:blipFill>
+          <a:blip r:embed="rId2">
+            <a:alphaModFix amt="20000"/>
+            <a:extLst>
+              <a:ext uri="{28A0092B-C50C-407E-A947-70E740481C1C}">
+                <a14:useLocalDpi xmlns:a14="http://schemas.microsoft.com/office/drawing/2010/main" val="0"/>
+              </a:ext>
+            </a:extLst>
+          </a:blip>
+          <a:stretch>
+            <a:fillRect/>
+          </a:stretch>
+        </p:blipFill>
+        <p:spPr>
+          <a:xfrm>
+            <a:off x="4003964" y="2062864"/>
+            <a:ext cx="7315200" cy="3324261"/>
+          </a:xfrm>
+          <a:prstGeom prst="rect">
+            <a:avLst/>
+          </a:prstGeom>
+        </p:spPr>
+      </p:pic>
+      <p:sp>
+        <p:nvSpPr>
+          <p:cNvPr id="4" name="Rounded Rectangular Callout 3">
+            <a:extLst>
+              <a:ext uri="{FF2B5EF4-FFF2-40B4-BE49-F238E27FC236}">
+                <a16:creationId xmlns:a16="http://schemas.microsoft.com/office/drawing/2014/main" id="{E409CFAF-7114-AABD-7BCD-AFE2FF67FC07}"/>
+              </a:ext>
+            </a:extLst>
+          </p:cNvPr>
+          <p:cNvSpPr/>
+          <p:nvPr/>
+        </p:nvSpPr>
+        <p:spPr>
+          <a:xfrm>
+            <a:off x="8444139" y="2945409"/>
+            <a:ext cx="2637693" cy="779585"/>
+          </a:xfrm>
+          <a:prstGeom prst="wedgeRoundRectCallout">
+            <a:avLst>
+              <a:gd name="adj1" fmla="val -178168"/>
+              <a:gd name="adj2" fmla="val -72454"/>
+              <a:gd name="adj3" fmla="val 16667"/>
+            </a:avLst>
+          </a:prstGeom>
+        </p:spPr>
+        <p:style>
+          <a:lnRef idx="2">
+            <a:schemeClr val="accent3">
+              <a:shade val="15000"/>
+            </a:schemeClr>
+          </a:lnRef>
+          <a:fillRef idx="1">
+            <a:schemeClr val="accent3"/>
+          </a:fillRef>
+          <a:effectRef idx="0">
+            <a:schemeClr val="accent3"/>
+          </a:effectRef>
+          <a:fontRef idx="minor">
+            <a:schemeClr val="lt1"/>
+          </a:fontRef>
+        </p:style>
+        <p:txBody>
+          <a:bodyPr rtlCol="0" anchor="ctr"/>
+          <a:lstStyle/>
+          <a:p>
+            <a:pPr algn="ctr"/>
+            <a:r>
+              <a:rPr lang="en-US" sz="2400" dirty="0"/>
+              <a:t>keyword for</a:t>
+            </a:r>
+          </a:p>
+        </p:txBody>
+      </p:sp>
+      <p:pic>
+        <p:nvPicPr>
+          <p:cNvPr id="5" name="Picture 4">
+            <a:extLst>
+              <a:ext uri="{FF2B5EF4-FFF2-40B4-BE49-F238E27FC236}">
+                <a16:creationId xmlns:a16="http://schemas.microsoft.com/office/drawing/2014/main" id="{C23CD43E-57C3-2B8B-6222-A75459362D85}"/>
+              </a:ext>
+            </a:extLst>
+          </p:cNvPr>
+          <p:cNvPicPr>
+            <a:picLocks noChangeAspect="1"/>
+          </p:cNvPicPr>
+          <p:nvPr/>
+        </p:nvPicPr>
+        <p:blipFill rotWithShape="1">
+          <a:blip r:embed="rId2">
+            <a:extLst>
+              <a:ext uri="{28A0092B-C50C-407E-A947-70E740481C1C}">
+                <a14:useLocalDpi xmlns:a14="http://schemas.microsoft.com/office/drawing/2010/main" val="0"/>
+              </a:ext>
+            </a:extLst>
+          </a:blip>
+          <a:srcRect l="6964" t="14118" r="85184" b="75655"/>
+          <a:stretch/>
+        </p:blipFill>
+        <p:spPr>
+          <a:xfrm>
+            <a:off x="4513385" y="2532185"/>
+            <a:ext cx="574430" cy="339969"/>
+          </a:xfrm>
+          <a:prstGeom prst="rect">
+            <a:avLst/>
+          </a:prstGeom>
+        </p:spPr>
+      </p:pic>
+    </p:spTree>
+    <p:extLst>
+      <p:ext uri="{BB962C8B-B14F-4D97-AF65-F5344CB8AC3E}">
+        <p14:creationId xmlns:p14="http://schemas.microsoft.com/office/powerpoint/2010/main" val="182979559"/>
+      </p:ext>
+    </p:extLst>
+  </p:cSld>
+  <p:clrMapOvr>
+    <a:masterClrMapping/>
+  </p:clrMapOvr>
+</p:sld>
+</file>
+
+<file path=ppt/slides/slide11.xml><?xml version="1.0" encoding="utf-8"?>
+<p:sld xmlns:a="http://schemas.openxmlformats.org/drawingml/2006/main" xmlns:r="http://schemas.openxmlformats.org/officeDocument/2006/relationships" xmlns:p="http://schemas.openxmlformats.org/presentationml/2006/main">
+  <p:cSld>
+    <p:spTree>
+      <p:nvGrpSpPr>
+        <p:cNvPr id="1" name="">
+          <a:extLst>
+            <a:ext uri="{FF2B5EF4-FFF2-40B4-BE49-F238E27FC236}">
+              <a16:creationId xmlns:a16="http://schemas.microsoft.com/office/drawing/2014/main" id="{A67A1B87-605E-ACD6-8CB3-92F55707E5EE}"/>
+            </a:ext>
+          </a:extLst>
+        </p:cNvPr>
+        <p:cNvGrpSpPr/>
+        <p:nvPr/>
+      </p:nvGrpSpPr>
+      <p:grpSpPr>
+        <a:xfrm>
+          <a:off x="0" y="0"/>
+          <a:ext cx="0" cy="0"/>
+          <a:chOff x="0" y="0"/>
+          <a:chExt cx="0" cy="0"/>
+        </a:xfrm>
+      </p:grpSpPr>
+      <p:sp>
+        <p:nvSpPr>
+          <p:cNvPr id="2" name="Title 1">
+            <a:extLst>
+              <a:ext uri="{FF2B5EF4-FFF2-40B4-BE49-F238E27FC236}">
+                <a16:creationId xmlns:a16="http://schemas.microsoft.com/office/drawing/2014/main" id="{6A6C93CF-D5D5-C79B-21CD-5408EF46091E}"/>
+              </a:ext>
+            </a:extLst>
+          </p:cNvPr>
+          <p:cNvSpPr>
+            <a:spLocks noGrp="1"/>
+          </p:cNvSpPr>
+          <p:nvPr>
+            <p:ph type="title"/>
+          </p:nvPr>
+        </p:nvSpPr>
+        <p:spPr/>
+        <p:txBody>
+          <a:bodyPr/>
+          <a:lstStyle/>
+          <a:p>
+            <a:r>
+              <a:rPr lang="en-US" b="1" dirty="0">
+                <a:solidFill>
+                  <a:srgbClr val="FF9100"/>
+                </a:solidFill>
+                <a:latin typeface="Courier" pitchFamily="2" charset="0"/>
+              </a:rPr>
+              <a:t>for...in</a:t>
+            </a:r>
+            <a:r>
+              <a:rPr lang="en-US" dirty="0"/>
+              <a:t> loops</a:t>
+            </a:r>
+          </a:p>
+        </p:txBody>
+      </p:sp>
+      <p:sp>
+        <p:nvSpPr>
+          <p:cNvPr id="3" name="Content Placeholder 2">
+            <a:extLst>
+              <a:ext uri="{FF2B5EF4-FFF2-40B4-BE49-F238E27FC236}">
+                <a16:creationId xmlns:a16="http://schemas.microsoft.com/office/drawing/2014/main" id="{3BD64D71-81AC-75E3-5F42-3D4B10A07B7A}"/>
+              </a:ext>
+            </a:extLst>
+          </p:cNvPr>
+          <p:cNvSpPr>
+            <a:spLocks noGrp="1"/>
+          </p:cNvSpPr>
+          <p:nvPr>
+            <p:ph idx="1"/>
+          </p:nvPr>
+        </p:nvSpPr>
+        <p:spPr/>
+        <p:txBody>
+          <a:bodyPr anchor="t">
+            <a:normAutofit/>
+          </a:bodyPr>
+          <a:lstStyle/>
+          <a:p>
+            <a:r>
+              <a:rPr lang="en-US" sz="2800" dirty="0"/>
+              <a:t>In Python, we use the keywords </a:t>
+            </a:r>
+            <a:r>
+              <a:rPr lang="en-US" sz="2800" b="1" dirty="0">
+                <a:solidFill>
+                  <a:srgbClr val="FF9100"/>
+                </a:solidFill>
+                <a:latin typeface="Courier" pitchFamily="2" charset="0"/>
+              </a:rPr>
+              <a:t>for</a:t>
+            </a:r>
+            <a:r>
+              <a:rPr lang="en-US" sz="2800" dirty="0"/>
+              <a:t> and </a:t>
+            </a:r>
+            <a:r>
+              <a:rPr lang="en-US" sz="2800" b="1" dirty="0">
+                <a:solidFill>
+                  <a:srgbClr val="FF9100"/>
+                </a:solidFill>
+                <a:latin typeface="Courier" pitchFamily="2" charset="0"/>
+              </a:rPr>
+              <a:t>in</a:t>
+            </a:r>
+            <a:r>
+              <a:rPr lang="en-US" sz="2800" dirty="0"/>
+              <a:t> to loop through a list</a:t>
+            </a:r>
+          </a:p>
+        </p:txBody>
+      </p:sp>
+      <p:pic>
+        <p:nvPicPr>
+          <p:cNvPr id="7" name="Picture 6">
+            <a:extLst>
+              <a:ext uri="{FF2B5EF4-FFF2-40B4-BE49-F238E27FC236}">
+                <a16:creationId xmlns:a16="http://schemas.microsoft.com/office/drawing/2014/main" id="{A2B45266-75A4-8BFB-98EF-E36E847C6096}"/>
+              </a:ext>
+            </a:extLst>
+          </p:cNvPr>
+          <p:cNvPicPr>
+            <a:picLocks noChangeAspect="1"/>
+          </p:cNvPicPr>
+          <p:nvPr/>
+        </p:nvPicPr>
+        <p:blipFill>
+          <a:blip r:embed="rId2">
+            <a:alphaModFix amt="20000"/>
+            <a:extLst>
+              <a:ext uri="{28A0092B-C50C-407E-A947-70E740481C1C}">
+                <a14:useLocalDpi xmlns:a14="http://schemas.microsoft.com/office/drawing/2010/main" val="0"/>
+              </a:ext>
+            </a:extLst>
+          </a:blip>
+          <a:stretch>
+            <a:fillRect/>
+          </a:stretch>
+        </p:blipFill>
+        <p:spPr>
+          <a:xfrm>
+            <a:off x="4003964" y="2062864"/>
+            <a:ext cx="7315200" cy="3324261"/>
+          </a:xfrm>
+          <a:prstGeom prst="rect">
+            <a:avLst/>
+          </a:prstGeom>
+        </p:spPr>
+      </p:pic>
+      <p:sp>
+        <p:nvSpPr>
+          <p:cNvPr id="4" name="Rounded Rectangular Callout 3">
+            <a:extLst>
+              <a:ext uri="{FF2B5EF4-FFF2-40B4-BE49-F238E27FC236}">
+                <a16:creationId xmlns:a16="http://schemas.microsoft.com/office/drawing/2014/main" id="{E91FC000-5A53-B6EE-8D94-11325AF935EC}"/>
+              </a:ext>
+            </a:extLst>
+          </p:cNvPr>
+          <p:cNvSpPr/>
+          <p:nvPr/>
+        </p:nvSpPr>
+        <p:spPr>
+          <a:xfrm>
+            <a:off x="8444139" y="2945409"/>
+            <a:ext cx="3009721" cy="1110776"/>
+          </a:xfrm>
+          <a:prstGeom prst="wedgeRoundRectCallout">
+            <a:avLst>
+              <a:gd name="adj1" fmla="val -137324"/>
+              <a:gd name="adj2" fmla="val -57996"/>
+              <a:gd name="adj3" fmla="val 16667"/>
+            </a:avLst>
+          </a:prstGeom>
+        </p:spPr>
+        <p:style>
+          <a:lnRef idx="2">
+            <a:schemeClr val="accent3">
+              <a:shade val="15000"/>
+            </a:schemeClr>
+          </a:lnRef>
+          <a:fillRef idx="1">
+            <a:schemeClr val="accent3"/>
+          </a:fillRef>
+          <a:effectRef idx="0">
+            <a:schemeClr val="accent3"/>
+          </a:effectRef>
+          <a:fontRef idx="minor">
+            <a:schemeClr val="lt1"/>
+          </a:fontRef>
+        </p:style>
+        <p:txBody>
+          <a:bodyPr rtlCol="0" anchor="ctr"/>
+          <a:lstStyle/>
+          <a:p>
+            <a:pPr algn="ctr"/>
+            <a:r>
+              <a:rPr lang="en-US" sz="2400" dirty="0"/>
+              <a:t>variable that will be used in the loop code</a:t>
+            </a:r>
+          </a:p>
+        </p:txBody>
+      </p:sp>
+      <p:pic>
+        <p:nvPicPr>
+          <p:cNvPr id="5" name="Picture 4">
+            <a:extLst>
+              <a:ext uri="{FF2B5EF4-FFF2-40B4-BE49-F238E27FC236}">
+                <a16:creationId xmlns:a16="http://schemas.microsoft.com/office/drawing/2014/main" id="{5B7F7F11-614B-F84A-A7CC-5D45BAE0576F}"/>
+              </a:ext>
+            </a:extLst>
+          </p:cNvPr>
+          <p:cNvPicPr>
+            <a:picLocks noChangeAspect="1"/>
+          </p:cNvPicPr>
+          <p:nvPr/>
+        </p:nvPicPr>
+        <p:blipFill rotWithShape="1">
+          <a:blip r:embed="rId2">
+            <a:extLst>
+              <a:ext uri="{28A0092B-C50C-407E-A947-70E740481C1C}">
+                <a14:useLocalDpi xmlns:a14="http://schemas.microsoft.com/office/drawing/2010/main" val="0"/>
+              </a:ext>
+            </a:extLst>
+          </a:blip>
+          <a:srcRect l="14176" t="14824" r="72845" b="76007"/>
+          <a:stretch/>
+        </p:blipFill>
+        <p:spPr>
+          <a:xfrm>
+            <a:off x="5040923" y="2555630"/>
+            <a:ext cx="949568" cy="304801"/>
+          </a:xfrm>
+          <a:prstGeom prst="rect">
+            <a:avLst/>
+          </a:prstGeom>
+        </p:spPr>
+      </p:pic>
+    </p:spTree>
+    <p:extLst>
+      <p:ext uri="{BB962C8B-B14F-4D97-AF65-F5344CB8AC3E}">
+        <p14:creationId xmlns:p14="http://schemas.microsoft.com/office/powerpoint/2010/main" val="1602374270"/>
+      </p:ext>
+    </p:extLst>
+  </p:cSld>
+  <p:clrMapOvr>
+    <a:masterClrMapping/>
+  </p:clrMapOvr>
+</p:sld>
+</file>
+
+<file path=ppt/slides/slide12.xml><?xml version="1.0" encoding="utf-8"?>
+<p:sld xmlns:a="http://schemas.openxmlformats.org/drawingml/2006/main" xmlns:r="http://schemas.openxmlformats.org/officeDocument/2006/relationships" xmlns:p="http://schemas.openxmlformats.org/presentationml/2006/main">
+  <p:cSld>
+    <p:spTree>
+      <p:nvGrpSpPr>
+        <p:cNvPr id="1" name="">
+          <a:extLst>
+            <a:ext uri="{FF2B5EF4-FFF2-40B4-BE49-F238E27FC236}">
+              <a16:creationId xmlns:a16="http://schemas.microsoft.com/office/drawing/2014/main" id="{D48DABED-F673-AB42-FEC5-BA7476BDFBC1}"/>
+            </a:ext>
+          </a:extLst>
+        </p:cNvPr>
+        <p:cNvGrpSpPr/>
+        <p:nvPr/>
+      </p:nvGrpSpPr>
+      <p:grpSpPr>
+        <a:xfrm>
+          <a:off x="0" y="0"/>
+          <a:ext cx="0" cy="0"/>
+          <a:chOff x="0" y="0"/>
+          <a:chExt cx="0" cy="0"/>
+        </a:xfrm>
+      </p:grpSpPr>
+      <p:sp>
+        <p:nvSpPr>
+          <p:cNvPr id="2" name="Title 1">
+            <a:extLst>
+              <a:ext uri="{FF2B5EF4-FFF2-40B4-BE49-F238E27FC236}">
+                <a16:creationId xmlns:a16="http://schemas.microsoft.com/office/drawing/2014/main" id="{A26837A8-0F31-DA6E-AC2F-1BFF887D6E0C}"/>
+              </a:ext>
+            </a:extLst>
+          </p:cNvPr>
+          <p:cNvSpPr>
+            <a:spLocks noGrp="1"/>
+          </p:cNvSpPr>
+          <p:nvPr>
+            <p:ph type="title"/>
+          </p:nvPr>
+        </p:nvSpPr>
+        <p:spPr/>
+        <p:txBody>
+          <a:bodyPr/>
+          <a:lstStyle/>
+          <a:p>
+            <a:r>
+              <a:rPr lang="en-US" b="1" dirty="0">
+                <a:solidFill>
+                  <a:srgbClr val="FF9100"/>
+                </a:solidFill>
+                <a:latin typeface="Courier" pitchFamily="2" charset="0"/>
+              </a:rPr>
+              <a:t>for...in</a:t>
+            </a:r>
+            <a:r>
+              <a:rPr lang="en-US" dirty="0"/>
+              <a:t> loops</a:t>
+            </a:r>
+          </a:p>
+        </p:txBody>
+      </p:sp>
+      <p:sp>
+        <p:nvSpPr>
+          <p:cNvPr id="3" name="Content Placeholder 2">
+            <a:extLst>
+              <a:ext uri="{FF2B5EF4-FFF2-40B4-BE49-F238E27FC236}">
+                <a16:creationId xmlns:a16="http://schemas.microsoft.com/office/drawing/2014/main" id="{15C57F97-3C10-3F23-FA1A-C8265F68ACCF}"/>
+              </a:ext>
+            </a:extLst>
+          </p:cNvPr>
+          <p:cNvSpPr>
+            <a:spLocks noGrp="1"/>
+          </p:cNvSpPr>
+          <p:nvPr>
+            <p:ph idx="1"/>
+          </p:nvPr>
+        </p:nvSpPr>
+        <p:spPr/>
+        <p:txBody>
+          <a:bodyPr anchor="t">
+            <a:normAutofit/>
+          </a:bodyPr>
+          <a:lstStyle/>
+          <a:p>
+            <a:r>
+              <a:rPr lang="en-US" sz="2800" dirty="0"/>
+              <a:t>In Python, we use the keywords </a:t>
+            </a:r>
+            <a:r>
+              <a:rPr lang="en-US" sz="2800" b="1" dirty="0">
+                <a:solidFill>
+                  <a:srgbClr val="FF9100"/>
+                </a:solidFill>
+                <a:latin typeface="Courier" pitchFamily="2" charset="0"/>
+              </a:rPr>
+              <a:t>for</a:t>
+            </a:r>
+            <a:r>
+              <a:rPr lang="en-US" sz="2800" dirty="0"/>
+              <a:t> and </a:t>
+            </a:r>
+            <a:r>
+              <a:rPr lang="en-US" sz="2800" b="1" dirty="0">
+                <a:solidFill>
+                  <a:srgbClr val="FF9100"/>
+                </a:solidFill>
+                <a:latin typeface="Courier" pitchFamily="2" charset="0"/>
+              </a:rPr>
+              <a:t>in</a:t>
+            </a:r>
+            <a:r>
+              <a:rPr lang="en-US" sz="2800" dirty="0"/>
+              <a:t> to loop through a list</a:t>
+            </a:r>
+          </a:p>
+        </p:txBody>
+      </p:sp>
+      <p:pic>
+        <p:nvPicPr>
+          <p:cNvPr id="7" name="Picture 6">
+            <a:extLst>
+              <a:ext uri="{FF2B5EF4-FFF2-40B4-BE49-F238E27FC236}">
+                <a16:creationId xmlns:a16="http://schemas.microsoft.com/office/drawing/2014/main" id="{87D0713B-C97D-BDB3-65DF-FD2FD4D8062F}"/>
+              </a:ext>
+            </a:extLst>
+          </p:cNvPr>
+          <p:cNvPicPr>
+            <a:picLocks noChangeAspect="1"/>
+          </p:cNvPicPr>
+          <p:nvPr/>
+        </p:nvPicPr>
+        <p:blipFill>
+          <a:blip r:embed="rId2">
+            <a:alphaModFix amt="20000"/>
+            <a:extLst>
+              <a:ext uri="{28A0092B-C50C-407E-A947-70E740481C1C}">
+                <a14:useLocalDpi xmlns:a14="http://schemas.microsoft.com/office/drawing/2010/main" val="0"/>
+              </a:ext>
+            </a:extLst>
+          </a:blip>
+          <a:stretch>
+            <a:fillRect/>
+          </a:stretch>
+        </p:blipFill>
+        <p:spPr>
+          <a:xfrm>
+            <a:off x="4003964" y="2062864"/>
+            <a:ext cx="7315200" cy="3324261"/>
+          </a:xfrm>
+          <a:prstGeom prst="rect">
+            <a:avLst/>
+          </a:prstGeom>
+        </p:spPr>
+      </p:pic>
+      <p:sp>
+        <p:nvSpPr>
+          <p:cNvPr id="4" name="Rounded Rectangular Callout 3">
+            <a:extLst>
+              <a:ext uri="{FF2B5EF4-FFF2-40B4-BE49-F238E27FC236}">
+                <a16:creationId xmlns:a16="http://schemas.microsoft.com/office/drawing/2014/main" id="{0AF482CD-B50D-1F0F-A1B7-49222CC91488}"/>
+              </a:ext>
+            </a:extLst>
+          </p:cNvPr>
+          <p:cNvSpPr/>
+          <p:nvPr/>
+        </p:nvSpPr>
+        <p:spPr>
+          <a:xfrm>
+            <a:off x="8444139" y="2945409"/>
+            <a:ext cx="3009721" cy="1110776"/>
+          </a:xfrm>
+          <a:prstGeom prst="wedgeRoundRectCallout">
+            <a:avLst>
+              <a:gd name="adj1" fmla="val -120186"/>
+              <a:gd name="adj2" fmla="val -64328"/>
+              <a:gd name="adj3" fmla="val 16667"/>
+            </a:avLst>
+          </a:prstGeom>
+        </p:spPr>
+        <p:style>
+          <a:lnRef idx="2">
+            <a:schemeClr val="accent3">
+              <a:shade val="15000"/>
+            </a:schemeClr>
+          </a:lnRef>
+          <a:fillRef idx="1">
+            <a:schemeClr val="accent3"/>
+          </a:fillRef>
+          <a:effectRef idx="0">
+            <a:schemeClr val="accent3"/>
+          </a:effectRef>
+          <a:fontRef idx="minor">
+            <a:schemeClr val="lt1"/>
+          </a:fontRef>
+        </p:style>
+        <p:txBody>
+          <a:bodyPr rtlCol="0" anchor="ctr"/>
+          <a:lstStyle/>
+          <a:p>
+            <a:pPr algn="ctr"/>
+            <a:r>
+              <a:rPr lang="en-US" sz="2400" dirty="0"/>
+              <a:t>keyword in</a:t>
+            </a:r>
+          </a:p>
+        </p:txBody>
+      </p:sp>
+      <p:pic>
+        <p:nvPicPr>
+          <p:cNvPr id="5" name="Picture 4">
+            <a:extLst>
+              <a:ext uri="{FF2B5EF4-FFF2-40B4-BE49-F238E27FC236}">
+                <a16:creationId xmlns:a16="http://schemas.microsoft.com/office/drawing/2014/main" id="{92A59C17-B2EE-05F1-76BB-098A6C141EA5}"/>
+              </a:ext>
+            </a:extLst>
+          </p:cNvPr>
+          <p:cNvPicPr>
+            <a:picLocks noChangeAspect="1"/>
+          </p:cNvPicPr>
+          <p:nvPr/>
+        </p:nvPicPr>
+        <p:blipFill rotWithShape="1">
+          <a:blip r:embed="rId2">
+            <a:extLst>
+              <a:ext uri="{28A0092B-C50C-407E-A947-70E740481C1C}">
+                <a14:useLocalDpi xmlns:a14="http://schemas.microsoft.com/office/drawing/2010/main" val="0"/>
+              </a:ext>
+            </a:extLst>
+          </a:blip>
+          <a:srcRect l="27316" t="15882" r="66435" b="76007"/>
+          <a:stretch/>
+        </p:blipFill>
+        <p:spPr>
+          <a:xfrm>
+            <a:off x="6002215" y="2590800"/>
+            <a:ext cx="457200" cy="269631"/>
+          </a:xfrm>
+          <a:prstGeom prst="rect">
+            <a:avLst/>
+          </a:prstGeom>
+        </p:spPr>
+      </p:pic>
+    </p:spTree>
+    <p:extLst>
+      <p:ext uri="{BB962C8B-B14F-4D97-AF65-F5344CB8AC3E}">
+        <p14:creationId xmlns:p14="http://schemas.microsoft.com/office/powerpoint/2010/main" val="1431594686"/>
+      </p:ext>
+    </p:extLst>
+  </p:cSld>
+  <p:clrMapOvr>
+    <a:masterClrMapping/>
+  </p:clrMapOvr>
+</p:sld>
+</file>
+
+<file path=ppt/slides/slide13.xml><?xml version="1.0" encoding="utf-8"?>
+<p:sld xmlns:a="http://schemas.openxmlformats.org/drawingml/2006/main" xmlns:r="http://schemas.openxmlformats.org/officeDocument/2006/relationships" xmlns:p="http://schemas.openxmlformats.org/presentationml/2006/main">
+  <p:cSld>
+    <p:spTree>
+      <p:nvGrpSpPr>
+        <p:cNvPr id="1" name="">
+          <a:extLst>
+            <a:ext uri="{FF2B5EF4-FFF2-40B4-BE49-F238E27FC236}">
+              <a16:creationId xmlns:a16="http://schemas.microsoft.com/office/drawing/2014/main" id="{720316D8-B55C-70A6-FFB7-60A5D02D6F27}"/>
+            </a:ext>
+          </a:extLst>
+        </p:cNvPr>
+        <p:cNvGrpSpPr/>
+        <p:nvPr/>
+      </p:nvGrpSpPr>
+      <p:grpSpPr>
+        <a:xfrm>
+          <a:off x="0" y="0"/>
+          <a:ext cx="0" cy="0"/>
+          <a:chOff x="0" y="0"/>
+          <a:chExt cx="0" cy="0"/>
+        </a:xfrm>
+      </p:grpSpPr>
+      <p:sp>
+        <p:nvSpPr>
+          <p:cNvPr id="2" name="Title 1">
+            <a:extLst>
+              <a:ext uri="{FF2B5EF4-FFF2-40B4-BE49-F238E27FC236}">
+                <a16:creationId xmlns:a16="http://schemas.microsoft.com/office/drawing/2014/main" id="{FAF2D90D-0B91-BB23-705F-15E1C1C18FC2}"/>
+              </a:ext>
+            </a:extLst>
+          </p:cNvPr>
+          <p:cNvSpPr>
+            <a:spLocks noGrp="1"/>
+          </p:cNvSpPr>
+          <p:nvPr>
+            <p:ph type="title"/>
+          </p:nvPr>
+        </p:nvSpPr>
+        <p:spPr/>
+        <p:txBody>
+          <a:bodyPr/>
+          <a:lstStyle/>
+          <a:p>
+            <a:r>
+              <a:rPr lang="en-US" b="1" dirty="0">
+                <a:solidFill>
+                  <a:srgbClr val="FF9100"/>
+                </a:solidFill>
+                <a:latin typeface="Courier" pitchFamily="2" charset="0"/>
+              </a:rPr>
+              <a:t>for...in</a:t>
+            </a:r>
+            <a:r>
+              <a:rPr lang="en-US" dirty="0"/>
+              <a:t> loops</a:t>
+            </a:r>
+          </a:p>
+        </p:txBody>
+      </p:sp>
+      <p:sp>
+        <p:nvSpPr>
+          <p:cNvPr id="3" name="Content Placeholder 2">
+            <a:extLst>
+              <a:ext uri="{FF2B5EF4-FFF2-40B4-BE49-F238E27FC236}">
+                <a16:creationId xmlns:a16="http://schemas.microsoft.com/office/drawing/2014/main" id="{694467D9-7B93-2076-3CEB-3BD11091A83B}"/>
+              </a:ext>
+            </a:extLst>
+          </p:cNvPr>
+          <p:cNvSpPr>
+            <a:spLocks noGrp="1"/>
+          </p:cNvSpPr>
+          <p:nvPr>
+            <p:ph idx="1"/>
+          </p:nvPr>
+        </p:nvSpPr>
+        <p:spPr/>
+        <p:txBody>
+          <a:bodyPr anchor="t">
+            <a:normAutofit/>
+          </a:bodyPr>
+          <a:lstStyle/>
+          <a:p>
+            <a:r>
+              <a:rPr lang="en-US" sz="2800" dirty="0"/>
+              <a:t>In Python, we use the keywords </a:t>
+            </a:r>
+            <a:r>
+              <a:rPr lang="en-US" sz="2800" b="1" dirty="0">
+                <a:solidFill>
+                  <a:srgbClr val="FF9100"/>
+                </a:solidFill>
+                <a:latin typeface="Courier" pitchFamily="2" charset="0"/>
+              </a:rPr>
+              <a:t>for</a:t>
+            </a:r>
+            <a:r>
+              <a:rPr lang="en-US" sz="2800" dirty="0"/>
+              <a:t> and </a:t>
+            </a:r>
+            <a:r>
+              <a:rPr lang="en-US" sz="2800" b="1" dirty="0">
+                <a:solidFill>
+                  <a:srgbClr val="FF9100"/>
+                </a:solidFill>
+                <a:latin typeface="Courier" pitchFamily="2" charset="0"/>
+              </a:rPr>
+              <a:t>in</a:t>
+            </a:r>
+            <a:r>
+              <a:rPr lang="en-US" sz="2800" dirty="0"/>
+              <a:t> to loop through a list</a:t>
+            </a:r>
+          </a:p>
+        </p:txBody>
+      </p:sp>
+      <p:pic>
+        <p:nvPicPr>
+          <p:cNvPr id="7" name="Picture 6">
+            <a:extLst>
+              <a:ext uri="{FF2B5EF4-FFF2-40B4-BE49-F238E27FC236}">
+                <a16:creationId xmlns:a16="http://schemas.microsoft.com/office/drawing/2014/main" id="{6AFC27D7-FE7F-694D-A23C-ADCE2ED15C87}"/>
+              </a:ext>
+            </a:extLst>
+          </p:cNvPr>
+          <p:cNvPicPr>
+            <a:picLocks noChangeAspect="1"/>
+          </p:cNvPicPr>
+          <p:nvPr/>
+        </p:nvPicPr>
+        <p:blipFill>
+          <a:blip r:embed="rId2">
+            <a:alphaModFix amt="20000"/>
+            <a:extLst>
+              <a:ext uri="{28A0092B-C50C-407E-A947-70E740481C1C}">
+                <a14:useLocalDpi xmlns:a14="http://schemas.microsoft.com/office/drawing/2010/main" val="0"/>
+              </a:ext>
+            </a:extLst>
+          </a:blip>
+          <a:stretch>
+            <a:fillRect/>
+          </a:stretch>
+        </p:blipFill>
+        <p:spPr>
+          <a:xfrm>
+            <a:off x="4003964" y="2062864"/>
+            <a:ext cx="7315200" cy="3324261"/>
+          </a:xfrm>
+          <a:prstGeom prst="rect">
+            <a:avLst/>
+          </a:prstGeom>
+        </p:spPr>
+      </p:pic>
+      <p:sp>
+        <p:nvSpPr>
+          <p:cNvPr id="4" name="Rounded Rectangular Callout 3">
+            <a:extLst>
+              <a:ext uri="{FF2B5EF4-FFF2-40B4-BE49-F238E27FC236}">
+                <a16:creationId xmlns:a16="http://schemas.microsoft.com/office/drawing/2014/main" id="{4CABEA2F-D636-EC8C-4799-9442C7DE6796}"/>
+              </a:ext>
+            </a:extLst>
+          </p:cNvPr>
+          <p:cNvSpPr/>
+          <p:nvPr/>
+        </p:nvSpPr>
+        <p:spPr>
+          <a:xfrm>
+            <a:off x="8444139" y="2945409"/>
+            <a:ext cx="3009721" cy="1110776"/>
+          </a:xfrm>
+          <a:prstGeom prst="wedgeRoundRectCallout">
+            <a:avLst>
+              <a:gd name="adj1" fmla="val -78119"/>
+              <a:gd name="adj2" fmla="val -51663"/>
+              <a:gd name="adj3" fmla="val 16667"/>
+            </a:avLst>
+          </a:prstGeom>
+        </p:spPr>
+        <p:style>
+          <a:lnRef idx="2">
+            <a:schemeClr val="accent3">
+              <a:shade val="15000"/>
+            </a:schemeClr>
+          </a:lnRef>
+          <a:fillRef idx="1">
+            <a:schemeClr val="accent3"/>
+          </a:fillRef>
+          <a:effectRef idx="0">
+            <a:schemeClr val="accent3"/>
+          </a:effectRef>
+          <a:fontRef idx="minor">
+            <a:schemeClr val="lt1"/>
+          </a:fontRef>
+        </p:style>
+        <p:txBody>
+          <a:bodyPr rtlCol="0" anchor="ctr"/>
+          <a:lstStyle/>
+          <a:p>
+            <a:pPr algn="ctr"/>
+            <a:r>
+              <a:rPr lang="en-US" sz="2400" dirty="0"/>
+              <a:t>list of values to use in loop code</a:t>
+            </a:r>
+          </a:p>
+        </p:txBody>
+      </p:sp>
+      <p:pic>
+        <p:nvPicPr>
+          <p:cNvPr id="5" name="Picture 4">
+            <a:extLst>
+              <a:ext uri="{FF2B5EF4-FFF2-40B4-BE49-F238E27FC236}">
+                <a16:creationId xmlns:a16="http://schemas.microsoft.com/office/drawing/2014/main" id="{5994AA0F-3A27-4E37-1FE2-B758E21A0620}"/>
+              </a:ext>
+            </a:extLst>
+          </p:cNvPr>
+          <p:cNvPicPr>
+            <a:picLocks noChangeAspect="1"/>
+          </p:cNvPicPr>
+          <p:nvPr/>
+        </p:nvPicPr>
+        <p:blipFill rotWithShape="1">
+          <a:blip r:embed="rId2">
+            <a:extLst>
+              <a:ext uri="{28A0092B-C50C-407E-A947-70E740481C1C}">
+                <a14:useLocalDpi xmlns:a14="http://schemas.microsoft.com/office/drawing/2010/main" val="0"/>
+              </a:ext>
+            </a:extLst>
+          </a:blip>
+          <a:srcRect l="33524" t="15882" r="37592" b="73451"/>
+          <a:stretch/>
+        </p:blipFill>
+        <p:spPr>
+          <a:xfrm>
+            <a:off x="6456304" y="2590800"/>
+            <a:ext cx="2113265" cy="354609"/>
+          </a:xfrm>
+          <a:prstGeom prst="rect">
+            <a:avLst/>
+          </a:prstGeom>
+        </p:spPr>
+      </p:pic>
+    </p:spTree>
+    <p:extLst>
+      <p:ext uri="{BB962C8B-B14F-4D97-AF65-F5344CB8AC3E}">
+        <p14:creationId xmlns:p14="http://schemas.microsoft.com/office/powerpoint/2010/main" val="1619801643"/>
+      </p:ext>
+    </p:extLst>
+  </p:cSld>
+  <p:clrMapOvr>
+    <a:masterClrMapping/>
+  </p:clrMapOvr>
+</p:sld>
+</file>
+
+<file path=ppt/slides/slide14.xml><?xml version="1.0" encoding="utf-8"?>
+<p:sld xmlns:a="http://schemas.openxmlformats.org/drawingml/2006/main" xmlns:r="http://schemas.openxmlformats.org/officeDocument/2006/relationships" xmlns:p="http://schemas.openxmlformats.org/presentationml/2006/main">
+  <p:cSld>
+    <p:spTree>
+      <p:nvGrpSpPr>
+        <p:cNvPr id="1" name="">
+          <a:extLst>
+            <a:ext uri="{FF2B5EF4-FFF2-40B4-BE49-F238E27FC236}">
+              <a16:creationId xmlns:a16="http://schemas.microsoft.com/office/drawing/2014/main" id="{FAC7078A-D656-AB0A-DAF0-87CDF81133DD}"/>
+            </a:ext>
+          </a:extLst>
+        </p:cNvPr>
+        <p:cNvGrpSpPr/>
+        <p:nvPr/>
+      </p:nvGrpSpPr>
+      <p:grpSpPr>
+        <a:xfrm>
+          <a:off x="0" y="0"/>
+          <a:ext cx="0" cy="0"/>
+          <a:chOff x="0" y="0"/>
+          <a:chExt cx="0" cy="0"/>
+        </a:xfrm>
+      </p:grpSpPr>
+      <p:sp>
+        <p:nvSpPr>
+          <p:cNvPr id="2" name="Title 1">
+            <a:extLst>
+              <a:ext uri="{FF2B5EF4-FFF2-40B4-BE49-F238E27FC236}">
+                <a16:creationId xmlns:a16="http://schemas.microsoft.com/office/drawing/2014/main" id="{D5AFF9AF-26C7-8FEA-8147-5DE565BB007A}"/>
+              </a:ext>
+            </a:extLst>
+          </p:cNvPr>
+          <p:cNvSpPr>
+            <a:spLocks noGrp="1"/>
+          </p:cNvSpPr>
+          <p:nvPr>
+            <p:ph type="title"/>
+          </p:nvPr>
+        </p:nvSpPr>
+        <p:spPr/>
+        <p:txBody>
+          <a:bodyPr/>
+          <a:lstStyle/>
+          <a:p>
+            <a:r>
+              <a:rPr lang="en-US" b="1" dirty="0">
+                <a:solidFill>
+                  <a:srgbClr val="FF9100"/>
+                </a:solidFill>
+                <a:latin typeface="Courier" pitchFamily="2" charset="0"/>
+              </a:rPr>
+              <a:t>for...in</a:t>
+            </a:r>
+            <a:r>
+              <a:rPr lang="en-US" dirty="0"/>
+              <a:t> loops</a:t>
+            </a:r>
+          </a:p>
+        </p:txBody>
+      </p:sp>
+      <p:sp>
+        <p:nvSpPr>
+          <p:cNvPr id="3" name="Content Placeholder 2">
+            <a:extLst>
+              <a:ext uri="{FF2B5EF4-FFF2-40B4-BE49-F238E27FC236}">
+                <a16:creationId xmlns:a16="http://schemas.microsoft.com/office/drawing/2014/main" id="{8E2E0A67-1460-44AF-A047-A9566E707709}"/>
+              </a:ext>
+            </a:extLst>
+          </p:cNvPr>
+          <p:cNvSpPr>
+            <a:spLocks noGrp="1"/>
+          </p:cNvSpPr>
+          <p:nvPr>
+            <p:ph idx="1"/>
+          </p:nvPr>
+        </p:nvSpPr>
+        <p:spPr/>
+        <p:txBody>
+          <a:bodyPr anchor="t">
+            <a:normAutofit/>
+          </a:bodyPr>
+          <a:lstStyle/>
+          <a:p>
+            <a:r>
+              <a:rPr lang="en-US" sz="2800" dirty="0"/>
+              <a:t>In Python, we use the keywords </a:t>
+            </a:r>
+            <a:r>
+              <a:rPr lang="en-US" sz="2800" b="1" dirty="0">
+                <a:solidFill>
+                  <a:srgbClr val="FF9100"/>
+                </a:solidFill>
+                <a:latin typeface="Courier" pitchFamily="2" charset="0"/>
+              </a:rPr>
+              <a:t>for</a:t>
+            </a:r>
+            <a:r>
+              <a:rPr lang="en-US" sz="2800" dirty="0"/>
+              <a:t> and </a:t>
+            </a:r>
+            <a:r>
+              <a:rPr lang="en-US" sz="2800" b="1" dirty="0">
+                <a:solidFill>
+                  <a:srgbClr val="FF9100"/>
+                </a:solidFill>
+                <a:latin typeface="Courier" pitchFamily="2" charset="0"/>
+              </a:rPr>
+              <a:t>in</a:t>
+            </a:r>
+            <a:r>
+              <a:rPr lang="en-US" sz="2800" dirty="0"/>
+              <a:t> to loop through a list</a:t>
+            </a:r>
+          </a:p>
+        </p:txBody>
+      </p:sp>
+      <p:pic>
+        <p:nvPicPr>
+          <p:cNvPr id="7" name="Picture 6">
+            <a:extLst>
+              <a:ext uri="{FF2B5EF4-FFF2-40B4-BE49-F238E27FC236}">
+                <a16:creationId xmlns:a16="http://schemas.microsoft.com/office/drawing/2014/main" id="{8C026F9C-32CB-04B8-B56D-E503233D2079}"/>
+              </a:ext>
+            </a:extLst>
+          </p:cNvPr>
+          <p:cNvPicPr>
+            <a:picLocks noChangeAspect="1"/>
+          </p:cNvPicPr>
+          <p:nvPr/>
+        </p:nvPicPr>
+        <p:blipFill>
+          <a:blip r:embed="rId2">
+            <a:alphaModFix amt="20000"/>
+            <a:extLst>
+              <a:ext uri="{28A0092B-C50C-407E-A947-70E740481C1C}">
+                <a14:useLocalDpi xmlns:a14="http://schemas.microsoft.com/office/drawing/2010/main" val="0"/>
+              </a:ext>
+            </a:extLst>
+          </a:blip>
+          <a:stretch>
+            <a:fillRect/>
+          </a:stretch>
+        </p:blipFill>
+        <p:spPr>
+          <a:xfrm>
+            <a:off x="4003964" y="2062864"/>
+            <a:ext cx="7315200" cy="3324261"/>
+          </a:xfrm>
+          <a:prstGeom prst="rect">
+            <a:avLst/>
+          </a:prstGeom>
+        </p:spPr>
+      </p:pic>
+      <p:sp>
+        <p:nvSpPr>
+          <p:cNvPr id="4" name="Rounded Rectangular Callout 3">
+            <a:extLst>
+              <a:ext uri="{FF2B5EF4-FFF2-40B4-BE49-F238E27FC236}">
+                <a16:creationId xmlns:a16="http://schemas.microsoft.com/office/drawing/2014/main" id="{F6BA964A-5B68-0A56-D192-C026634B2195}"/>
+              </a:ext>
+            </a:extLst>
+          </p:cNvPr>
+          <p:cNvSpPr/>
+          <p:nvPr/>
+        </p:nvSpPr>
+        <p:spPr>
+          <a:xfrm>
+            <a:off x="8444139" y="2945409"/>
+            <a:ext cx="3009721" cy="1110776"/>
+          </a:xfrm>
+          <a:prstGeom prst="wedgeRoundRectCallout">
+            <a:avLst>
+              <a:gd name="adj1" fmla="val -41895"/>
+              <a:gd name="adj2" fmla="val -67494"/>
+              <a:gd name="adj3" fmla="val 16667"/>
+            </a:avLst>
+          </a:prstGeom>
+        </p:spPr>
+        <p:style>
+          <a:lnRef idx="2">
+            <a:schemeClr val="accent3">
+              <a:shade val="15000"/>
+            </a:schemeClr>
+          </a:lnRef>
+          <a:fillRef idx="1">
+            <a:schemeClr val="accent3"/>
+          </a:fillRef>
+          <a:effectRef idx="0">
+            <a:schemeClr val="accent3"/>
+          </a:effectRef>
+          <a:fontRef idx="minor">
+            <a:schemeClr val="lt1"/>
+          </a:fontRef>
+        </p:style>
+        <p:txBody>
+          <a:bodyPr rtlCol="0" anchor="ctr"/>
+          <a:lstStyle/>
+          <a:p>
+            <a:pPr algn="ctr"/>
+            <a:r>
+              <a:rPr lang="en-US" sz="2400" dirty="0"/>
+              <a:t>colon</a:t>
+            </a:r>
+          </a:p>
+        </p:txBody>
+      </p:sp>
+      <p:pic>
+        <p:nvPicPr>
+          <p:cNvPr id="5" name="Picture 4">
+            <a:extLst>
+              <a:ext uri="{FF2B5EF4-FFF2-40B4-BE49-F238E27FC236}">
+                <a16:creationId xmlns:a16="http://schemas.microsoft.com/office/drawing/2014/main" id="{8723E91D-FBE2-F51E-A6CB-A39B9CC095A9}"/>
+              </a:ext>
+            </a:extLst>
+          </p:cNvPr>
+          <p:cNvPicPr>
+            <a:picLocks noChangeAspect="1"/>
+          </p:cNvPicPr>
+          <p:nvPr/>
+        </p:nvPicPr>
+        <p:blipFill rotWithShape="1">
+          <a:blip r:embed="rId2">
+            <a:extLst>
+              <a:ext uri="{28A0092B-C50C-407E-A947-70E740481C1C}">
+                <a14:useLocalDpi xmlns:a14="http://schemas.microsoft.com/office/drawing/2010/main" val="0"/>
+              </a:ext>
+            </a:extLst>
+          </a:blip>
+          <a:srcRect l="61927" t="16234" r="35990" b="73451"/>
+          <a:stretch/>
+        </p:blipFill>
+        <p:spPr>
+          <a:xfrm>
+            <a:off x="8534400" y="2602523"/>
+            <a:ext cx="152400" cy="342886"/>
+          </a:xfrm>
+          <a:prstGeom prst="rect">
+            <a:avLst/>
+          </a:prstGeom>
+        </p:spPr>
+      </p:pic>
+    </p:spTree>
+    <p:extLst>
+      <p:ext uri="{BB962C8B-B14F-4D97-AF65-F5344CB8AC3E}">
+        <p14:creationId xmlns:p14="http://schemas.microsoft.com/office/powerpoint/2010/main" val="4059179669"/>
+      </p:ext>
+    </p:extLst>
+  </p:cSld>
+  <p:clrMapOvr>
+    <a:masterClrMapping/>
+  </p:clrMapOvr>
+</p:sld>
+</file>
+
+<file path=ppt/slides/slide15.xml><?xml version="1.0" encoding="utf-8"?>
+<p:sld xmlns:a="http://schemas.openxmlformats.org/drawingml/2006/main" xmlns:r="http://schemas.openxmlformats.org/officeDocument/2006/relationships" xmlns:p="http://schemas.openxmlformats.org/presentationml/2006/main">
+  <p:cSld>
+    <p:spTree>
+      <p:nvGrpSpPr>
+        <p:cNvPr id="1" name="">
+          <a:extLst>
+            <a:ext uri="{FF2B5EF4-FFF2-40B4-BE49-F238E27FC236}">
+              <a16:creationId xmlns:a16="http://schemas.microsoft.com/office/drawing/2014/main" id="{60B50385-4EDC-3BB0-480E-EBCD0D134E17}"/>
+            </a:ext>
+          </a:extLst>
+        </p:cNvPr>
+        <p:cNvGrpSpPr/>
+        <p:nvPr/>
+      </p:nvGrpSpPr>
+      <p:grpSpPr>
+        <a:xfrm>
+          <a:off x="0" y="0"/>
+          <a:ext cx="0" cy="0"/>
+          <a:chOff x="0" y="0"/>
+          <a:chExt cx="0" cy="0"/>
+        </a:xfrm>
+      </p:grpSpPr>
+      <p:sp>
+        <p:nvSpPr>
+          <p:cNvPr id="2" name="Title 1">
+            <a:extLst>
+              <a:ext uri="{FF2B5EF4-FFF2-40B4-BE49-F238E27FC236}">
+                <a16:creationId xmlns:a16="http://schemas.microsoft.com/office/drawing/2014/main" id="{A772ECF0-7E28-F365-2E9C-C5D7BD775961}"/>
+              </a:ext>
+            </a:extLst>
+          </p:cNvPr>
+          <p:cNvSpPr>
+            <a:spLocks noGrp="1"/>
+          </p:cNvSpPr>
+          <p:nvPr>
+            <p:ph type="title"/>
+          </p:nvPr>
+        </p:nvSpPr>
+        <p:spPr/>
+        <p:txBody>
+          <a:bodyPr/>
+          <a:lstStyle/>
+          <a:p>
+            <a:r>
+              <a:rPr lang="en-US" b="1" dirty="0">
+                <a:solidFill>
+                  <a:srgbClr val="FF9100"/>
+                </a:solidFill>
+                <a:latin typeface="Courier" pitchFamily="2" charset="0"/>
+              </a:rPr>
+              <a:t>for...in</a:t>
+            </a:r>
+            <a:r>
+              <a:rPr lang="en-US" dirty="0"/>
+              <a:t> loops</a:t>
+            </a:r>
+          </a:p>
+        </p:txBody>
+      </p:sp>
+      <p:sp>
+        <p:nvSpPr>
+          <p:cNvPr id="3" name="Content Placeholder 2">
+            <a:extLst>
+              <a:ext uri="{FF2B5EF4-FFF2-40B4-BE49-F238E27FC236}">
+                <a16:creationId xmlns:a16="http://schemas.microsoft.com/office/drawing/2014/main" id="{BDCF21E6-F42D-B56A-35CF-11CE86B108D4}"/>
+              </a:ext>
+            </a:extLst>
+          </p:cNvPr>
+          <p:cNvSpPr>
+            <a:spLocks noGrp="1"/>
+          </p:cNvSpPr>
+          <p:nvPr>
+            <p:ph idx="1"/>
+          </p:nvPr>
+        </p:nvSpPr>
+        <p:spPr/>
+        <p:txBody>
+          <a:bodyPr anchor="t">
+            <a:normAutofit/>
+          </a:bodyPr>
+          <a:lstStyle/>
+          <a:p>
+            <a:r>
+              <a:rPr lang="en-US" sz="2800" dirty="0"/>
+              <a:t>In Python, we use the keywords </a:t>
+            </a:r>
+            <a:r>
+              <a:rPr lang="en-US" sz="2800" b="1" dirty="0">
+                <a:solidFill>
+                  <a:srgbClr val="FF9100"/>
+                </a:solidFill>
+                <a:latin typeface="Courier" pitchFamily="2" charset="0"/>
+              </a:rPr>
+              <a:t>for</a:t>
+            </a:r>
+            <a:r>
+              <a:rPr lang="en-US" sz="2800" dirty="0"/>
+              <a:t> and </a:t>
+            </a:r>
+            <a:r>
+              <a:rPr lang="en-US" sz="2800" b="1" dirty="0">
+                <a:solidFill>
+                  <a:srgbClr val="FF9100"/>
+                </a:solidFill>
+                <a:latin typeface="Courier" pitchFamily="2" charset="0"/>
+              </a:rPr>
+              <a:t>in</a:t>
+            </a:r>
+            <a:r>
+              <a:rPr lang="en-US" sz="2800" dirty="0"/>
+              <a:t> to loop through a list</a:t>
+            </a:r>
+          </a:p>
+        </p:txBody>
+      </p:sp>
+      <p:pic>
+        <p:nvPicPr>
+          <p:cNvPr id="7" name="Picture 6">
+            <a:extLst>
+              <a:ext uri="{FF2B5EF4-FFF2-40B4-BE49-F238E27FC236}">
+                <a16:creationId xmlns:a16="http://schemas.microsoft.com/office/drawing/2014/main" id="{9E0E448F-060B-E2E7-00A8-8730640BA42F}"/>
+              </a:ext>
+            </a:extLst>
+          </p:cNvPr>
+          <p:cNvPicPr>
+            <a:picLocks noChangeAspect="1"/>
+          </p:cNvPicPr>
+          <p:nvPr/>
+        </p:nvPicPr>
+        <p:blipFill>
+          <a:blip r:embed="rId2">
+            <a:alphaModFix amt="20000"/>
+            <a:extLst>
+              <a:ext uri="{28A0092B-C50C-407E-A947-70E740481C1C}">
+                <a14:useLocalDpi xmlns:a14="http://schemas.microsoft.com/office/drawing/2010/main" val="0"/>
+              </a:ext>
+            </a:extLst>
+          </a:blip>
+          <a:stretch>
+            <a:fillRect/>
+          </a:stretch>
+        </p:blipFill>
+        <p:spPr>
+          <a:xfrm>
+            <a:off x="4003964" y="2062864"/>
+            <a:ext cx="7315200" cy="3324261"/>
+          </a:xfrm>
+          <a:prstGeom prst="rect">
+            <a:avLst/>
+          </a:prstGeom>
+        </p:spPr>
+      </p:pic>
+      <p:sp>
+        <p:nvSpPr>
+          <p:cNvPr id="4" name="Rounded Rectangular Callout 3">
+            <a:extLst>
+              <a:ext uri="{FF2B5EF4-FFF2-40B4-BE49-F238E27FC236}">
+                <a16:creationId xmlns:a16="http://schemas.microsoft.com/office/drawing/2014/main" id="{00D5E8B6-54E9-5BC2-4D73-17B1C8B1E740}"/>
+              </a:ext>
+            </a:extLst>
+          </p:cNvPr>
+          <p:cNvSpPr/>
+          <p:nvPr/>
+        </p:nvSpPr>
+        <p:spPr>
+          <a:xfrm>
+            <a:off x="8444139" y="2945409"/>
+            <a:ext cx="3009721" cy="1110776"/>
+          </a:xfrm>
+          <a:prstGeom prst="wedgeRoundRectCallout">
+            <a:avLst>
+              <a:gd name="adj1" fmla="val -87467"/>
+              <a:gd name="adj2" fmla="val -28444"/>
+              <a:gd name="adj3" fmla="val 16667"/>
+            </a:avLst>
+          </a:prstGeom>
+        </p:spPr>
+        <p:style>
+          <a:lnRef idx="2">
+            <a:schemeClr val="accent3">
+              <a:shade val="15000"/>
+            </a:schemeClr>
+          </a:lnRef>
+          <a:fillRef idx="1">
+            <a:schemeClr val="accent3"/>
+          </a:fillRef>
+          <a:effectRef idx="0">
+            <a:schemeClr val="accent3"/>
+          </a:effectRef>
+          <a:fontRef idx="minor">
+            <a:schemeClr val="lt1"/>
+          </a:fontRef>
+        </p:style>
+        <p:txBody>
+          <a:bodyPr rtlCol="0" anchor="ctr"/>
+          <a:lstStyle/>
+          <a:p>
+            <a:pPr algn="ctr"/>
+            <a:r>
+              <a:rPr lang="en-US" sz="2400" b="1" dirty="0"/>
+              <a:t>indented</a:t>
+            </a:r>
+            <a:r>
+              <a:rPr lang="en-US" sz="2400" dirty="0"/>
+              <a:t> code to be repeated</a:t>
+            </a:r>
+          </a:p>
+        </p:txBody>
+      </p:sp>
+      <p:pic>
+        <p:nvPicPr>
+          <p:cNvPr id="5" name="Picture 4">
+            <a:extLst>
+              <a:ext uri="{FF2B5EF4-FFF2-40B4-BE49-F238E27FC236}">
+                <a16:creationId xmlns:a16="http://schemas.microsoft.com/office/drawing/2014/main" id="{902DE505-DAE1-6F31-6687-5920910FA546}"/>
+              </a:ext>
+            </a:extLst>
+          </p:cNvPr>
+          <p:cNvPicPr>
+            <a:picLocks noChangeAspect="1"/>
+          </p:cNvPicPr>
+          <p:nvPr/>
+        </p:nvPicPr>
+        <p:blipFill rotWithShape="1">
+          <a:blip r:embed="rId2">
+            <a:extLst>
+              <a:ext uri="{28A0092B-C50C-407E-A947-70E740481C1C}">
+                <a14:useLocalDpi xmlns:a14="http://schemas.microsoft.com/office/drawing/2010/main" val="0"/>
+              </a:ext>
+            </a:extLst>
+          </a:blip>
+          <a:srcRect l="14668" t="23992" r="58253" b="40037"/>
+          <a:stretch/>
+        </p:blipFill>
+        <p:spPr>
+          <a:xfrm>
+            <a:off x="5076092" y="2860431"/>
+            <a:ext cx="1981200" cy="1195754"/>
+          </a:xfrm>
+          <a:prstGeom prst="rect">
+            <a:avLst/>
+          </a:prstGeom>
+        </p:spPr>
+      </p:pic>
+    </p:spTree>
+    <p:extLst>
+      <p:ext uri="{BB962C8B-B14F-4D97-AF65-F5344CB8AC3E}">
+        <p14:creationId xmlns:p14="http://schemas.microsoft.com/office/powerpoint/2010/main" val="533296942"/>
+      </p:ext>
+    </p:extLst>
+  </p:cSld>
+  <p:clrMapOvr>
+    <a:masterClrMapping/>
+  </p:clrMapOvr>
+</p:sld>
+</file>
+
+<file path=ppt/slides/slide16.xml><?xml version="1.0" encoding="utf-8"?>
+<p:sld xmlns:a="http://schemas.openxmlformats.org/drawingml/2006/main" xmlns:r="http://schemas.openxmlformats.org/officeDocument/2006/relationships" xmlns:p="http://schemas.openxmlformats.org/presentationml/2006/main">
+  <p:cSld>
+    <p:spTree>
+      <p:nvGrpSpPr>
         <p:cNvPr id="1" name=""/>
         <p:cNvGrpSpPr/>
         <p:nvPr/>
@@ -4180,6 +6476,2885 @@
       </p:grpSpPr>
       <p:sp>
         <p:nvSpPr>
+          <p:cNvPr id="3" name="Content Placeholder 2">
+            <a:extLst>
+              <a:ext uri="{FF2B5EF4-FFF2-40B4-BE49-F238E27FC236}">
+                <a16:creationId xmlns:a16="http://schemas.microsoft.com/office/drawing/2014/main" id="{3FE5565C-A5DD-1C42-B41E-BE9B94C35141}"/>
+              </a:ext>
+            </a:extLst>
+          </p:cNvPr>
+          <p:cNvSpPr>
+            <a:spLocks noGrp="1"/>
+          </p:cNvSpPr>
+          <p:nvPr>
+            <p:ph idx="1"/>
+          </p:nvPr>
+        </p:nvSpPr>
+        <p:spPr/>
+        <p:txBody>
+          <a:bodyPr anchor="t">
+            <a:normAutofit/>
+          </a:bodyPr>
+          <a:lstStyle/>
+          <a:p>
+            <a:r>
+              <a:rPr lang="en-US" sz="2800" dirty="0"/>
+              <a:t>We can think of this in terms of where the variable </a:t>
+            </a:r>
+            <a:r>
+              <a:rPr lang="en-US" sz="2800" b="1" dirty="0">
+                <a:latin typeface="Courier" pitchFamily="2" charset="0"/>
+              </a:rPr>
+              <a:t>letter</a:t>
+            </a:r>
+            <a:r>
+              <a:rPr lang="en-US" sz="2800" dirty="0"/>
+              <a:t> is pointing:</a:t>
+            </a:r>
+          </a:p>
+        </p:txBody>
+      </p:sp>
+      <p:pic>
+        <p:nvPicPr>
+          <p:cNvPr id="7" name="Picture 6">
+            <a:extLst>
+              <a:ext uri="{FF2B5EF4-FFF2-40B4-BE49-F238E27FC236}">
+                <a16:creationId xmlns:a16="http://schemas.microsoft.com/office/drawing/2014/main" id="{C20FBE42-3B15-294D-A6B7-DBCD1A926FB5}"/>
+              </a:ext>
+            </a:extLst>
+          </p:cNvPr>
+          <p:cNvPicPr>
+            <a:picLocks noChangeAspect="1"/>
+          </p:cNvPicPr>
+          <p:nvPr/>
+        </p:nvPicPr>
+        <p:blipFill>
+          <a:blip r:embed="rId3">
+            <a:extLst>
+              <a:ext uri="{28A0092B-C50C-407E-A947-70E740481C1C}">
+                <a14:useLocalDpi xmlns:a14="http://schemas.microsoft.com/office/drawing/2010/main" val="0"/>
+              </a:ext>
+            </a:extLst>
+          </a:blip>
+          <a:stretch>
+            <a:fillRect/>
+          </a:stretch>
+        </p:blipFill>
+        <p:spPr>
+          <a:xfrm>
+            <a:off x="3472919" y="2307788"/>
+            <a:ext cx="7315200" cy="3324261"/>
+          </a:xfrm>
+          <a:prstGeom prst="rect">
+            <a:avLst/>
+          </a:prstGeom>
+        </p:spPr>
+      </p:pic>
+      <p:sp>
+        <p:nvSpPr>
+          <p:cNvPr id="2" name="Title 1">
+            <a:extLst>
+              <a:ext uri="{FF2B5EF4-FFF2-40B4-BE49-F238E27FC236}">
+                <a16:creationId xmlns:a16="http://schemas.microsoft.com/office/drawing/2014/main" id="{47A9B918-53AD-B84E-B522-04690D34B044}"/>
+              </a:ext>
+            </a:extLst>
+          </p:cNvPr>
+          <p:cNvSpPr>
+            <a:spLocks noGrp="1"/>
+          </p:cNvSpPr>
+          <p:nvPr>
+            <p:ph type="title"/>
+          </p:nvPr>
+        </p:nvSpPr>
+        <p:spPr/>
+        <p:txBody>
+          <a:bodyPr/>
+          <a:lstStyle/>
+          <a:p>
+            <a:r>
+              <a:rPr lang="en-US" b="1" dirty="0">
+                <a:solidFill>
+                  <a:srgbClr val="FF9100"/>
+                </a:solidFill>
+                <a:latin typeface="Courier" pitchFamily="2" charset="0"/>
+              </a:rPr>
+              <a:t>for...in</a:t>
+            </a:r>
+            <a:r>
+              <a:rPr lang="en-US" dirty="0"/>
+              <a:t> loops</a:t>
+            </a:r>
+          </a:p>
+        </p:txBody>
+      </p:sp>
+      <p:pic>
+        <p:nvPicPr>
+          <p:cNvPr id="10" name="Picture 9">
+            <a:extLst>
+              <a:ext uri="{FF2B5EF4-FFF2-40B4-BE49-F238E27FC236}">
+                <a16:creationId xmlns:a16="http://schemas.microsoft.com/office/drawing/2014/main" id="{C20FBE42-3B15-294D-A6B7-DBCD1A926FB5}"/>
+              </a:ext>
+            </a:extLst>
+          </p:cNvPr>
+          <p:cNvPicPr>
+            <a:picLocks noChangeAspect="1"/>
+          </p:cNvPicPr>
+          <p:nvPr/>
+        </p:nvPicPr>
+        <p:blipFill rotWithShape="1">
+          <a:blip r:embed="rId3">
+            <a:extLst>
+              <a:ext uri="{28A0092B-C50C-407E-A947-70E740481C1C}">
+                <a14:useLocalDpi xmlns:a14="http://schemas.microsoft.com/office/drawing/2010/main" val="0"/>
+              </a:ext>
+            </a:extLst>
+          </a:blip>
+          <a:srcRect l="14447" t="15916" r="73053" b="76193"/>
+          <a:stretch/>
+        </p:blipFill>
+        <p:spPr>
+          <a:xfrm>
+            <a:off x="4522418" y="2804969"/>
+            <a:ext cx="914401" cy="262328"/>
+          </a:xfrm>
+          <a:prstGeom prst="roundRect">
+            <a:avLst/>
+          </a:prstGeom>
+          <a:effectLst>
+            <a:glow rad="101600">
+              <a:srgbClr val="FFC000">
+                <a:alpha val="60000"/>
+              </a:srgbClr>
+            </a:glow>
+          </a:effectLst>
+        </p:spPr>
+      </p:pic>
+    </p:spTree>
+    <p:extLst>
+      <p:ext uri="{BB962C8B-B14F-4D97-AF65-F5344CB8AC3E}">
+        <p14:creationId xmlns:p14="http://schemas.microsoft.com/office/powerpoint/2010/main" val="181142969"/>
+      </p:ext>
+    </p:extLst>
+  </p:cSld>
+  <p:clrMapOvr>
+    <a:masterClrMapping/>
+  </p:clrMapOvr>
+</p:sld>
+</file>
+
+<file path=ppt/slides/slide17.xml><?xml version="1.0" encoding="utf-8"?>
+<p:sld xmlns:a="http://schemas.openxmlformats.org/drawingml/2006/main" xmlns:r="http://schemas.openxmlformats.org/officeDocument/2006/relationships" xmlns:p="http://schemas.openxmlformats.org/presentationml/2006/main">
+  <p:cSld>
+    <p:spTree>
+      <p:nvGrpSpPr>
+        <p:cNvPr id="1" name="">
+          <a:extLst>
+            <a:ext uri="{FF2B5EF4-FFF2-40B4-BE49-F238E27FC236}">
+              <a16:creationId xmlns:a16="http://schemas.microsoft.com/office/drawing/2014/main" id="{7CA3CA5C-5558-B19B-9D92-C61D72036B64}"/>
+            </a:ext>
+          </a:extLst>
+        </p:cNvPr>
+        <p:cNvGrpSpPr/>
+        <p:nvPr/>
+      </p:nvGrpSpPr>
+      <p:grpSpPr>
+        <a:xfrm>
+          <a:off x="0" y="0"/>
+          <a:ext cx="0" cy="0"/>
+          <a:chOff x="0" y="0"/>
+          <a:chExt cx="0" cy="0"/>
+        </a:xfrm>
+      </p:grpSpPr>
+      <p:sp>
+        <p:nvSpPr>
+          <p:cNvPr id="3" name="Content Placeholder 2">
+            <a:extLst>
+              <a:ext uri="{FF2B5EF4-FFF2-40B4-BE49-F238E27FC236}">
+                <a16:creationId xmlns:a16="http://schemas.microsoft.com/office/drawing/2014/main" id="{B139BDF2-C7CA-5EAA-8B59-8CCCBF84FB65}"/>
+              </a:ext>
+            </a:extLst>
+          </p:cNvPr>
+          <p:cNvSpPr>
+            <a:spLocks noGrp="1"/>
+          </p:cNvSpPr>
+          <p:nvPr>
+            <p:ph idx="1"/>
+          </p:nvPr>
+        </p:nvSpPr>
+        <p:spPr/>
+        <p:txBody>
+          <a:bodyPr anchor="t">
+            <a:normAutofit/>
+          </a:bodyPr>
+          <a:lstStyle/>
+          <a:p>
+            <a:r>
+              <a:rPr lang="en-US" sz="2800" dirty="0"/>
+              <a:t>We can think of this in terms of where the variable </a:t>
+            </a:r>
+            <a:r>
+              <a:rPr lang="en-US" sz="2800" b="1" dirty="0">
+                <a:latin typeface="Courier" pitchFamily="2" charset="0"/>
+              </a:rPr>
+              <a:t>letter</a:t>
+            </a:r>
+            <a:r>
+              <a:rPr lang="en-US" sz="2800" dirty="0"/>
+              <a:t> is pointing:</a:t>
+            </a:r>
+          </a:p>
+        </p:txBody>
+      </p:sp>
+      <p:pic>
+        <p:nvPicPr>
+          <p:cNvPr id="7" name="Picture 6">
+            <a:extLst>
+              <a:ext uri="{FF2B5EF4-FFF2-40B4-BE49-F238E27FC236}">
+                <a16:creationId xmlns:a16="http://schemas.microsoft.com/office/drawing/2014/main" id="{8306B800-8E53-97C9-9A49-03B4E6B5D084}"/>
+              </a:ext>
+            </a:extLst>
+          </p:cNvPr>
+          <p:cNvPicPr>
+            <a:picLocks noChangeAspect="1"/>
+          </p:cNvPicPr>
+          <p:nvPr/>
+        </p:nvPicPr>
+        <p:blipFill>
+          <a:blip r:embed="rId3">
+            <a:extLst>
+              <a:ext uri="{28A0092B-C50C-407E-A947-70E740481C1C}">
+                <a14:useLocalDpi xmlns:a14="http://schemas.microsoft.com/office/drawing/2010/main" val="0"/>
+              </a:ext>
+            </a:extLst>
+          </a:blip>
+          <a:stretch>
+            <a:fillRect/>
+          </a:stretch>
+        </p:blipFill>
+        <p:spPr>
+          <a:xfrm>
+            <a:off x="3472919" y="2307788"/>
+            <a:ext cx="7315200" cy="3324261"/>
+          </a:xfrm>
+          <a:prstGeom prst="rect">
+            <a:avLst/>
+          </a:prstGeom>
+        </p:spPr>
+      </p:pic>
+      <p:sp>
+        <p:nvSpPr>
+          <p:cNvPr id="5" name="Circular Arrow 4">
+            <a:extLst>
+              <a:ext uri="{FF2B5EF4-FFF2-40B4-BE49-F238E27FC236}">
+                <a16:creationId xmlns:a16="http://schemas.microsoft.com/office/drawing/2014/main" id="{33C6E2F4-2F70-05E2-62E8-EE5667690329}"/>
+              </a:ext>
+            </a:extLst>
+          </p:cNvPr>
+          <p:cNvSpPr/>
+          <p:nvPr/>
+        </p:nvSpPr>
+        <p:spPr>
+          <a:xfrm rot="8413844" flipH="1" flipV="1">
+            <a:off x="5128725" y="2335916"/>
+            <a:ext cx="1332953" cy="1339405"/>
+          </a:xfrm>
+          <a:prstGeom prst="circularArrow">
+            <a:avLst>
+              <a:gd name="adj1" fmla="val 1411"/>
+              <a:gd name="adj2" fmla="val 1563058"/>
+              <a:gd name="adj3" fmla="val 20880751"/>
+              <a:gd name="adj4" fmla="val 14799851"/>
+              <a:gd name="adj5" fmla="val 7233"/>
+            </a:avLst>
+          </a:prstGeom>
+          <a:solidFill>
+            <a:srgbClr val="003470"/>
+          </a:solidFill>
+          <a:ln cap="rnd">
+            <a:solidFill>
+              <a:srgbClr val="003470"/>
+            </a:solidFill>
+          </a:ln>
+          <a:effectLst>
+            <a:glow rad="101600">
+              <a:srgbClr val="FFC000">
+                <a:alpha val="60000"/>
+              </a:srgbClr>
+            </a:glow>
+          </a:effectLst>
+        </p:spPr>
+        <p:style>
+          <a:lnRef idx="2">
+            <a:schemeClr val="accent1">
+              <a:shade val="50000"/>
+            </a:schemeClr>
+          </a:lnRef>
+          <a:fillRef idx="1">
+            <a:schemeClr val="accent1"/>
+          </a:fillRef>
+          <a:effectRef idx="0">
+            <a:schemeClr val="accent1"/>
+          </a:effectRef>
+          <a:fontRef idx="minor">
+            <a:schemeClr val="lt1"/>
+          </a:fontRef>
+        </p:style>
+        <p:txBody>
+          <a:bodyPr rtlCol="0" anchor="ctr"/>
+          <a:lstStyle/>
+          <a:p>
+            <a:pPr algn="ctr"/>
+            <a:endParaRPr lang="en-US">
+              <a:solidFill>
+                <a:schemeClr val="tx1"/>
+              </a:solidFill>
+            </a:endParaRPr>
+          </a:p>
+        </p:txBody>
+      </p:sp>
+      <p:sp>
+        <p:nvSpPr>
+          <p:cNvPr id="2" name="Title 1">
+            <a:extLst>
+              <a:ext uri="{FF2B5EF4-FFF2-40B4-BE49-F238E27FC236}">
+                <a16:creationId xmlns:a16="http://schemas.microsoft.com/office/drawing/2014/main" id="{79EA6AFD-2955-9504-A345-E3F29140C986}"/>
+              </a:ext>
+            </a:extLst>
+          </p:cNvPr>
+          <p:cNvSpPr>
+            <a:spLocks noGrp="1"/>
+          </p:cNvSpPr>
+          <p:nvPr>
+            <p:ph type="title"/>
+          </p:nvPr>
+        </p:nvSpPr>
+        <p:spPr/>
+        <p:txBody>
+          <a:bodyPr/>
+          <a:lstStyle/>
+          <a:p>
+            <a:r>
+              <a:rPr lang="en-US" b="1" dirty="0">
+                <a:solidFill>
+                  <a:srgbClr val="FF9100"/>
+                </a:solidFill>
+                <a:latin typeface="Courier" pitchFamily="2" charset="0"/>
+              </a:rPr>
+              <a:t>for...in</a:t>
+            </a:r>
+            <a:r>
+              <a:rPr lang="en-US" dirty="0"/>
+              <a:t> loops</a:t>
+            </a:r>
+          </a:p>
+        </p:txBody>
+      </p:sp>
+      <p:pic>
+        <p:nvPicPr>
+          <p:cNvPr id="10" name="Picture 9">
+            <a:extLst>
+              <a:ext uri="{FF2B5EF4-FFF2-40B4-BE49-F238E27FC236}">
+                <a16:creationId xmlns:a16="http://schemas.microsoft.com/office/drawing/2014/main" id="{76A3D173-530F-827F-B8CA-70510431D6C7}"/>
+              </a:ext>
+            </a:extLst>
+          </p:cNvPr>
+          <p:cNvPicPr>
+            <a:picLocks noChangeAspect="1"/>
+          </p:cNvPicPr>
+          <p:nvPr/>
+        </p:nvPicPr>
+        <p:blipFill rotWithShape="1">
+          <a:blip r:embed="rId3">
+            <a:extLst>
+              <a:ext uri="{28A0092B-C50C-407E-A947-70E740481C1C}">
+                <a14:useLocalDpi xmlns:a14="http://schemas.microsoft.com/office/drawing/2010/main" val="0"/>
+              </a:ext>
+            </a:extLst>
+          </a:blip>
+          <a:srcRect l="14447" t="15916" r="73053" b="76193"/>
+          <a:stretch/>
+        </p:blipFill>
+        <p:spPr>
+          <a:xfrm>
+            <a:off x="4522418" y="2804969"/>
+            <a:ext cx="914401" cy="262328"/>
+          </a:xfrm>
+          <a:prstGeom prst="roundRect">
+            <a:avLst/>
+          </a:prstGeom>
+          <a:effectLst>
+            <a:glow rad="101600">
+              <a:srgbClr val="FFC000">
+                <a:alpha val="60000"/>
+              </a:srgbClr>
+            </a:glow>
+          </a:effectLst>
+        </p:spPr>
+      </p:pic>
+      <p:sp>
+        <p:nvSpPr>
+          <p:cNvPr id="4" name="Cloud Callout 3">
+            <a:extLst>
+              <a:ext uri="{FF2B5EF4-FFF2-40B4-BE49-F238E27FC236}">
+                <a16:creationId xmlns:a16="http://schemas.microsoft.com/office/drawing/2014/main" id="{0CBE2886-7B69-2492-B9C1-C66B0842B8E5}"/>
+              </a:ext>
+            </a:extLst>
+          </p:cNvPr>
+          <p:cNvSpPr/>
+          <p:nvPr/>
+        </p:nvSpPr>
+        <p:spPr>
+          <a:xfrm>
+            <a:off x="8299938" y="2064524"/>
+            <a:ext cx="3786553" cy="2835722"/>
+          </a:xfrm>
+          <a:prstGeom prst="cloudCallout">
+            <a:avLst>
+              <a:gd name="adj1" fmla="val -66971"/>
+              <a:gd name="adj2" fmla="val -5141"/>
+            </a:avLst>
+          </a:prstGeom>
+        </p:spPr>
+        <p:style>
+          <a:lnRef idx="1">
+            <a:schemeClr val="accent2"/>
+          </a:lnRef>
+          <a:fillRef idx="2">
+            <a:schemeClr val="accent2"/>
+          </a:fillRef>
+          <a:effectRef idx="1">
+            <a:schemeClr val="accent2"/>
+          </a:effectRef>
+          <a:fontRef idx="minor">
+            <a:schemeClr val="dk1"/>
+          </a:fontRef>
+        </p:style>
+        <p:txBody>
+          <a:bodyPr rtlCol="0" anchor="ctr"/>
+          <a:lstStyle/>
+          <a:p>
+            <a:pPr algn="ctr"/>
+            <a:r>
+              <a:rPr lang="en-US" sz="2400" dirty="0"/>
+              <a:t>On the first iteration, letter = “A”</a:t>
+            </a:r>
+          </a:p>
+        </p:txBody>
+      </p:sp>
+    </p:spTree>
+    <p:extLst>
+      <p:ext uri="{BB962C8B-B14F-4D97-AF65-F5344CB8AC3E}">
+        <p14:creationId xmlns:p14="http://schemas.microsoft.com/office/powerpoint/2010/main" val="3264085139"/>
+      </p:ext>
+    </p:extLst>
+  </p:cSld>
+  <p:clrMapOvr>
+    <a:masterClrMapping/>
+  </p:clrMapOvr>
+</p:sld>
+</file>
+
+<file path=ppt/slides/slide18.xml><?xml version="1.0" encoding="utf-8"?>
+<p:sld xmlns:a="http://schemas.openxmlformats.org/drawingml/2006/main" xmlns:r="http://schemas.openxmlformats.org/officeDocument/2006/relationships" xmlns:p="http://schemas.openxmlformats.org/presentationml/2006/main">
+  <p:cSld>
+    <p:spTree>
+      <p:nvGrpSpPr>
+        <p:cNvPr id="1" name="">
+          <a:extLst>
+            <a:ext uri="{FF2B5EF4-FFF2-40B4-BE49-F238E27FC236}">
+              <a16:creationId xmlns:a16="http://schemas.microsoft.com/office/drawing/2014/main" id="{D390FD37-9D35-82B1-91AE-0CB2D15BBEE4}"/>
+            </a:ext>
+          </a:extLst>
+        </p:cNvPr>
+        <p:cNvGrpSpPr/>
+        <p:nvPr/>
+      </p:nvGrpSpPr>
+      <p:grpSpPr>
+        <a:xfrm>
+          <a:off x="0" y="0"/>
+          <a:ext cx="0" cy="0"/>
+          <a:chOff x="0" y="0"/>
+          <a:chExt cx="0" cy="0"/>
+        </a:xfrm>
+      </p:grpSpPr>
+      <p:sp>
+        <p:nvSpPr>
+          <p:cNvPr id="3" name="Content Placeholder 2">
+            <a:extLst>
+              <a:ext uri="{FF2B5EF4-FFF2-40B4-BE49-F238E27FC236}">
+                <a16:creationId xmlns:a16="http://schemas.microsoft.com/office/drawing/2014/main" id="{C85EF08A-99A4-0114-C946-68EAE96E5107}"/>
+              </a:ext>
+            </a:extLst>
+          </p:cNvPr>
+          <p:cNvSpPr>
+            <a:spLocks noGrp="1"/>
+          </p:cNvSpPr>
+          <p:nvPr>
+            <p:ph idx="1"/>
+          </p:nvPr>
+        </p:nvSpPr>
+        <p:spPr/>
+        <p:txBody>
+          <a:bodyPr anchor="t">
+            <a:normAutofit/>
+          </a:bodyPr>
+          <a:lstStyle/>
+          <a:p>
+            <a:r>
+              <a:rPr lang="en-US" sz="2800" dirty="0"/>
+              <a:t>We can think of this in terms of where the variable </a:t>
+            </a:r>
+            <a:r>
+              <a:rPr lang="en-US" sz="2800" b="1" dirty="0">
+                <a:latin typeface="Courier" pitchFamily="2" charset="0"/>
+              </a:rPr>
+              <a:t>letter</a:t>
+            </a:r>
+            <a:r>
+              <a:rPr lang="en-US" sz="2800" dirty="0"/>
+              <a:t> is pointing:</a:t>
+            </a:r>
+          </a:p>
+        </p:txBody>
+      </p:sp>
+      <p:pic>
+        <p:nvPicPr>
+          <p:cNvPr id="7" name="Picture 6">
+            <a:extLst>
+              <a:ext uri="{FF2B5EF4-FFF2-40B4-BE49-F238E27FC236}">
+                <a16:creationId xmlns:a16="http://schemas.microsoft.com/office/drawing/2014/main" id="{E665B404-58B8-9814-8193-9E0FC202C9BA}"/>
+              </a:ext>
+            </a:extLst>
+          </p:cNvPr>
+          <p:cNvPicPr>
+            <a:picLocks noChangeAspect="1"/>
+          </p:cNvPicPr>
+          <p:nvPr/>
+        </p:nvPicPr>
+        <p:blipFill>
+          <a:blip r:embed="rId3">
+            <a:extLst>
+              <a:ext uri="{28A0092B-C50C-407E-A947-70E740481C1C}">
+                <a14:useLocalDpi xmlns:a14="http://schemas.microsoft.com/office/drawing/2010/main" val="0"/>
+              </a:ext>
+            </a:extLst>
+          </a:blip>
+          <a:stretch>
+            <a:fillRect/>
+          </a:stretch>
+        </p:blipFill>
+        <p:spPr>
+          <a:xfrm>
+            <a:off x="3472919" y="2307788"/>
+            <a:ext cx="7315200" cy="3324261"/>
+          </a:xfrm>
+          <a:prstGeom prst="rect">
+            <a:avLst/>
+          </a:prstGeom>
+        </p:spPr>
+      </p:pic>
+      <p:sp>
+        <p:nvSpPr>
+          <p:cNvPr id="5" name="Circular Arrow 4">
+            <a:extLst>
+              <a:ext uri="{FF2B5EF4-FFF2-40B4-BE49-F238E27FC236}">
+                <a16:creationId xmlns:a16="http://schemas.microsoft.com/office/drawing/2014/main" id="{920576FF-2AD3-43CC-5069-97A29FB9C129}"/>
+              </a:ext>
+            </a:extLst>
+          </p:cNvPr>
+          <p:cNvSpPr/>
+          <p:nvPr/>
+        </p:nvSpPr>
+        <p:spPr>
+          <a:xfrm rot="8413844" flipH="1" flipV="1">
+            <a:off x="5128725" y="2335916"/>
+            <a:ext cx="1332953" cy="1339405"/>
+          </a:xfrm>
+          <a:prstGeom prst="circularArrow">
+            <a:avLst>
+              <a:gd name="adj1" fmla="val 1411"/>
+              <a:gd name="adj2" fmla="val 1563058"/>
+              <a:gd name="adj3" fmla="val 20880751"/>
+              <a:gd name="adj4" fmla="val 14799851"/>
+              <a:gd name="adj5" fmla="val 7233"/>
+            </a:avLst>
+          </a:prstGeom>
+          <a:solidFill>
+            <a:srgbClr val="003470"/>
+          </a:solidFill>
+          <a:ln cap="rnd">
+            <a:solidFill>
+              <a:srgbClr val="003470"/>
+            </a:solidFill>
+          </a:ln>
+          <a:effectLst>
+            <a:glow rad="101600">
+              <a:srgbClr val="FFC000">
+                <a:alpha val="60000"/>
+              </a:srgbClr>
+            </a:glow>
+          </a:effectLst>
+        </p:spPr>
+        <p:style>
+          <a:lnRef idx="2">
+            <a:schemeClr val="accent1">
+              <a:shade val="50000"/>
+            </a:schemeClr>
+          </a:lnRef>
+          <a:fillRef idx="1">
+            <a:schemeClr val="accent1"/>
+          </a:fillRef>
+          <a:effectRef idx="0">
+            <a:schemeClr val="accent1"/>
+          </a:effectRef>
+          <a:fontRef idx="minor">
+            <a:schemeClr val="lt1"/>
+          </a:fontRef>
+        </p:style>
+        <p:txBody>
+          <a:bodyPr rtlCol="0" anchor="ctr"/>
+          <a:lstStyle/>
+          <a:p>
+            <a:pPr algn="ctr"/>
+            <a:endParaRPr lang="en-US">
+              <a:solidFill>
+                <a:schemeClr val="tx1"/>
+              </a:solidFill>
+            </a:endParaRPr>
+          </a:p>
+        </p:txBody>
+      </p:sp>
+      <p:sp>
+        <p:nvSpPr>
+          <p:cNvPr id="2" name="Title 1">
+            <a:extLst>
+              <a:ext uri="{FF2B5EF4-FFF2-40B4-BE49-F238E27FC236}">
+                <a16:creationId xmlns:a16="http://schemas.microsoft.com/office/drawing/2014/main" id="{63B26F78-CCDE-8EF5-9C48-6CCFA3F80B4E}"/>
+              </a:ext>
+            </a:extLst>
+          </p:cNvPr>
+          <p:cNvSpPr>
+            <a:spLocks noGrp="1"/>
+          </p:cNvSpPr>
+          <p:nvPr>
+            <p:ph type="title"/>
+          </p:nvPr>
+        </p:nvSpPr>
+        <p:spPr/>
+        <p:txBody>
+          <a:bodyPr/>
+          <a:lstStyle/>
+          <a:p>
+            <a:r>
+              <a:rPr lang="en-US" b="1" dirty="0">
+                <a:solidFill>
+                  <a:srgbClr val="FF9100"/>
+                </a:solidFill>
+                <a:latin typeface="Courier" pitchFamily="2" charset="0"/>
+              </a:rPr>
+              <a:t>for...in</a:t>
+            </a:r>
+            <a:r>
+              <a:rPr lang="en-US" dirty="0"/>
+              <a:t> loops</a:t>
+            </a:r>
+          </a:p>
+        </p:txBody>
+      </p:sp>
+      <p:pic>
+        <p:nvPicPr>
+          <p:cNvPr id="10" name="Picture 9">
+            <a:extLst>
+              <a:ext uri="{FF2B5EF4-FFF2-40B4-BE49-F238E27FC236}">
+                <a16:creationId xmlns:a16="http://schemas.microsoft.com/office/drawing/2014/main" id="{6111E5F4-895D-5C59-7AF5-79A872249101}"/>
+              </a:ext>
+            </a:extLst>
+          </p:cNvPr>
+          <p:cNvPicPr>
+            <a:picLocks noChangeAspect="1"/>
+          </p:cNvPicPr>
+          <p:nvPr/>
+        </p:nvPicPr>
+        <p:blipFill rotWithShape="1">
+          <a:blip r:embed="rId3">
+            <a:extLst>
+              <a:ext uri="{28A0092B-C50C-407E-A947-70E740481C1C}">
+                <a14:useLocalDpi xmlns:a14="http://schemas.microsoft.com/office/drawing/2010/main" val="0"/>
+              </a:ext>
+            </a:extLst>
+          </a:blip>
+          <a:srcRect l="14447" t="15916" r="73053" b="76193"/>
+          <a:stretch/>
+        </p:blipFill>
+        <p:spPr>
+          <a:xfrm>
+            <a:off x="4522418" y="2804969"/>
+            <a:ext cx="914401" cy="262328"/>
+          </a:xfrm>
+          <a:prstGeom prst="roundRect">
+            <a:avLst/>
+          </a:prstGeom>
+          <a:effectLst>
+            <a:glow rad="101600">
+              <a:srgbClr val="FFC000">
+                <a:alpha val="60000"/>
+              </a:srgbClr>
+            </a:glow>
+          </a:effectLst>
+        </p:spPr>
+      </p:pic>
+      <p:sp>
+        <p:nvSpPr>
+          <p:cNvPr id="4" name="Cloud Callout 3">
+            <a:extLst>
+              <a:ext uri="{FF2B5EF4-FFF2-40B4-BE49-F238E27FC236}">
+                <a16:creationId xmlns:a16="http://schemas.microsoft.com/office/drawing/2014/main" id="{F18DB9F1-62CF-F548-B4A4-101E75965047}"/>
+              </a:ext>
+            </a:extLst>
+          </p:cNvPr>
+          <p:cNvSpPr/>
+          <p:nvPr/>
+        </p:nvSpPr>
+        <p:spPr>
+          <a:xfrm>
+            <a:off x="8299938" y="2064524"/>
+            <a:ext cx="3786553" cy="2835722"/>
+          </a:xfrm>
+          <a:prstGeom prst="cloudCallout">
+            <a:avLst>
+              <a:gd name="adj1" fmla="val -66971"/>
+              <a:gd name="adj2" fmla="val -5141"/>
+            </a:avLst>
+          </a:prstGeom>
+        </p:spPr>
+        <p:style>
+          <a:lnRef idx="1">
+            <a:schemeClr val="accent2"/>
+          </a:lnRef>
+          <a:fillRef idx="2">
+            <a:schemeClr val="accent2"/>
+          </a:fillRef>
+          <a:effectRef idx="1">
+            <a:schemeClr val="accent2"/>
+          </a:effectRef>
+          <a:fontRef idx="minor">
+            <a:schemeClr val="dk1"/>
+          </a:fontRef>
+        </p:style>
+        <p:txBody>
+          <a:bodyPr rtlCol="0" anchor="ctr"/>
+          <a:lstStyle/>
+          <a:p>
+            <a:pPr algn="ctr"/>
+            <a:r>
+              <a:rPr lang="en-US" sz="2400" dirty="0"/>
+              <a:t>Indented code is run, and python returns to the top of the loop</a:t>
+            </a:r>
+          </a:p>
+        </p:txBody>
+      </p:sp>
+    </p:spTree>
+    <p:extLst>
+      <p:ext uri="{BB962C8B-B14F-4D97-AF65-F5344CB8AC3E}">
+        <p14:creationId xmlns:p14="http://schemas.microsoft.com/office/powerpoint/2010/main" val="3725067891"/>
+      </p:ext>
+    </p:extLst>
+  </p:cSld>
+  <p:clrMapOvr>
+    <a:masterClrMapping/>
+  </p:clrMapOvr>
+</p:sld>
+</file>
+
+<file path=ppt/slides/slide19.xml><?xml version="1.0" encoding="utf-8"?>
+<p:sld xmlns:a="http://schemas.openxmlformats.org/drawingml/2006/main" xmlns:r="http://schemas.openxmlformats.org/officeDocument/2006/relationships" xmlns:p="http://schemas.openxmlformats.org/presentationml/2006/main">
+  <p:cSld>
+    <p:spTree>
+      <p:nvGrpSpPr>
+        <p:cNvPr id="1" name="">
+          <a:extLst>
+            <a:ext uri="{FF2B5EF4-FFF2-40B4-BE49-F238E27FC236}">
+              <a16:creationId xmlns:a16="http://schemas.microsoft.com/office/drawing/2014/main" id="{068CF091-FA7C-78B1-4674-26FB2213DE6A}"/>
+            </a:ext>
+          </a:extLst>
+        </p:cNvPr>
+        <p:cNvGrpSpPr/>
+        <p:nvPr/>
+      </p:nvGrpSpPr>
+      <p:grpSpPr>
+        <a:xfrm>
+          <a:off x="0" y="0"/>
+          <a:ext cx="0" cy="0"/>
+          <a:chOff x="0" y="0"/>
+          <a:chExt cx="0" cy="0"/>
+        </a:xfrm>
+      </p:grpSpPr>
+      <p:sp>
+        <p:nvSpPr>
+          <p:cNvPr id="3" name="Content Placeholder 2">
+            <a:extLst>
+              <a:ext uri="{FF2B5EF4-FFF2-40B4-BE49-F238E27FC236}">
+                <a16:creationId xmlns:a16="http://schemas.microsoft.com/office/drawing/2014/main" id="{206654A5-72E7-1973-C064-BC108858793A}"/>
+              </a:ext>
+            </a:extLst>
+          </p:cNvPr>
+          <p:cNvSpPr>
+            <a:spLocks noGrp="1"/>
+          </p:cNvSpPr>
+          <p:nvPr>
+            <p:ph idx="1"/>
+          </p:nvPr>
+        </p:nvSpPr>
+        <p:spPr/>
+        <p:txBody>
+          <a:bodyPr anchor="t">
+            <a:normAutofit/>
+          </a:bodyPr>
+          <a:lstStyle/>
+          <a:p>
+            <a:r>
+              <a:rPr lang="en-US" sz="2800" dirty="0"/>
+              <a:t>We can think of this in terms of where the variable </a:t>
+            </a:r>
+            <a:r>
+              <a:rPr lang="en-US" sz="2800" b="1" dirty="0">
+                <a:latin typeface="Courier" pitchFamily="2" charset="0"/>
+              </a:rPr>
+              <a:t>letter</a:t>
+            </a:r>
+            <a:r>
+              <a:rPr lang="en-US" sz="2800" dirty="0"/>
+              <a:t> is pointing:</a:t>
+            </a:r>
+          </a:p>
+        </p:txBody>
+      </p:sp>
+      <p:pic>
+        <p:nvPicPr>
+          <p:cNvPr id="7" name="Picture 6">
+            <a:extLst>
+              <a:ext uri="{FF2B5EF4-FFF2-40B4-BE49-F238E27FC236}">
+                <a16:creationId xmlns:a16="http://schemas.microsoft.com/office/drawing/2014/main" id="{07C94CB0-CC41-50FE-DD0D-BF00C47F26CD}"/>
+              </a:ext>
+            </a:extLst>
+          </p:cNvPr>
+          <p:cNvPicPr>
+            <a:picLocks noChangeAspect="1"/>
+          </p:cNvPicPr>
+          <p:nvPr/>
+        </p:nvPicPr>
+        <p:blipFill>
+          <a:blip r:embed="rId3">
+            <a:extLst>
+              <a:ext uri="{28A0092B-C50C-407E-A947-70E740481C1C}">
+                <a14:useLocalDpi xmlns:a14="http://schemas.microsoft.com/office/drawing/2010/main" val="0"/>
+              </a:ext>
+            </a:extLst>
+          </a:blip>
+          <a:stretch>
+            <a:fillRect/>
+          </a:stretch>
+        </p:blipFill>
+        <p:spPr>
+          <a:xfrm>
+            <a:off x="3472919" y="2307788"/>
+            <a:ext cx="7315200" cy="3324261"/>
+          </a:xfrm>
+          <a:prstGeom prst="rect">
+            <a:avLst/>
+          </a:prstGeom>
+        </p:spPr>
+      </p:pic>
+      <p:sp>
+        <p:nvSpPr>
+          <p:cNvPr id="2" name="Title 1">
+            <a:extLst>
+              <a:ext uri="{FF2B5EF4-FFF2-40B4-BE49-F238E27FC236}">
+                <a16:creationId xmlns:a16="http://schemas.microsoft.com/office/drawing/2014/main" id="{55106533-067C-F2D8-912C-9E427D7612E1}"/>
+              </a:ext>
+            </a:extLst>
+          </p:cNvPr>
+          <p:cNvSpPr>
+            <a:spLocks noGrp="1"/>
+          </p:cNvSpPr>
+          <p:nvPr>
+            <p:ph type="title"/>
+          </p:nvPr>
+        </p:nvSpPr>
+        <p:spPr/>
+        <p:txBody>
+          <a:bodyPr/>
+          <a:lstStyle/>
+          <a:p>
+            <a:r>
+              <a:rPr lang="en-US" b="1" dirty="0">
+                <a:solidFill>
+                  <a:srgbClr val="FF9100"/>
+                </a:solidFill>
+                <a:latin typeface="Courier" pitchFamily="2" charset="0"/>
+              </a:rPr>
+              <a:t>for...in</a:t>
+            </a:r>
+            <a:r>
+              <a:rPr lang="en-US" dirty="0"/>
+              <a:t> loops</a:t>
+            </a:r>
+          </a:p>
+        </p:txBody>
+      </p:sp>
+      <p:pic>
+        <p:nvPicPr>
+          <p:cNvPr id="10" name="Picture 9">
+            <a:extLst>
+              <a:ext uri="{FF2B5EF4-FFF2-40B4-BE49-F238E27FC236}">
+                <a16:creationId xmlns:a16="http://schemas.microsoft.com/office/drawing/2014/main" id="{045F8E1D-EE6F-1AC5-9AFE-058EF3A31FE4}"/>
+              </a:ext>
+            </a:extLst>
+          </p:cNvPr>
+          <p:cNvPicPr>
+            <a:picLocks noChangeAspect="1"/>
+          </p:cNvPicPr>
+          <p:nvPr/>
+        </p:nvPicPr>
+        <p:blipFill rotWithShape="1">
+          <a:blip r:embed="rId3">
+            <a:extLst>
+              <a:ext uri="{28A0092B-C50C-407E-A947-70E740481C1C}">
+                <a14:useLocalDpi xmlns:a14="http://schemas.microsoft.com/office/drawing/2010/main" val="0"/>
+              </a:ext>
+            </a:extLst>
+          </a:blip>
+          <a:srcRect l="14447" t="15916" r="73053" b="76193"/>
+          <a:stretch/>
+        </p:blipFill>
+        <p:spPr>
+          <a:xfrm>
+            <a:off x="4522418" y="2804969"/>
+            <a:ext cx="914401" cy="262328"/>
+          </a:xfrm>
+          <a:prstGeom prst="roundRect">
+            <a:avLst/>
+          </a:prstGeom>
+          <a:effectLst>
+            <a:glow rad="101600">
+              <a:srgbClr val="FFC000">
+                <a:alpha val="60000"/>
+              </a:srgbClr>
+            </a:glow>
+          </a:effectLst>
+        </p:spPr>
+      </p:pic>
+      <p:sp>
+        <p:nvSpPr>
+          <p:cNvPr id="4" name="Cloud Callout 3">
+            <a:extLst>
+              <a:ext uri="{FF2B5EF4-FFF2-40B4-BE49-F238E27FC236}">
+                <a16:creationId xmlns:a16="http://schemas.microsoft.com/office/drawing/2014/main" id="{B6A91B4F-A3A9-D28E-B590-6833F9716F78}"/>
+              </a:ext>
+            </a:extLst>
+          </p:cNvPr>
+          <p:cNvSpPr/>
+          <p:nvPr/>
+        </p:nvSpPr>
+        <p:spPr>
+          <a:xfrm>
+            <a:off x="8299938" y="2064524"/>
+            <a:ext cx="3786553" cy="2835722"/>
+          </a:xfrm>
+          <a:prstGeom prst="cloudCallout">
+            <a:avLst>
+              <a:gd name="adj1" fmla="val -66971"/>
+              <a:gd name="adj2" fmla="val -5141"/>
+            </a:avLst>
+          </a:prstGeom>
+        </p:spPr>
+        <p:style>
+          <a:lnRef idx="1">
+            <a:schemeClr val="accent2"/>
+          </a:lnRef>
+          <a:fillRef idx="2">
+            <a:schemeClr val="accent2"/>
+          </a:fillRef>
+          <a:effectRef idx="1">
+            <a:schemeClr val="accent2"/>
+          </a:effectRef>
+          <a:fontRef idx="minor">
+            <a:schemeClr val="dk1"/>
+          </a:fontRef>
+        </p:style>
+        <p:txBody>
+          <a:bodyPr rtlCol="0" anchor="ctr"/>
+          <a:lstStyle/>
+          <a:p>
+            <a:pPr algn="ctr"/>
+            <a:r>
+              <a:rPr lang="en-US" sz="2400" dirty="0"/>
+              <a:t>On the second iteration, letter = “B”</a:t>
+            </a:r>
+          </a:p>
+        </p:txBody>
+      </p:sp>
+      <p:sp>
+        <p:nvSpPr>
+          <p:cNvPr id="6" name="Circular Arrow 5">
+            <a:extLst>
+              <a:ext uri="{FF2B5EF4-FFF2-40B4-BE49-F238E27FC236}">
+                <a16:creationId xmlns:a16="http://schemas.microsoft.com/office/drawing/2014/main" id="{2F20E5A0-6389-6C16-F8CE-7266011F9434}"/>
+              </a:ext>
+            </a:extLst>
+          </p:cNvPr>
+          <p:cNvSpPr/>
+          <p:nvPr/>
+        </p:nvSpPr>
+        <p:spPr>
+          <a:xfrm rot="9000000" flipH="1" flipV="1">
+            <a:off x="5107976" y="2166288"/>
+            <a:ext cx="2116140" cy="2126383"/>
+          </a:xfrm>
+          <a:prstGeom prst="circularArrow">
+            <a:avLst>
+              <a:gd name="adj1" fmla="val 748"/>
+              <a:gd name="adj2" fmla="val 885245"/>
+              <a:gd name="adj3" fmla="val 20914623"/>
+              <a:gd name="adj4" fmla="val 14340769"/>
+              <a:gd name="adj5" fmla="val 3850"/>
+            </a:avLst>
+          </a:prstGeom>
+          <a:solidFill>
+            <a:srgbClr val="003470"/>
+          </a:solidFill>
+          <a:ln cap="rnd">
+            <a:solidFill>
+              <a:srgbClr val="003470"/>
+            </a:solidFill>
+          </a:ln>
+          <a:effectLst>
+            <a:glow rad="101600">
+              <a:srgbClr val="FFC000">
+                <a:alpha val="60000"/>
+              </a:srgbClr>
+            </a:glow>
+          </a:effectLst>
+        </p:spPr>
+        <p:style>
+          <a:lnRef idx="2">
+            <a:schemeClr val="accent1">
+              <a:shade val="50000"/>
+            </a:schemeClr>
+          </a:lnRef>
+          <a:fillRef idx="1">
+            <a:schemeClr val="accent1"/>
+          </a:fillRef>
+          <a:effectRef idx="0">
+            <a:schemeClr val="accent1"/>
+          </a:effectRef>
+          <a:fontRef idx="minor">
+            <a:schemeClr val="lt1"/>
+          </a:fontRef>
+        </p:style>
+        <p:txBody>
+          <a:bodyPr rtlCol="0" anchor="ctr"/>
+          <a:lstStyle/>
+          <a:p>
+            <a:pPr algn="ctr"/>
+            <a:endParaRPr lang="en-US">
+              <a:solidFill>
+                <a:schemeClr val="tx1"/>
+              </a:solidFill>
+            </a:endParaRPr>
+          </a:p>
+        </p:txBody>
+      </p:sp>
+    </p:spTree>
+    <p:extLst>
+      <p:ext uri="{BB962C8B-B14F-4D97-AF65-F5344CB8AC3E}">
+        <p14:creationId xmlns:p14="http://schemas.microsoft.com/office/powerpoint/2010/main" val="3250609261"/>
+      </p:ext>
+    </p:extLst>
+  </p:cSld>
+  <p:clrMapOvr>
+    <a:masterClrMapping/>
+  </p:clrMapOvr>
+</p:sld>
+</file>
+
+<file path=ppt/slides/slide2.xml><?xml version="1.0" encoding="utf-8"?>
+<p:sld xmlns:a="http://schemas.openxmlformats.org/drawingml/2006/main" xmlns:r="http://schemas.openxmlformats.org/officeDocument/2006/relationships" xmlns:p="http://schemas.openxmlformats.org/presentationml/2006/main">
+  <p:cSld>
+    <p:spTree>
+      <p:nvGrpSpPr>
+        <p:cNvPr id="1" name=""/>
+        <p:cNvGrpSpPr/>
+        <p:nvPr/>
+      </p:nvGrpSpPr>
+      <p:grpSpPr>
+        <a:xfrm>
+          <a:off x="0" y="0"/>
+          <a:ext cx="0" cy="0"/>
+          <a:chOff x="0" y="0"/>
+          <a:chExt cx="0" cy="0"/>
+        </a:xfrm>
+      </p:grpSpPr>
+      <p:sp>
+        <p:nvSpPr>
+          <p:cNvPr id="2" name="Title 1">
+            <a:extLst>
+              <a:ext uri="{FF2B5EF4-FFF2-40B4-BE49-F238E27FC236}">
+                <a16:creationId xmlns:a16="http://schemas.microsoft.com/office/drawing/2014/main" id="{10D330C2-52A4-1ABA-980B-56FBC97F350C}"/>
+              </a:ext>
+            </a:extLst>
+          </p:cNvPr>
+          <p:cNvSpPr>
+            <a:spLocks noGrp="1"/>
+          </p:cNvSpPr>
+          <p:nvPr>
+            <p:ph type="title"/>
+          </p:nvPr>
+        </p:nvSpPr>
+        <p:spPr/>
+        <p:txBody>
+          <a:bodyPr/>
+          <a:lstStyle/>
+          <a:p>
+            <a:r>
+              <a:rPr lang="en-US" dirty="0"/>
+              <a:t>Plan for Today</a:t>
+            </a:r>
+          </a:p>
+        </p:txBody>
+      </p:sp>
+      <p:sp>
+        <p:nvSpPr>
+          <p:cNvPr id="3" name="Content Placeholder 2">
+            <a:extLst>
+              <a:ext uri="{FF2B5EF4-FFF2-40B4-BE49-F238E27FC236}">
+                <a16:creationId xmlns:a16="http://schemas.microsoft.com/office/drawing/2014/main" id="{9EAE50F6-429C-715A-C25C-1C7744AED1CF}"/>
+              </a:ext>
+            </a:extLst>
+          </p:cNvPr>
+          <p:cNvSpPr>
+            <a:spLocks noGrp="1"/>
+          </p:cNvSpPr>
+          <p:nvPr>
+            <p:ph idx="1"/>
+          </p:nvPr>
+        </p:nvSpPr>
+        <p:spPr/>
+        <p:txBody>
+          <a:bodyPr/>
+          <a:lstStyle/>
+          <a:p>
+            <a:r>
+              <a:rPr lang="en-US" sz="2800" dirty="0"/>
+              <a:t>For loops </a:t>
+            </a:r>
+            <a:r>
+              <a:rPr lang="en-US" dirty="0"/>
+              <a:t> </a:t>
+            </a:r>
+          </a:p>
+        </p:txBody>
+      </p:sp>
+    </p:spTree>
+    <p:extLst>
+      <p:ext uri="{BB962C8B-B14F-4D97-AF65-F5344CB8AC3E}">
+        <p14:creationId xmlns:p14="http://schemas.microsoft.com/office/powerpoint/2010/main" val="1085546165"/>
+      </p:ext>
+    </p:extLst>
+  </p:cSld>
+  <p:clrMapOvr>
+    <a:masterClrMapping/>
+  </p:clrMapOvr>
+</p:sld>
+</file>
+
+<file path=ppt/slides/slide20.xml><?xml version="1.0" encoding="utf-8"?>
+<p:sld xmlns:a="http://schemas.openxmlformats.org/drawingml/2006/main" xmlns:r="http://schemas.openxmlformats.org/officeDocument/2006/relationships" xmlns:p="http://schemas.openxmlformats.org/presentationml/2006/main">
+  <p:cSld>
+    <p:spTree>
+      <p:nvGrpSpPr>
+        <p:cNvPr id="1" name="">
+          <a:extLst>
+            <a:ext uri="{FF2B5EF4-FFF2-40B4-BE49-F238E27FC236}">
+              <a16:creationId xmlns:a16="http://schemas.microsoft.com/office/drawing/2014/main" id="{775F25F2-0961-8084-BEA1-7B0F1311745B}"/>
+            </a:ext>
+          </a:extLst>
+        </p:cNvPr>
+        <p:cNvGrpSpPr/>
+        <p:nvPr/>
+      </p:nvGrpSpPr>
+      <p:grpSpPr>
+        <a:xfrm>
+          <a:off x="0" y="0"/>
+          <a:ext cx="0" cy="0"/>
+          <a:chOff x="0" y="0"/>
+          <a:chExt cx="0" cy="0"/>
+        </a:xfrm>
+      </p:grpSpPr>
+      <p:sp>
+        <p:nvSpPr>
+          <p:cNvPr id="3" name="Content Placeholder 2">
+            <a:extLst>
+              <a:ext uri="{FF2B5EF4-FFF2-40B4-BE49-F238E27FC236}">
+                <a16:creationId xmlns:a16="http://schemas.microsoft.com/office/drawing/2014/main" id="{B57817D4-3FB6-5F1A-1E84-76DD5D933A2F}"/>
+              </a:ext>
+            </a:extLst>
+          </p:cNvPr>
+          <p:cNvSpPr>
+            <a:spLocks noGrp="1"/>
+          </p:cNvSpPr>
+          <p:nvPr>
+            <p:ph idx="1"/>
+          </p:nvPr>
+        </p:nvSpPr>
+        <p:spPr/>
+        <p:txBody>
+          <a:bodyPr anchor="t">
+            <a:normAutofit/>
+          </a:bodyPr>
+          <a:lstStyle/>
+          <a:p>
+            <a:r>
+              <a:rPr lang="en-US" sz="2800" dirty="0"/>
+              <a:t>We can think of this in terms of where the variable </a:t>
+            </a:r>
+            <a:r>
+              <a:rPr lang="en-US" sz="2800" b="1" dirty="0">
+                <a:latin typeface="Courier" pitchFamily="2" charset="0"/>
+              </a:rPr>
+              <a:t>letter</a:t>
+            </a:r>
+            <a:r>
+              <a:rPr lang="en-US" sz="2800" dirty="0"/>
+              <a:t> is pointing:</a:t>
+            </a:r>
+          </a:p>
+        </p:txBody>
+      </p:sp>
+      <p:pic>
+        <p:nvPicPr>
+          <p:cNvPr id="7" name="Picture 6">
+            <a:extLst>
+              <a:ext uri="{FF2B5EF4-FFF2-40B4-BE49-F238E27FC236}">
+                <a16:creationId xmlns:a16="http://schemas.microsoft.com/office/drawing/2014/main" id="{3DA6AFFD-9340-436F-4068-6690EB0D6074}"/>
+              </a:ext>
+            </a:extLst>
+          </p:cNvPr>
+          <p:cNvPicPr>
+            <a:picLocks noChangeAspect="1"/>
+          </p:cNvPicPr>
+          <p:nvPr/>
+        </p:nvPicPr>
+        <p:blipFill>
+          <a:blip r:embed="rId3">
+            <a:extLst>
+              <a:ext uri="{28A0092B-C50C-407E-A947-70E740481C1C}">
+                <a14:useLocalDpi xmlns:a14="http://schemas.microsoft.com/office/drawing/2010/main" val="0"/>
+              </a:ext>
+            </a:extLst>
+          </a:blip>
+          <a:stretch>
+            <a:fillRect/>
+          </a:stretch>
+        </p:blipFill>
+        <p:spPr>
+          <a:xfrm>
+            <a:off x="3472919" y="2307788"/>
+            <a:ext cx="7315200" cy="3324261"/>
+          </a:xfrm>
+          <a:prstGeom prst="rect">
+            <a:avLst/>
+          </a:prstGeom>
+        </p:spPr>
+      </p:pic>
+      <p:sp>
+        <p:nvSpPr>
+          <p:cNvPr id="2" name="Title 1">
+            <a:extLst>
+              <a:ext uri="{FF2B5EF4-FFF2-40B4-BE49-F238E27FC236}">
+                <a16:creationId xmlns:a16="http://schemas.microsoft.com/office/drawing/2014/main" id="{39F06BA8-FA5F-57C4-43F9-A58C03659F95}"/>
+              </a:ext>
+            </a:extLst>
+          </p:cNvPr>
+          <p:cNvSpPr>
+            <a:spLocks noGrp="1"/>
+          </p:cNvSpPr>
+          <p:nvPr>
+            <p:ph type="title"/>
+          </p:nvPr>
+        </p:nvSpPr>
+        <p:spPr/>
+        <p:txBody>
+          <a:bodyPr/>
+          <a:lstStyle/>
+          <a:p>
+            <a:r>
+              <a:rPr lang="en-US" b="1" dirty="0">
+                <a:solidFill>
+                  <a:srgbClr val="FF9100"/>
+                </a:solidFill>
+                <a:latin typeface="Courier" pitchFamily="2" charset="0"/>
+              </a:rPr>
+              <a:t>for...in</a:t>
+            </a:r>
+            <a:r>
+              <a:rPr lang="en-US" dirty="0"/>
+              <a:t> loops</a:t>
+            </a:r>
+          </a:p>
+        </p:txBody>
+      </p:sp>
+      <p:pic>
+        <p:nvPicPr>
+          <p:cNvPr id="10" name="Picture 9">
+            <a:extLst>
+              <a:ext uri="{FF2B5EF4-FFF2-40B4-BE49-F238E27FC236}">
+                <a16:creationId xmlns:a16="http://schemas.microsoft.com/office/drawing/2014/main" id="{88C46E7F-6525-42B7-ACCE-12B018C491B4}"/>
+              </a:ext>
+            </a:extLst>
+          </p:cNvPr>
+          <p:cNvPicPr>
+            <a:picLocks noChangeAspect="1"/>
+          </p:cNvPicPr>
+          <p:nvPr/>
+        </p:nvPicPr>
+        <p:blipFill rotWithShape="1">
+          <a:blip r:embed="rId3">
+            <a:extLst>
+              <a:ext uri="{28A0092B-C50C-407E-A947-70E740481C1C}">
+                <a14:useLocalDpi xmlns:a14="http://schemas.microsoft.com/office/drawing/2010/main" val="0"/>
+              </a:ext>
+            </a:extLst>
+          </a:blip>
+          <a:srcRect l="14447" t="15916" r="73053" b="76193"/>
+          <a:stretch/>
+        </p:blipFill>
+        <p:spPr>
+          <a:xfrm>
+            <a:off x="4522418" y="2804969"/>
+            <a:ext cx="914401" cy="262328"/>
+          </a:xfrm>
+          <a:prstGeom prst="roundRect">
+            <a:avLst/>
+          </a:prstGeom>
+          <a:effectLst>
+            <a:glow rad="101600">
+              <a:srgbClr val="FFC000">
+                <a:alpha val="60000"/>
+              </a:srgbClr>
+            </a:glow>
+          </a:effectLst>
+        </p:spPr>
+      </p:pic>
+      <p:sp>
+        <p:nvSpPr>
+          <p:cNvPr id="4" name="Cloud Callout 3">
+            <a:extLst>
+              <a:ext uri="{FF2B5EF4-FFF2-40B4-BE49-F238E27FC236}">
+                <a16:creationId xmlns:a16="http://schemas.microsoft.com/office/drawing/2014/main" id="{191F5C48-1CBB-3154-AD0A-5EA0A57D30A5}"/>
+              </a:ext>
+            </a:extLst>
+          </p:cNvPr>
+          <p:cNvSpPr/>
+          <p:nvPr/>
+        </p:nvSpPr>
+        <p:spPr>
+          <a:xfrm>
+            <a:off x="8299938" y="2064524"/>
+            <a:ext cx="3786553" cy="2835722"/>
+          </a:xfrm>
+          <a:prstGeom prst="cloudCallout">
+            <a:avLst>
+              <a:gd name="adj1" fmla="val -66971"/>
+              <a:gd name="adj2" fmla="val -5141"/>
+            </a:avLst>
+          </a:prstGeom>
+        </p:spPr>
+        <p:style>
+          <a:lnRef idx="1">
+            <a:schemeClr val="accent2"/>
+          </a:lnRef>
+          <a:fillRef idx="2">
+            <a:schemeClr val="accent2"/>
+          </a:fillRef>
+          <a:effectRef idx="1">
+            <a:schemeClr val="accent2"/>
+          </a:effectRef>
+          <a:fontRef idx="minor">
+            <a:schemeClr val="dk1"/>
+          </a:fontRef>
+        </p:style>
+        <p:txBody>
+          <a:bodyPr rtlCol="0" anchor="ctr"/>
+          <a:lstStyle/>
+          <a:p>
+            <a:pPr algn="ctr"/>
+            <a:r>
+              <a:rPr lang="en-US" sz="2400" dirty="0"/>
+              <a:t>Indented code is run, and python returns to the top of the loop</a:t>
+            </a:r>
+          </a:p>
+        </p:txBody>
+      </p:sp>
+      <p:sp>
+        <p:nvSpPr>
+          <p:cNvPr id="6" name="Circular Arrow 5">
+            <a:extLst>
+              <a:ext uri="{FF2B5EF4-FFF2-40B4-BE49-F238E27FC236}">
+                <a16:creationId xmlns:a16="http://schemas.microsoft.com/office/drawing/2014/main" id="{394636FC-19A6-B5A3-3BFF-84B01E019879}"/>
+              </a:ext>
+            </a:extLst>
+          </p:cNvPr>
+          <p:cNvSpPr/>
+          <p:nvPr/>
+        </p:nvSpPr>
+        <p:spPr>
+          <a:xfrm rot="9000000" flipH="1" flipV="1">
+            <a:off x="5107976" y="2166288"/>
+            <a:ext cx="2116140" cy="2126383"/>
+          </a:xfrm>
+          <a:prstGeom prst="circularArrow">
+            <a:avLst>
+              <a:gd name="adj1" fmla="val 748"/>
+              <a:gd name="adj2" fmla="val 885245"/>
+              <a:gd name="adj3" fmla="val 20914623"/>
+              <a:gd name="adj4" fmla="val 14340769"/>
+              <a:gd name="adj5" fmla="val 3850"/>
+            </a:avLst>
+          </a:prstGeom>
+          <a:solidFill>
+            <a:srgbClr val="003470"/>
+          </a:solidFill>
+          <a:ln cap="rnd">
+            <a:solidFill>
+              <a:srgbClr val="003470"/>
+            </a:solidFill>
+          </a:ln>
+          <a:effectLst>
+            <a:glow rad="101600">
+              <a:srgbClr val="FFC000">
+                <a:alpha val="60000"/>
+              </a:srgbClr>
+            </a:glow>
+          </a:effectLst>
+        </p:spPr>
+        <p:style>
+          <a:lnRef idx="2">
+            <a:schemeClr val="accent1">
+              <a:shade val="50000"/>
+            </a:schemeClr>
+          </a:lnRef>
+          <a:fillRef idx="1">
+            <a:schemeClr val="accent1"/>
+          </a:fillRef>
+          <a:effectRef idx="0">
+            <a:schemeClr val="accent1"/>
+          </a:effectRef>
+          <a:fontRef idx="minor">
+            <a:schemeClr val="lt1"/>
+          </a:fontRef>
+        </p:style>
+        <p:txBody>
+          <a:bodyPr rtlCol="0" anchor="ctr"/>
+          <a:lstStyle/>
+          <a:p>
+            <a:pPr algn="ctr"/>
+            <a:endParaRPr lang="en-US">
+              <a:solidFill>
+                <a:schemeClr val="tx1"/>
+              </a:solidFill>
+            </a:endParaRPr>
+          </a:p>
+        </p:txBody>
+      </p:sp>
+    </p:spTree>
+    <p:extLst>
+      <p:ext uri="{BB962C8B-B14F-4D97-AF65-F5344CB8AC3E}">
+        <p14:creationId xmlns:p14="http://schemas.microsoft.com/office/powerpoint/2010/main" val="1752055245"/>
+      </p:ext>
+    </p:extLst>
+  </p:cSld>
+  <p:clrMapOvr>
+    <a:masterClrMapping/>
+  </p:clrMapOvr>
+</p:sld>
+</file>
+
+<file path=ppt/slides/slide21.xml><?xml version="1.0" encoding="utf-8"?>
+<p:sld xmlns:a="http://schemas.openxmlformats.org/drawingml/2006/main" xmlns:r="http://schemas.openxmlformats.org/officeDocument/2006/relationships" xmlns:p="http://schemas.openxmlformats.org/presentationml/2006/main">
+  <p:cSld>
+    <p:spTree>
+      <p:nvGrpSpPr>
+        <p:cNvPr id="1" name="">
+          <a:extLst>
+            <a:ext uri="{FF2B5EF4-FFF2-40B4-BE49-F238E27FC236}">
+              <a16:creationId xmlns:a16="http://schemas.microsoft.com/office/drawing/2014/main" id="{C833C6C3-B089-E3B9-6707-760332364D41}"/>
+            </a:ext>
+          </a:extLst>
+        </p:cNvPr>
+        <p:cNvGrpSpPr/>
+        <p:nvPr/>
+      </p:nvGrpSpPr>
+      <p:grpSpPr>
+        <a:xfrm>
+          <a:off x="0" y="0"/>
+          <a:ext cx="0" cy="0"/>
+          <a:chOff x="0" y="0"/>
+          <a:chExt cx="0" cy="0"/>
+        </a:xfrm>
+      </p:grpSpPr>
+      <p:sp>
+        <p:nvSpPr>
+          <p:cNvPr id="3" name="Content Placeholder 2">
+            <a:extLst>
+              <a:ext uri="{FF2B5EF4-FFF2-40B4-BE49-F238E27FC236}">
+                <a16:creationId xmlns:a16="http://schemas.microsoft.com/office/drawing/2014/main" id="{FE3652FB-9AEE-B4BE-F663-13E300175A8D}"/>
+              </a:ext>
+            </a:extLst>
+          </p:cNvPr>
+          <p:cNvSpPr>
+            <a:spLocks noGrp="1"/>
+          </p:cNvSpPr>
+          <p:nvPr>
+            <p:ph idx="1"/>
+          </p:nvPr>
+        </p:nvSpPr>
+        <p:spPr/>
+        <p:txBody>
+          <a:bodyPr anchor="t">
+            <a:normAutofit/>
+          </a:bodyPr>
+          <a:lstStyle/>
+          <a:p>
+            <a:r>
+              <a:rPr lang="en-US" sz="2800" dirty="0"/>
+              <a:t>We can think of this in terms of where the variable </a:t>
+            </a:r>
+            <a:r>
+              <a:rPr lang="en-US" sz="2800" b="1" dirty="0">
+                <a:latin typeface="Courier" pitchFamily="2" charset="0"/>
+              </a:rPr>
+              <a:t>letter</a:t>
+            </a:r>
+            <a:r>
+              <a:rPr lang="en-US" sz="2800" dirty="0"/>
+              <a:t> is pointing:</a:t>
+            </a:r>
+          </a:p>
+        </p:txBody>
+      </p:sp>
+      <p:pic>
+        <p:nvPicPr>
+          <p:cNvPr id="7" name="Picture 6">
+            <a:extLst>
+              <a:ext uri="{FF2B5EF4-FFF2-40B4-BE49-F238E27FC236}">
+                <a16:creationId xmlns:a16="http://schemas.microsoft.com/office/drawing/2014/main" id="{A98A4C7A-BDDE-277A-5601-2A4503035D3D}"/>
+              </a:ext>
+            </a:extLst>
+          </p:cNvPr>
+          <p:cNvPicPr>
+            <a:picLocks noChangeAspect="1"/>
+          </p:cNvPicPr>
+          <p:nvPr/>
+        </p:nvPicPr>
+        <p:blipFill>
+          <a:blip r:embed="rId3">
+            <a:extLst>
+              <a:ext uri="{28A0092B-C50C-407E-A947-70E740481C1C}">
+                <a14:useLocalDpi xmlns:a14="http://schemas.microsoft.com/office/drawing/2010/main" val="0"/>
+              </a:ext>
+            </a:extLst>
+          </a:blip>
+          <a:stretch>
+            <a:fillRect/>
+          </a:stretch>
+        </p:blipFill>
+        <p:spPr>
+          <a:xfrm>
+            <a:off x="3472919" y="2307788"/>
+            <a:ext cx="7315200" cy="3324261"/>
+          </a:xfrm>
+          <a:prstGeom prst="rect">
+            <a:avLst/>
+          </a:prstGeom>
+        </p:spPr>
+      </p:pic>
+      <p:sp>
+        <p:nvSpPr>
+          <p:cNvPr id="2" name="Title 1">
+            <a:extLst>
+              <a:ext uri="{FF2B5EF4-FFF2-40B4-BE49-F238E27FC236}">
+                <a16:creationId xmlns:a16="http://schemas.microsoft.com/office/drawing/2014/main" id="{63491377-85E1-B825-6ADE-76B187708AE4}"/>
+              </a:ext>
+            </a:extLst>
+          </p:cNvPr>
+          <p:cNvSpPr>
+            <a:spLocks noGrp="1"/>
+          </p:cNvSpPr>
+          <p:nvPr>
+            <p:ph type="title"/>
+          </p:nvPr>
+        </p:nvSpPr>
+        <p:spPr/>
+        <p:txBody>
+          <a:bodyPr/>
+          <a:lstStyle/>
+          <a:p>
+            <a:r>
+              <a:rPr lang="en-US" b="1" dirty="0">
+                <a:solidFill>
+                  <a:srgbClr val="FF9100"/>
+                </a:solidFill>
+                <a:latin typeface="Courier" pitchFamily="2" charset="0"/>
+              </a:rPr>
+              <a:t>for...in</a:t>
+            </a:r>
+            <a:r>
+              <a:rPr lang="en-US" dirty="0"/>
+              <a:t> loops</a:t>
+            </a:r>
+          </a:p>
+        </p:txBody>
+      </p:sp>
+      <p:pic>
+        <p:nvPicPr>
+          <p:cNvPr id="10" name="Picture 9">
+            <a:extLst>
+              <a:ext uri="{FF2B5EF4-FFF2-40B4-BE49-F238E27FC236}">
+                <a16:creationId xmlns:a16="http://schemas.microsoft.com/office/drawing/2014/main" id="{AEA35409-ED2D-9E33-CCF5-4256412CE002}"/>
+              </a:ext>
+            </a:extLst>
+          </p:cNvPr>
+          <p:cNvPicPr>
+            <a:picLocks noChangeAspect="1"/>
+          </p:cNvPicPr>
+          <p:nvPr/>
+        </p:nvPicPr>
+        <p:blipFill rotWithShape="1">
+          <a:blip r:embed="rId3">
+            <a:extLst>
+              <a:ext uri="{28A0092B-C50C-407E-A947-70E740481C1C}">
+                <a14:useLocalDpi xmlns:a14="http://schemas.microsoft.com/office/drawing/2010/main" val="0"/>
+              </a:ext>
+            </a:extLst>
+          </a:blip>
+          <a:srcRect l="14447" t="15916" r="73053" b="76193"/>
+          <a:stretch/>
+        </p:blipFill>
+        <p:spPr>
+          <a:xfrm>
+            <a:off x="4522418" y="2804969"/>
+            <a:ext cx="914401" cy="262328"/>
+          </a:xfrm>
+          <a:prstGeom prst="roundRect">
+            <a:avLst/>
+          </a:prstGeom>
+          <a:effectLst>
+            <a:glow rad="101600">
+              <a:srgbClr val="FFC000">
+                <a:alpha val="60000"/>
+              </a:srgbClr>
+            </a:glow>
+          </a:effectLst>
+        </p:spPr>
+      </p:pic>
+      <p:sp>
+        <p:nvSpPr>
+          <p:cNvPr id="4" name="Cloud Callout 3">
+            <a:extLst>
+              <a:ext uri="{FF2B5EF4-FFF2-40B4-BE49-F238E27FC236}">
+                <a16:creationId xmlns:a16="http://schemas.microsoft.com/office/drawing/2014/main" id="{44A7A8F3-8763-065E-5CE1-5C94EEB29269}"/>
+              </a:ext>
+            </a:extLst>
+          </p:cNvPr>
+          <p:cNvSpPr/>
+          <p:nvPr/>
+        </p:nvSpPr>
+        <p:spPr>
+          <a:xfrm>
+            <a:off x="8299938" y="2064524"/>
+            <a:ext cx="3786553" cy="2835722"/>
+          </a:xfrm>
+          <a:prstGeom prst="cloudCallout">
+            <a:avLst>
+              <a:gd name="adj1" fmla="val -66971"/>
+              <a:gd name="adj2" fmla="val -5141"/>
+            </a:avLst>
+          </a:prstGeom>
+        </p:spPr>
+        <p:style>
+          <a:lnRef idx="1">
+            <a:schemeClr val="accent2"/>
+          </a:lnRef>
+          <a:fillRef idx="2">
+            <a:schemeClr val="accent2"/>
+          </a:fillRef>
+          <a:effectRef idx="1">
+            <a:schemeClr val="accent2"/>
+          </a:effectRef>
+          <a:fontRef idx="minor">
+            <a:schemeClr val="dk1"/>
+          </a:fontRef>
+        </p:style>
+        <p:txBody>
+          <a:bodyPr rtlCol="0" anchor="ctr"/>
+          <a:lstStyle/>
+          <a:p>
+            <a:pPr algn="ctr"/>
+            <a:r>
+              <a:rPr lang="en-US" sz="2400" dirty="0"/>
+              <a:t>On the third iteration, letter = “C”</a:t>
+            </a:r>
+          </a:p>
+        </p:txBody>
+      </p:sp>
+      <p:sp>
+        <p:nvSpPr>
+          <p:cNvPr id="5" name="Circular Arrow 4">
+            <a:extLst>
+              <a:ext uri="{FF2B5EF4-FFF2-40B4-BE49-F238E27FC236}">
+                <a16:creationId xmlns:a16="http://schemas.microsoft.com/office/drawing/2014/main" id="{2ACCC802-1BCC-202F-136B-61778ECC61C8}"/>
+              </a:ext>
+            </a:extLst>
+          </p:cNvPr>
+          <p:cNvSpPr/>
+          <p:nvPr/>
+        </p:nvSpPr>
+        <p:spPr>
+          <a:xfrm rot="9263131" flipH="1" flipV="1">
+            <a:off x="5021862" y="1923626"/>
+            <a:ext cx="2943524" cy="2957772"/>
+          </a:xfrm>
+          <a:prstGeom prst="circularArrow">
+            <a:avLst>
+              <a:gd name="adj1" fmla="val 404"/>
+              <a:gd name="adj2" fmla="val 678326"/>
+              <a:gd name="adj3" fmla="val 20892761"/>
+              <a:gd name="adj4" fmla="val 13999001"/>
+              <a:gd name="adj5" fmla="val 2690"/>
+            </a:avLst>
+          </a:prstGeom>
+          <a:solidFill>
+            <a:srgbClr val="003470"/>
+          </a:solidFill>
+          <a:ln cap="rnd">
+            <a:solidFill>
+              <a:srgbClr val="003470"/>
+            </a:solidFill>
+          </a:ln>
+          <a:effectLst>
+            <a:glow rad="101600">
+              <a:srgbClr val="FFC000">
+                <a:alpha val="60000"/>
+              </a:srgbClr>
+            </a:glow>
+          </a:effectLst>
+        </p:spPr>
+        <p:style>
+          <a:lnRef idx="2">
+            <a:schemeClr val="accent1">
+              <a:shade val="50000"/>
+            </a:schemeClr>
+          </a:lnRef>
+          <a:fillRef idx="1">
+            <a:schemeClr val="accent1"/>
+          </a:fillRef>
+          <a:effectRef idx="0">
+            <a:schemeClr val="accent1"/>
+          </a:effectRef>
+          <a:fontRef idx="minor">
+            <a:schemeClr val="lt1"/>
+          </a:fontRef>
+        </p:style>
+        <p:txBody>
+          <a:bodyPr rtlCol="0" anchor="ctr"/>
+          <a:lstStyle/>
+          <a:p>
+            <a:pPr algn="ctr"/>
+            <a:endParaRPr lang="en-US">
+              <a:solidFill>
+                <a:schemeClr val="tx1"/>
+              </a:solidFill>
+            </a:endParaRPr>
+          </a:p>
+        </p:txBody>
+      </p:sp>
+    </p:spTree>
+    <p:extLst>
+      <p:ext uri="{BB962C8B-B14F-4D97-AF65-F5344CB8AC3E}">
+        <p14:creationId xmlns:p14="http://schemas.microsoft.com/office/powerpoint/2010/main" val="1038681356"/>
+      </p:ext>
+    </p:extLst>
+  </p:cSld>
+  <p:clrMapOvr>
+    <a:masterClrMapping/>
+  </p:clrMapOvr>
+</p:sld>
+</file>
+
+<file path=ppt/slides/slide22.xml><?xml version="1.0" encoding="utf-8"?>
+<p:sld xmlns:a="http://schemas.openxmlformats.org/drawingml/2006/main" xmlns:r="http://schemas.openxmlformats.org/officeDocument/2006/relationships" xmlns:p="http://schemas.openxmlformats.org/presentationml/2006/main">
+  <p:cSld>
+    <p:spTree>
+      <p:nvGrpSpPr>
+        <p:cNvPr id="1" name="">
+          <a:extLst>
+            <a:ext uri="{FF2B5EF4-FFF2-40B4-BE49-F238E27FC236}">
+              <a16:creationId xmlns:a16="http://schemas.microsoft.com/office/drawing/2014/main" id="{1CD8CABE-CB70-112F-3AF5-5AB58ABB0F31}"/>
+            </a:ext>
+          </a:extLst>
+        </p:cNvPr>
+        <p:cNvGrpSpPr/>
+        <p:nvPr/>
+      </p:nvGrpSpPr>
+      <p:grpSpPr>
+        <a:xfrm>
+          <a:off x="0" y="0"/>
+          <a:ext cx="0" cy="0"/>
+          <a:chOff x="0" y="0"/>
+          <a:chExt cx="0" cy="0"/>
+        </a:xfrm>
+      </p:grpSpPr>
+      <p:sp>
+        <p:nvSpPr>
+          <p:cNvPr id="3" name="Content Placeholder 2">
+            <a:extLst>
+              <a:ext uri="{FF2B5EF4-FFF2-40B4-BE49-F238E27FC236}">
+                <a16:creationId xmlns:a16="http://schemas.microsoft.com/office/drawing/2014/main" id="{B7F36C8D-1B27-EDA5-D1FA-589BF9AABEB7}"/>
+              </a:ext>
+            </a:extLst>
+          </p:cNvPr>
+          <p:cNvSpPr>
+            <a:spLocks noGrp="1"/>
+          </p:cNvSpPr>
+          <p:nvPr>
+            <p:ph idx="1"/>
+          </p:nvPr>
+        </p:nvSpPr>
+        <p:spPr/>
+        <p:txBody>
+          <a:bodyPr anchor="t">
+            <a:normAutofit/>
+          </a:bodyPr>
+          <a:lstStyle/>
+          <a:p>
+            <a:r>
+              <a:rPr lang="en-US" sz="2800" dirty="0"/>
+              <a:t>We can think of this in terms of where the variable </a:t>
+            </a:r>
+            <a:r>
+              <a:rPr lang="en-US" sz="2800" b="1" dirty="0">
+                <a:latin typeface="Courier" pitchFamily="2" charset="0"/>
+              </a:rPr>
+              <a:t>letter</a:t>
+            </a:r>
+            <a:r>
+              <a:rPr lang="en-US" sz="2800" dirty="0"/>
+              <a:t> is pointing:</a:t>
+            </a:r>
+          </a:p>
+        </p:txBody>
+      </p:sp>
+      <p:pic>
+        <p:nvPicPr>
+          <p:cNvPr id="7" name="Picture 6">
+            <a:extLst>
+              <a:ext uri="{FF2B5EF4-FFF2-40B4-BE49-F238E27FC236}">
+                <a16:creationId xmlns:a16="http://schemas.microsoft.com/office/drawing/2014/main" id="{599FE1A6-B790-5165-720A-A5131E1D778E}"/>
+              </a:ext>
+            </a:extLst>
+          </p:cNvPr>
+          <p:cNvPicPr>
+            <a:picLocks noChangeAspect="1"/>
+          </p:cNvPicPr>
+          <p:nvPr/>
+        </p:nvPicPr>
+        <p:blipFill>
+          <a:blip r:embed="rId3">
+            <a:extLst>
+              <a:ext uri="{28A0092B-C50C-407E-A947-70E740481C1C}">
+                <a14:useLocalDpi xmlns:a14="http://schemas.microsoft.com/office/drawing/2010/main" val="0"/>
+              </a:ext>
+            </a:extLst>
+          </a:blip>
+          <a:stretch>
+            <a:fillRect/>
+          </a:stretch>
+        </p:blipFill>
+        <p:spPr>
+          <a:xfrm>
+            <a:off x="3472919" y="2307788"/>
+            <a:ext cx="7315200" cy="3324261"/>
+          </a:xfrm>
+          <a:prstGeom prst="rect">
+            <a:avLst/>
+          </a:prstGeom>
+        </p:spPr>
+      </p:pic>
+      <p:sp>
+        <p:nvSpPr>
+          <p:cNvPr id="2" name="Title 1">
+            <a:extLst>
+              <a:ext uri="{FF2B5EF4-FFF2-40B4-BE49-F238E27FC236}">
+                <a16:creationId xmlns:a16="http://schemas.microsoft.com/office/drawing/2014/main" id="{75C4861F-CA23-E53C-1353-1910447ECF2E}"/>
+              </a:ext>
+            </a:extLst>
+          </p:cNvPr>
+          <p:cNvSpPr>
+            <a:spLocks noGrp="1"/>
+          </p:cNvSpPr>
+          <p:nvPr>
+            <p:ph type="title"/>
+          </p:nvPr>
+        </p:nvSpPr>
+        <p:spPr/>
+        <p:txBody>
+          <a:bodyPr/>
+          <a:lstStyle/>
+          <a:p>
+            <a:r>
+              <a:rPr lang="en-US" b="1" dirty="0">
+                <a:solidFill>
+                  <a:srgbClr val="FF9100"/>
+                </a:solidFill>
+                <a:latin typeface="Courier" pitchFamily="2" charset="0"/>
+              </a:rPr>
+              <a:t>for...in</a:t>
+            </a:r>
+            <a:r>
+              <a:rPr lang="en-US" dirty="0"/>
+              <a:t> loops</a:t>
+            </a:r>
+          </a:p>
+        </p:txBody>
+      </p:sp>
+      <p:pic>
+        <p:nvPicPr>
+          <p:cNvPr id="10" name="Picture 9">
+            <a:extLst>
+              <a:ext uri="{FF2B5EF4-FFF2-40B4-BE49-F238E27FC236}">
+                <a16:creationId xmlns:a16="http://schemas.microsoft.com/office/drawing/2014/main" id="{7C6BAC8A-8B60-AE02-507F-F06A579DB566}"/>
+              </a:ext>
+            </a:extLst>
+          </p:cNvPr>
+          <p:cNvPicPr>
+            <a:picLocks noChangeAspect="1"/>
+          </p:cNvPicPr>
+          <p:nvPr/>
+        </p:nvPicPr>
+        <p:blipFill rotWithShape="1">
+          <a:blip r:embed="rId3">
+            <a:extLst>
+              <a:ext uri="{28A0092B-C50C-407E-A947-70E740481C1C}">
+                <a14:useLocalDpi xmlns:a14="http://schemas.microsoft.com/office/drawing/2010/main" val="0"/>
+              </a:ext>
+            </a:extLst>
+          </a:blip>
+          <a:srcRect l="14447" t="15916" r="73053" b="76193"/>
+          <a:stretch/>
+        </p:blipFill>
+        <p:spPr>
+          <a:xfrm>
+            <a:off x="4522418" y="2804969"/>
+            <a:ext cx="914401" cy="262328"/>
+          </a:xfrm>
+          <a:prstGeom prst="roundRect">
+            <a:avLst/>
+          </a:prstGeom>
+          <a:effectLst>
+            <a:glow rad="101600">
+              <a:srgbClr val="FFC000">
+                <a:alpha val="60000"/>
+              </a:srgbClr>
+            </a:glow>
+          </a:effectLst>
+        </p:spPr>
+      </p:pic>
+      <p:sp>
+        <p:nvSpPr>
+          <p:cNvPr id="4" name="Cloud Callout 3">
+            <a:extLst>
+              <a:ext uri="{FF2B5EF4-FFF2-40B4-BE49-F238E27FC236}">
+                <a16:creationId xmlns:a16="http://schemas.microsoft.com/office/drawing/2014/main" id="{04659DB1-E618-59C4-BF03-40120AB905D8}"/>
+              </a:ext>
+            </a:extLst>
+          </p:cNvPr>
+          <p:cNvSpPr/>
+          <p:nvPr/>
+        </p:nvSpPr>
+        <p:spPr>
+          <a:xfrm>
+            <a:off x="8299938" y="2064524"/>
+            <a:ext cx="3786553" cy="2835722"/>
+          </a:xfrm>
+          <a:prstGeom prst="cloudCallout">
+            <a:avLst>
+              <a:gd name="adj1" fmla="val -66971"/>
+              <a:gd name="adj2" fmla="val -5141"/>
+            </a:avLst>
+          </a:prstGeom>
+        </p:spPr>
+        <p:style>
+          <a:lnRef idx="1">
+            <a:schemeClr val="accent2"/>
+          </a:lnRef>
+          <a:fillRef idx="2">
+            <a:schemeClr val="accent2"/>
+          </a:fillRef>
+          <a:effectRef idx="1">
+            <a:schemeClr val="accent2"/>
+          </a:effectRef>
+          <a:fontRef idx="minor">
+            <a:schemeClr val="dk1"/>
+          </a:fontRef>
+        </p:style>
+        <p:txBody>
+          <a:bodyPr rtlCol="0" anchor="ctr"/>
+          <a:lstStyle/>
+          <a:p>
+            <a:pPr algn="ctr"/>
+            <a:r>
+              <a:rPr lang="en-US" sz="2400" dirty="0"/>
+              <a:t>Indented code is run, and python returns to the top of the loop</a:t>
+            </a:r>
+          </a:p>
+        </p:txBody>
+      </p:sp>
+      <p:sp>
+        <p:nvSpPr>
+          <p:cNvPr id="5" name="Circular Arrow 4">
+            <a:extLst>
+              <a:ext uri="{FF2B5EF4-FFF2-40B4-BE49-F238E27FC236}">
+                <a16:creationId xmlns:a16="http://schemas.microsoft.com/office/drawing/2014/main" id="{085CA39A-5229-365F-13F1-01485DFC4B40}"/>
+              </a:ext>
+            </a:extLst>
+          </p:cNvPr>
+          <p:cNvSpPr/>
+          <p:nvPr/>
+        </p:nvSpPr>
+        <p:spPr>
+          <a:xfrm rot="9263131" flipH="1" flipV="1">
+            <a:off x="5021862" y="1923626"/>
+            <a:ext cx="2943524" cy="2957772"/>
+          </a:xfrm>
+          <a:prstGeom prst="circularArrow">
+            <a:avLst>
+              <a:gd name="adj1" fmla="val 404"/>
+              <a:gd name="adj2" fmla="val 678326"/>
+              <a:gd name="adj3" fmla="val 20892761"/>
+              <a:gd name="adj4" fmla="val 13999001"/>
+              <a:gd name="adj5" fmla="val 2690"/>
+            </a:avLst>
+          </a:prstGeom>
+          <a:solidFill>
+            <a:srgbClr val="003470"/>
+          </a:solidFill>
+          <a:ln cap="rnd">
+            <a:solidFill>
+              <a:srgbClr val="003470"/>
+            </a:solidFill>
+          </a:ln>
+          <a:effectLst>
+            <a:glow rad="101600">
+              <a:srgbClr val="FFC000">
+                <a:alpha val="60000"/>
+              </a:srgbClr>
+            </a:glow>
+          </a:effectLst>
+        </p:spPr>
+        <p:style>
+          <a:lnRef idx="2">
+            <a:schemeClr val="accent1">
+              <a:shade val="50000"/>
+            </a:schemeClr>
+          </a:lnRef>
+          <a:fillRef idx="1">
+            <a:schemeClr val="accent1"/>
+          </a:fillRef>
+          <a:effectRef idx="0">
+            <a:schemeClr val="accent1"/>
+          </a:effectRef>
+          <a:fontRef idx="minor">
+            <a:schemeClr val="lt1"/>
+          </a:fontRef>
+        </p:style>
+        <p:txBody>
+          <a:bodyPr rtlCol="0" anchor="ctr"/>
+          <a:lstStyle/>
+          <a:p>
+            <a:pPr algn="ctr"/>
+            <a:endParaRPr lang="en-US">
+              <a:solidFill>
+                <a:schemeClr val="tx1"/>
+              </a:solidFill>
+            </a:endParaRPr>
+          </a:p>
+        </p:txBody>
+      </p:sp>
+    </p:spTree>
+    <p:extLst>
+      <p:ext uri="{BB962C8B-B14F-4D97-AF65-F5344CB8AC3E}">
+        <p14:creationId xmlns:p14="http://schemas.microsoft.com/office/powerpoint/2010/main" val="317573805"/>
+      </p:ext>
+    </p:extLst>
+  </p:cSld>
+  <p:clrMapOvr>
+    <a:masterClrMapping/>
+  </p:clrMapOvr>
+</p:sld>
+</file>
+
+<file path=ppt/slides/slide23.xml><?xml version="1.0" encoding="utf-8"?>
+<p:sld xmlns:a="http://schemas.openxmlformats.org/drawingml/2006/main" xmlns:r="http://schemas.openxmlformats.org/officeDocument/2006/relationships" xmlns:p="http://schemas.openxmlformats.org/presentationml/2006/main">
+  <p:cSld>
+    <p:spTree>
+      <p:nvGrpSpPr>
+        <p:cNvPr id="1" name="">
+          <a:extLst>
+            <a:ext uri="{FF2B5EF4-FFF2-40B4-BE49-F238E27FC236}">
+              <a16:creationId xmlns:a16="http://schemas.microsoft.com/office/drawing/2014/main" id="{E3E07E9A-5BF3-5527-A3E2-7D5E958139C9}"/>
+            </a:ext>
+          </a:extLst>
+        </p:cNvPr>
+        <p:cNvGrpSpPr/>
+        <p:nvPr/>
+      </p:nvGrpSpPr>
+      <p:grpSpPr>
+        <a:xfrm>
+          <a:off x="0" y="0"/>
+          <a:ext cx="0" cy="0"/>
+          <a:chOff x="0" y="0"/>
+          <a:chExt cx="0" cy="0"/>
+        </a:xfrm>
+      </p:grpSpPr>
+      <p:sp>
+        <p:nvSpPr>
+          <p:cNvPr id="3" name="Content Placeholder 2">
+            <a:extLst>
+              <a:ext uri="{FF2B5EF4-FFF2-40B4-BE49-F238E27FC236}">
+                <a16:creationId xmlns:a16="http://schemas.microsoft.com/office/drawing/2014/main" id="{955C9F2E-3642-A2D4-341E-E545153E4A71}"/>
+              </a:ext>
+            </a:extLst>
+          </p:cNvPr>
+          <p:cNvSpPr>
+            <a:spLocks noGrp="1"/>
+          </p:cNvSpPr>
+          <p:nvPr>
+            <p:ph idx="1"/>
+          </p:nvPr>
+        </p:nvSpPr>
+        <p:spPr/>
+        <p:txBody>
+          <a:bodyPr anchor="t">
+            <a:normAutofit/>
+          </a:bodyPr>
+          <a:lstStyle/>
+          <a:p>
+            <a:r>
+              <a:rPr lang="en-US" sz="2800" dirty="0"/>
+              <a:t>We can think of this in terms of where the variable </a:t>
+            </a:r>
+            <a:r>
+              <a:rPr lang="en-US" sz="2800" b="1" dirty="0">
+                <a:latin typeface="Courier" pitchFamily="2" charset="0"/>
+              </a:rPr>
+              <a:t>letter</a:t>
+            </a:r>
+            <a:r>
+              <a:rPr lang="en-US" sz="2800" dirty="0"/>
+              <a:t> is pointing:</a:t>
+            </a:r>
+          </a:p>
+        </p:txBody>
+      </p:sp>
+      <p:pic>
+        <p:nvPicPr>
+          <p:cNvPr id="7" name="Picture 6">
+            <a:extLst>
+              <a:ext uri="{FF2B5EF4-FFF2-40B4-BE49-F238E27FC236}">
+                <a16:creationId xmlns:a16="http://schemas.microsoft.com/office/drawing/2014/main" id="{5D9A80DA-9502-D991-156C-C7837985E5A7}"/>
+              </a:ext>
+            </a:extLst>
+          </p:cNvPr>
+          <p:cNvPicPr>
+            <a:picLocks noChangeAspect="1"/>
+          </p:cNvPicPr>
+          <p:nvPr/>
+        </p:nvPicPr>
+        <p:blipFill>
+          <a:blip r:embed="rId3">
+            <a:extLst>
+              <a:ext uri="{28A0092B-C50C-407E-A947-70E740481C1C}">
+                <a14:useLocalDpi xmlns:a14="http://schemas.microsoft.com/office/drawing/2010/main" val="0"/>
+              </a:ext>
+            </a:extLst>
+          </a:blip>
+          <a:stretch>
+            <a:fillRect/>
+          </a:stretch>
+        </p:blipFill>
+        <p:spPr>
+          <a:xfrm>
+            <a:off x="3472919" y="2307788"/>
+            <a:ext cx="7315200" cy="3324261"/>
+          </a:xfrm>
+          <a:prstGeom prst="rect">
+            <a:avLst/>
+          </a:prstGeom>
+        </p:spPr>
+      </p:pic>
+      <p:sp>
+        <p:nvSpPr>
+          <p:cNvPr id="2" name="Title 1">
+            <a:extLst>
+              <a:ext uri="{FF2B5EF4-FFF2-40B4-BE49-F238E27FC236}">
+                <a16:creationId xmlns:a16="http://schemas.microsoft.com/office/drawing/2014/main" id="{B5E75E3F-76D2-EF2C-873A-7A365CD48566}"/>
+              </a:ext>
+            </a:extLst>
+          </p:cNvPr>
+          <p:cNvSpPr>
+            <a:spLocks noGrp="1"/>
+          </p:cNvSpPr>
+          <p:nvPr>
+            <p:ph type="title"/>
+          </p:nvPr>
+        </p:nvSpPr>
+        <p:spPr/>
+        <p:txBody>
+          <a:bodyPr/>
+          <a:lstStyle/>
+          <a:p>
+            <a:r>
+              <a:rPr lang="en-US" b="1" dirty="0">
+                <a:solidFill>
+                  <a:srgbClr val="FF9100"/>
+                </a:solidFill>
+                <a:latin typeface="Courier" pitchFamily="2" charset="0"/>
+              </a:rPr>
+              <a:t>for...in</a:t>
+            </a:r>
+            <a:r>
+              <a:rPr lang="en-US" dirty="0"/>
+              <a:t> loops</a:t>
+            </a:r>
+          </a:p>
+        </p:txBody>
+      </p:sp>
+      <p:pic>
+        <p:nvPicPr>
+          <p:cNvPr id="10" name="Picture 9">
+            <a:extLst>
+              <a:ext uri="{FF2B5EF4-FFF2-40B4-BE49-F238E27FC236}">
+                <a16:creationId xmlns:a16="http://schemas.microsoft.com/office/drawing/2014/main" id="{99E04F2F-B1A3-ECFE-7943-B7E7569DA2F9}"/>
+              </a:ext>
+            </a:extLst>
+          </p:cNvPr>
+          <p:cNvPicPr>
+            <a:picLocks noChangeAspect="1"/>
+          </p:cNvPicPr>
+          <p:nvPr/>
+        </p:nvPicPr>
+        <p:blipFill rotWithShape="1">
+          <a:blip r:embed="rId3">
+            <a:extLst>
+              <a:ext uri="{28A0092B-C50C-407E-A947-70E740481C1C}">
+                <a14:useLocalDpi xmlns:a14="http://schemas.microsoft.com/office/drawing/2010/main" val="0"/>
+              </a:ext>
+            </a:extLst>
+          </a:blip>
+          <a:srcRect l="14447" t="15916" r="73053" b="76193"/>
+          <a:stretch/>
+        </p:blipFill>
+        <p:spPr>
+          <a:xfrm>
+            <a:off x="4522418" y="2804969"/>
+            <a:ext cx="914401" cy="262328"/>
+          </a:xfrm>
+          <a:prstGeom prst="roundRect">
+            <a:avLst/>
+          </a:prstGeom>
+          <a:effectLst>
+            <a:glow rad="101600">
+              <a:srgbClr val="FFC000">
+                <a:alpha val="60000"/>
+              </a:srgbClr>
+            </a:glow>
+          </a:effectLst>
+        </p:spPr>
+      </p:pic>
+      <p:sp>
+        <p:nvSpPr>
+          <p:cNvPr id="4" name="Cloud Callout 3">
+            <a:extLst>
+              <a:ext uri="{FF2B5EF4-FFF2-40B4-BE49-F238E27FC236}">
+                <a16:creationId xmlns:a16="http://schemas.microsoft.com/office/drawing/2014/main" id="{8926B5B2-7AA2-40DF-146C-979F51831C2F}"/>
+              </a:ext>
+            </a:extLst>
+          </p:cNvPr>
+          <p:cNvSpPr/>
+          <p:nvPr/>
+        </p:nvSpPr>
+        <p:spPr>
+          <a:xfrm>
+            <a:off x="8299938" y="2064524"/>
+            <a:ext cx="3786553" cy="2835722"/>
+          </a:xfrm>
+          <a:prstGeom prst="cloudCallout">
+            <a:avLst>
+              <a:gd name="adj1" fmla="val -66971"/>
+              <a:gd name="adj2" fmla="val -5141"/>
+            </a:avLst>
+          </a:prstGeom>
+        </p:spPr>
+        <p:style>
+          <a:lnRef idx="1">
+            <a:schemeClr val="accent2"/>
+          </a:lnRef>
+          <a:fillRef idx="2">
+            <a:schemeClr val="accent2"/>
+          </a:fillRef>
+          <a:effectRef idx="1">
+            <a:schemeClr val="accent2"/>
+          </a:effectRef>
+          <a:fontRef idx="minor">
+            <a:schemeClr val="dk1"/>
+          </a:fontRef>
+        </p:style>
+        <p:txBody>
+          <a:bodyPr rtlCol="0" anchor="ctr"/>
+          <a:lstStyle/>
+          <a:p>
+            <a:pPr algn="ctr"/>
+            <a:r>
+              <a:rPr lang="en-US" sz="2400" dirty="0"/>
+              <a:t>All letter has been set to all items in the list, so python moves on to un-indented code</a:t>
+            </a:r>
+          </a:p>
+        </p:txBody>
+      </p:sp>
+    </p:spTree>
+    <p:extLst>
+      <p:ext uri="{BB962C8B-B14F-4D97-AF65-F5344CB8AC3E}">
+        <p14:creationId xmlns:p14="http://schemas.microsoft.com/office/powerpoint/2010/main" val="2067243950"/>
+      </p:ext>
+    </p:extLst>
+  </p:cSld>
+  <p:clrMapOvr>
+    <a:masterClrMapping/>
+  </p:clrMapOvr>
+</p:sld>
+</file>
+
+<file path=ppt/slides/slide24.xml><?xml version="1.0" encoding="utf-8"?>
+<p:sld xmlns:a="http://schemas.openxmlformats.org/drawingml/2006/main" xmlns:r="http://schemas.openxmlformats.org/officeDocument/2006/relationships" xmlns:p="http://schemas.openxmlformats.org/presentationml/2006/main">
+  <p:cSld>
+    <p:spTree>
+      <p:nvGrpSpPr>
+        <p:cNvPr id="1" name=""/>
+        <p:cNvGrpSpPr/>
+        <p:nvPr/>
+      </p:nvGrpSpPr>
+      <p:grpSpPr>
+        <a:xfrm>
+          <a:off x="0" y="0"/>
+          <a:ext cx="0" cy="0"/>
+          <a:chOff x="0" y="0"/>
+          <a:chExt cx="0" cy="0"/>
+        </a:xfrm>
+      </p:grpSpPr>
+      <p:sp>
+        <p:nvSpPr>
+          <p:cNvPr id="2" name="Title 1">
+            <a:extLst>
+              <a:ext uri="{FF2B5EF4-FFF2-40B4-BE49-F238E27FC236}">
+                <a16:creationId xmlns:a16="http://schemas.microsoft.com/office/drawing/2014/main" id="{F6571CF7-0E15-8C4D-9D36-F3F5A06CF19C}"/>
+              </a:ext>
+            </a:extLst>
+          </p:cNvPr>
+          <p:cNvSpPr>
+            <a:spLocks noGrp="1"/>
+          </p:cNvSpPr>
+          <p:nvPr>
+            <p:ph type="title"/>
+          </p:nvPr>
+        </p:nvSpPr>
+        <p:spPr/>
+        <p:txBody>
+          <a:bodyPr/>
+          <a:lstStyle/>
+          <a:p>
+            <a:r>
+              <a:rPr lang="en-US" b="1" dirty="0">
+                <a:solidFill>
+                  <a:srgbClr val="FF9100"/>
+                </a:solidFill>
+                <a:latin typeface="Courier" pitchFamily="2" charset="0"/>
+              </a:rPr>
+              <a:t>for...in</a:t>
+            </a:r>
+            <a:r>
+              <a:rPr lang="en-US" b="1" dirty="0"/>
+              <a:t> </a:t>
+            </a:r>
+            <a:r>
+              <a:rPr lang="en-US" dirty="0"/>
+              <a:t>loops: unpacked</a:t>
+            </a:r>
+          </a:p>
+        </p:txBody>
+      </p:sp>
+      <p:sp>
+        <p:nvSpPr>
+          <p:cNvPr id="3" name="Content Placeholder 2">
+            <a:extLst>
+              <a:ext uri="{FF2B5EF4-FFF2-40B4-BE49-F238E27FC236}">
+                <a16:creationId xmlns:a16="http://schemas.microsoft.com/office/drawing/2014/main" id="{2189D3E8-D942-4A4B-9254-D0DBA5684993}"/>
+              </a:ext>
+            </a:extLst>
+          </p:cNvPr>
+          <p:cNvSpPr>
+            <a:spLocks noGrp="1"/>
+          </p:cNvSpPr>
+          <p:nvPr>
+            <p:ph idx="1"/>
+          </p:nvPr>
+        </p:nvSpPr>
+        <p:spPr/>
+        <p:txBody>
+          <a:bodyPr anchor="t">
+            <a:normAutofit/>
+          </a:bodyPr>
+          <a:lstStyle/>
+          <a:p>
+            <a:r>
+              <a:rPr lang="en-US" sz="2800" dirty="0"/>
+              <a:t>We could accomplish the same thing by writing it out as </a:t>
+            </a:r>
+            <a:r>
+              <a:rPr lang="en-US" sz="2800" b="1" dirty="0"/>
+              <a:t>three separate assignments</a:t>
+            </a:r>
+            <a:r>
+              <a:rPr lang="en-US" sz="2800" dirty="0"/>
+              <a:t>: </a:t>
+            </a:r>
+          </a:p>
+        </p:txBody>
+      </p:sp>
+      <p:pic>
+        <p:nvPicPr>
+          <p:cNvPr id="7" name="Picture 6">
+            <a:extLst>
+              <a:ext uri="{FF2B5EF4-FFF2-40B4-BE49-F238E27FC236}">
+                <a16:creationId xmlns:a16="http://schemas.microsoft.com/office/drawing/2014/main" id="{12D458AE-14E8-F748-821D-0A89B9044A0C}"/>
+              </a:ext>
+            </a:extLst>
+          </p:cNvPr>
+          <p:cNvPicPr>
+            <a:picLocks noChangeAspect="1"/>
+          </p:cNvPicPr>
+          <p:nvPr/>
+        </p:nvPicPr>
+        <p:blipFill>
+          <a:blip r:embed="rId2">
+            <a:extLst>
+              <a:ext uri="{28A0092B-C50C-407E-A947-70E740481C1C}">
+                <a14:useLocalDpi xmlns:a14="http://schemas.microsoft.com/office/drawing/2010/main" val="0"/>
+              </a:ext>
+            </a:extLst>
+          </a:blip>
+          <a:stretch>
+            <a:fillRect/>
+          </a:stretch>
+        </p:blipFill>
+        <p:spPr>
+          <a:xfrm>
+            <a:off x="3869270" y="2104427"/>
+            <a:ext cx="7315198" cy="3324260"/>
+          </a:xfrm>
+          <a:prstGeom prst="rect">
+            <a:avLst/>
+          </a:prstGeom>
+        </p:spPr>
+      </p:pic>
+    </p:spTree>
+    <p:extLst>
+      <p:ext uri="{BB962C8B-B14F-4D97-AF65-F5344CB8AC3E}">
+        <p14:creationId xmlns:p14="http://schemas.microsoft.com/office/powerpoint/2010/main" val="1823423461"/>
+      </p:ext>
+    </p:extLst>
+  </p:cSld>
+  <p:clrMapOvr>
+    <a:masterClrMapping/>
+  </p:clrMapOvr>
+</p:sld>
+</file>
+
+<file path=ppt/slides/slide25.xml><?xml version="1.0" encoding="utf-8"?>
+<p:sld xmlns:a="http://schemas.openxmlformats.org/drawingml/2006/main" xmlns:r="http://schemas.openxmlformats.org/officeDocument/2006/relationships" xmlns:p="http://schemas.openxmlformats.org/presentationml/2006/main">
+  <p:cSld>
+    <p:spTree>
+      <p:nvGrpSpPr>
+        <p:cNvPr id="1" name=""/>
+        <p:cNvGrpSpPr/>
+        <p:nvPr/>
+      </p:nvGrpSpPr>
+      <p:grpSpPr>
+        <a:xfrm>
+          <a:off x="0" y="0"/>
+          <a:ext cx="0" cy="0"/>
+          <a:chOff x="0" y="0"/>
+          <a:chExt cx="0" cy="0"/>
+        </a:xfrm>
+      </p:grpSpPr>
+      <p:sp>
+        <p:nvSpPr>
+          <p:cNvPr id="2" name="Title 1">
+            <a:extLst>
+              <a:ext uri="{FF2B5EF4-FFF2-40B4-BE49-F238E27FC236}">
+                <a16:creationId xmlns:a16="http://schemas.microsoft.com/office/drawing/2014/main" id="{A08EB6FF-FCCF-F047-BE66-8E2B12B4854F}"/>
+              </a:ext>
+            </a:extLst>
+          </p:cNvPr>
+          <p:cNvSpPr>
+            <a:spLocks noGrp="1"/>
+          </p:cNvSpPr>
+          <p:nvPr>
+            <p:ph type="title"/>
+          </p:nvPr>
+        </p:nvSpPr>
+        <p:spPr/>
+        <p:txBody>
+          <a:bodyPr/>
+          <a:lstStyle/>
+          <a:p>
+            <a:r>
+              <a:rPr lang="en-US" b="1" dirty="0">
+                <a:solidFill>
+                  <a:srgbClr val="FF9100"/>
+                </a:solidFill>
+                <a:latin typeface="Courier" pitchFamily="2" charset="0"/>
+              </a:rPr>
+              <a:t>for...in</a:t>
+            </a:r>
+            <a:r>
+              <a:rPr lang="en-US" b="1" dirty="0"/>
+              <a:t> </a:t>
+            </a:r>
+            <a:r>
+              <a:rPr lang="en-US" dirty="0"/>
+              <a:t>loops: a common “gotcha”</a:t>
+            </a:r>
+          </a:p>
+        </p:txBody>
+      </p:sp>
+      <p:sp>
+        <p:nvSpPr>
+          <p:cNvPr id="3" name="Content Placeholder 2">
+            <a:extLst>
+              <a:ext uri="{FF2B5EF4-FFF2-40B4-BE49-F238E27FC236}">
+                <a16:creationId xmlns:a16="http://schemas.microsoft.com/office/drawing/2014/main" id="{641B7E0C-27AE-AB48-A9D9-9A2A4B916D1A}"/>
+              </a:ext>
+            </a:extLst>
+          </p:cNvPr>
+          <p:cNvSpPr>
+            <a:spLocks noGrp="1"/>
+          </p:cNvSpPr>
+          <p:nvPr>
+            <p:ph idx="1"/>
+          </p:nvPr>
+        </p:nvSpPr>
+        <p:spPr/>
+        <p:txBody>
+          <a:bodyPr anchor="t">
+            <a:normAutofit/>
+          </a:bodyPr>
+          <a:lstStyle/>
+          <a:p>
+            <a:r>
+              <a:rPr lang="en-US" sz="2800" dirty="0"/>
+              <a:t>Python will allow you to </a:t>
+            </a:r>
+            <a:r>
+              <a:rPr lang="en-US" sz="2800" b="1" dirty="0"/>
+              <a:t>modify a list </a:t>
+            </a:r>
+            <a:r>
+              <a:rPr lang="en-US" sz="2800" dirty="0"/>
+              <a:t>while you’re looping through it:</a:t>
+            </a:r>
+          </a:p>
+          <a:p>
+            <a:endParaRPr lang="en-US" sz="2800" dirty="0"/>
+          </a:p>
+          <a:p>
+            <a:endParaRPr lang="en-US" sz="2800" dirty="0"/>
+          </a:p>
+          <a:p>
+            <a:endParaRPr lang="en-US" sz="2800" dirty="0"/>
+          </a:p>
+          <a:p>
+            <a:endParaRPr lang="en-US" sz="2800" dirty="0"/>
+          </a:p>
+          <a:p>
+            <a:endParaRPr lang="en-US" sz="2800" dirty="0"/>
+          </a:p>
+          <a:p>
+            <a:r>
+              <a:rPr lang="en-US" sz="2800" dirty="0"/>
+              <a:t>This is generally a </a:t>
+            </a:r>
+            <a:r>
+              <a:rPr lang="en-US" sz="2800" b="1" dirty="0"/>
+              <a:t>bad idea</a:t>
+            </a:r>
+            <a:r>
+              <a:rPr lang="en-US" sz="2800" dirty="0"/>
+              <a:t> (more on why later)</a:t>
+            </a:r>
+          </a:p>
+          <a:p>
+            <a:pPr lvl="1"/>
+            <a:r>
+              <a:rPr lang="en-US" sz="2400" dirty="0"/>
+              <a:t>it’s fine to format the </a:t>
+            </a:r>
+            <a:r>
+              <a:rPr lang="en-US" sz="2400" b="1" dirty="0"/>
+              <a:t>values</a:t>
+            </a:r>
+            <a:r>
+              <a:rPr lang="en-US" sz="2400" dirty="0"/>
+              <a:t>, etc.</a:t>
+            </a:r>
+          </a:p>
+          <a:p>
+            <a:pPr lvl="1"/>
+            <a:r>
+              <a:rPr lang="en-US" sz="2400" dirty="0"/>
+              <a:t>just don’t </a:t>
+            </a:r>
+            <a:r>
+              <a:rPr lang="en-US" sz="2400" b="1" dirty="0"/>
+              <a:t>overwrite</a:t>
+            </a:r>
+            <a:r>
+              <a:rPr lang="en-US" sz="2400" dirty="0"/>
+              <a:t> the originals!</a:t>
+            </a:r>
+          </a:p>
+        </p:txBody>
+      </p:sp>
+      <p:pic>
+        <p:nvPicPr>
+          <p:cNvPr id="8" name="Picture 7">
+            <a:extLst>
+              <a:ext uri="{FF2B5EF4-FFF2-40B4-BE49-F238E27FC236}">
+                <a16:creationId xmlns:a16="http://schemas.microsoft.com/office/drawing/2014/main" id="{D2341ECB-15FB-9848-A7E6-5CC222FA2CE7}"/>
+              </a:ext>
+            </a:extLst>
+          </p:cNvPr>
+          <p:cNvPicPr>
+            <a:picLocks noChangeAspect="1"/>
+          </p:cNvPicPr>
+          <p:nvPr/>
+        </p:nvPicPr>
+        <p:blipFill>
+          <a:blip r:embed="rId2"/>
+          <a:stretch>
+            <a:fillRect/>
+          </a:stretch>
+        </p:blipFill>
+        <p:spPr>
+          <a:xfrm>
+            <a:off x="3869268" y="1925828"/>
+            <a:ext cx="6883400" cy="2997200"/>
+          </a:xfrm>
+          <a:prstGeom prst="rect">
+            <a:avLst/>
+          </a:prstGeom>
+        </p:spPr>
+      </p:pic>
+    </p:spTree>
+    <p:extLst>
+      <p:ext uri="{BB962C8B-B14F-4D97-AF65-F5344CB8AC3E}">
+        <p14:creationId xmlns:p14="http://schemas.microsoft.com/office/powerpoint/2010/main" val="2520195585"/>
+      </p:ext>
+    </p:extLst>
+  </p:cSld>
+  <p:clrMapOvr>
+    <a:masterClrMapping/>
+  </p:clrMapOvr>
+</p:sld>
+</file>
+
+<file path=ppt/slides/slide26.xml><?xml version="1.0" encoding="utf-8"?>
+<p:sld xmlns:a="http://schemas.openxmlformats.org/drawingml/2006/main" xmlns:r="http://schemas.openxmlformats.org/officeDocument/2006/relationships" xmlns:p="http://schemas.openxmlformats.org/presentationml/2006/main">
+  <p:cSld>
+    <p:spTree>
+      <p:nvGrpSpPr>
+        <p:cNvPr id="1" name=""/>
+        <p:cNvGrpSpPr/>
+        <p:nvPr/>
+      </p:nvGrpSpPr>
+      <p:grpSpPr>
+        <a:xfrm>
+          <a:off x="0" y="0"/>
+          <a:ext cx="0" cy="0"/>
+          <a:chOff x="0" y="0"/>
+          <a:chExt cx="0" cy="0"/>
+        </a:xfrm>
+      </p:grpSpPr>
+      <p:sp>
+        <p:nvSpPr>
+          <p:cNvPr id="2" name="Title 1">
+            <a:extLst>
+              <a:ext uri="{FF2B5EF4-FFF2-40B4-BE49-F238E27FC236}">
+                <a16:creationId xmlns:a16="http://schemas.microsoft.com/office/drawing/2014/main" id="{05C44A85-BE93-DF4D-AD08-6873C098D523}"/>
+              </a:ext>
+            </a:extLst>
+          </p:cNvPr>
+          <p:cNvSpPr>
+            <a:spLocks noGrp="1"/>
+          </p:cNvSpPr>
+          <p:nvPr>
+            <p:ph type="title"/>
+          </p:nvPr>
+        </p:nvSpPr>
+        <p:spPr/>
+        <p:txBody>
+          <a:bodyPr/>
+          <a:lstStyle/>
+          <a:p>
+            <a:r>
+              <a:rPr lang="en-US" b="1" dirty="0"/>
+              <a:t>Demo</a:t>
+            </a:r>
+            <a:r>
+              <a:rPr lang="en-US" dirty="0"/>
+              <a:t>: compute a sum</a:t>
+            </a:r>
+          </a:p>
+        </p:txBody>
+      </p:sp>
+      <p:sp>
+        <p:nvSpPr>
+          <p:cNvPr id="3" name="Content Placeholder 2">
+            <a:extLst>
+              <a:ext uri="{FF2B5EF4-FFF2-40B4-BE49-F238E27FC236}">
+                <a16:creationId xmlns:a16="http://schemas.microsoft.com/office/drawing/2014/main" id="{FA92A16D-26E4-EF47-8F9F-CA0152A4D3C7}"/>
+              </a:ext>
+            </a:extLst>
+          </p:cNvPr>
+          <p:cNvSpPr>
+            <a:spLocks noGrp="1"/>
+          </p:cNvSpPr>
+          <p:nvPr>
+            <p:ph idx="1"/>
+          </p:nvPr>
+        </p:nvSpPr>
+        <p:spPr/>
+        <p:txBody>
+          <a:bodyPr anchor="t">
+            <a:normAutofit/>
+          </a:bodyPr>
+          <a:lstStyle/>
+          <a:p>
+            <a:pPr marL="0" indent="0" algn="ctr">
+              <a:buNone/>
+            </a:pPr>
+            <a:endParaRPr lang="en-US" sz="2800" dirty="0"/>
+          </a:p>
+          <a:p>
+            <a:pPr marL="0" indent="0" algn="ctr">
+              <a:buNone/>
+            </a:pPr>
+            <a:r>
+              <a:rPr lang="en-US" sz="2800" dirty="0"/>
+              <a:t>Use a </a:t>
+            </a:r>
+            <a:r>
+              <a:rPr lang="en-US" sz="2800" b="1" dirty="0">
+                <a:solidFill>
+                  <a:srgbClr val="FF9100"/>
+                </a:solidFill>
+                <a:latin typeface="Courier" pitchFamily="2" charset="0"/>
+              </a:rPr>
+              <a:t>for</a:t>
+            </a:r>
+            <a:r>
+              <a:rPr lang="en-US" sz="2800" dirty="0"/>
+              <a:t> </a:t>
+            </a:r>
+            <a:r>
+              <a:rPr lang="en-US" sz="2800" b="1" dirty="0"/>
+              <a:t>loop</a:t>
+            </a:r>
+            <a:r>
+              <a:rPr lang="en-US" sz="2800" dirty="0"/>
+              <a:t> to compute </a:t>
+            </a:r>
+          </a:p>
+          <a:p>
+            <a:pPr marL="0" indent="0" algn="ctr">
+              <a:spcBef>
+                <a:spcPts val="0"/>
+              </a:spcBef>
+              <a:buNone/>
+            </a:pPr>
+            <a:r>
+              <a:rPr lang="en-US" sz="2800" dirty="0"/>
+              <a:t>the </a:t>
+            </a:r>
+            <a:r>
+              <a:rPr lang="en-US" sz="2800" b="1" dirty="0"/>
+              <a:t>sum</a:t>
+            </a:r>
+            <a:r>
+              <a:rPr lang="en-US" sz="2800" dirty="0"/>
+              <a:t> of a list of numbers input by the user</a:t>
+            </a:r>
+          </a:p>
+          <a:p>
+            <a:pPr marL="0" indent="0">
+              <a:buNone/>
+            </a:pPr>
+            <a:endParaRPr lang="en-US" sz="2800" dirty="0"/>
+          </a:p>
+        </p:txBody>
+      </p:sp>
+    </p:spTree>
+    <p:extLst>
+      <p:ext uri="{BB962C8B-B14F-4D97-AF65-F5344CB8AC3E}">
+        <p14:creationId xmlns:p14="http://schemas.microsoft.com/office/powerpoint/2010/main" val="2597628689"/>
+      </p:ext>
+    </p:extLst>
+  </p:cSld>
+  <p:clrMapOvr>
+    <a:masterClrMapping/>
+  </p:clrMapOvr>
+</p:sld>
+</file>
+
+<file path=ppt/slides/slide27.xml><?xml version="1.0" encoding="utf-8"?>
+<p:sld xmlns:a="http://schemas.openxmlformats.org/drawingml/2006/main" xmlns:r="http://schemas.openxmlformats.org/officeDocument/2006/relationships" xmlns:p="http://schemas.openxmlformats.org/presentationml/2006/main">
+  <p:cSld>
+    <p:spTree>
+      <p:nvGrpSpPr>
+        <p:cNvPr id="1" name=""/>
+        <p:cNvGrpSpPr/>
+        <p:nvPr/>
+      </p:nvGrpSpPr>
+      <p:grpSpPr>
+        <a:xfrm>
+          <a:off x="0" y="0"/>
+          <a:ext cx="0" cy="0"/>
+          <a:chOff x="0" y="0"/>
+          <a:chExt cx="0" cy="0"/>
+        </a:xfrm>
+      </p:grpSpPr>
+      <p:sp>
+        <p:nvSpPr>
           <p:cNvPr id="2" name="Title 1">
             <a:extLst>
               <a:ext uri="{FF2B5EF4-FFF2-40B4-BE49-F238E27FC236}">
@@ -4274,7 +9449,7 @@
             </a:r>
             <a:r>
               <a:rPr lang="en-US" sz="2400" dirty="0"/>
-              <a:t> loop to run a specific # of times, can “trick” it using a list of numbers that’s the right size</a:t>
+              <a:t> loop to run a specific # of times, we can “trick” it using a list of numbers that’s the right size</a:t>
             </a:r>
           </a:p>
         </p:txBody>
@@ -4328,7 +9503,7 @@
 </p:sld>
 </file>
 
-<file path=ppt/slides/slide11.xml><?xml version="1.0" encoding="utf-8"?>
+<file path=ppt/slides/slide28.xml><?xml version="1.0" encoding="utf-8"?>
 <p:sld xmlns:a="http://schemas.openxmlformats.org/drawingml/2006/main" xmlns:r="http://schemas.openxmlformats.org/officeDocument/2006/relationships" xmlns:p="http://schemas.openxmlformats.org/presentationml/2006/main">
   <p:cSld>
     <p:spTree>
@@ -4699,7 +9874,7 @@
 </p:sld>
 </file>
 
-<file path=ppt/slides/slide12.xml><?xml version="1.0" encoding="utf-8"?>
+<file path=ppt/slides/slide29.xml><?xml version="1.0" encoding="utf-8"?>
 <p:sld xmlns:a="http://schemas.openxmlformats.org/drawingml/2006/main" xmlns:r="http://schemas.openxmlformats.org/officeDocument/2006/relationships" xmlns:p="http://schemas.openxmlformats.org/presentationml/2006/main">
   <p:cSld>
     <p:spTree>
@@ -5072,23 +10247,23 @@
         <p:spPr>
           <a:xfrm>
             <a:off x="6321803" y="5248551"/>
-            <a:ext cx="4441134" cy="584775"/>
+            <a:ext cx="4441134" cy="646986"/>
           </a:xfrm>
-          <a:prstGeom prst="rect">
+          <a:prstGeom prst="roundRect">
             <a:avLst/>
           </a:prstGeom>
         </p:spPr>
         <p:style>
           <a:lnRef idx="2">
-            <a:schemeClr val="accent3">
+            <a:schemeClr val="accent5">
               <a:shade val="15000"/>
             </a:schemeClr>
           </a:lnRef>
           <a:fillRef idx="1">
-            <a:schemeClr val="accent3"/>
+            <a:schemeClr val="accent5"/>
           </a:fillRef>
           <a:effectRef idx="0">
-            <a:schemeClr val="accent3"/>
+            <a:schemeClr val="accent5"/>
           </a:effectRef>
           <a:fontRef idx="minor">
             <a:schemeClr val="lt1"/>
@@ -5120,7 +10295,184 @@
 </p:sld>
 </file>
 
-<file path=ppt/slides/slide13.xml><?xml version="1.0" encoding="utf-8"?>
+<file path=ppt/slides/slide3.xml><?xml version="1.0" encoding="utf-8"?>
+<p:sld xmlns:a="http://schemas.openxmlformats.org/drawingml/2006/main" xmlns:r="http://schemas.openxmlformats.org/officeDocument/2006/relationships" xmlns:p="http://schemas.openxmlformats.org/presentationml/2006/main">
+  <p:cSld>
+    <p:spTree>
+      <p:nvGrpSpPr>
+        <p:cNvPr id="1" name=""/>
+        <p:cNvGrpSpPr/>
+        <p:nvPr/>
+      </p:nvGrpSpPr>
+      <p:grpSpPr>
+        <a:xfrm>
+          <a:off x="0" y="0"/>
+          <a:ext cx="0" cy="0"/>
+          <a:chOff x="0" y="0"/>
+          <a:chExt cx="0" cy="0"/>
+        </a:xfrm>
+      </p:grpSpPr>
+      <p:sp>
+        <p:nvSpPr>
+          <p:cNvPr id="2" name="Title 1">
+            <a:extLst>
+              <a:ext uri="{FF2B5EF4-FFF2-40B4-BE49-F238E27FC236}">
+                <a16:creationId xmlns:a16="http://schemas.microsoft.com/office/drawing/2014/main" id="{3E0E888E-8A72-A848-8A1B-E7F1EA9FED3E}"/>
+              </a:ext>
+            </a:extLst>
+          </p:cNvPr>
+          <p:cNvSpPr>
+            <a:spLocks noGrp="1"/>
+          </p:cNvSpPr>
+          <p:nvPr>
+            <p:ph type="title"/>
+          </p:nvPr>
+        </p:nvSpPr>
+        <p:spPr/>
+        <p:txBody>
+          <a:bodyPr/>
+          <a:lstStyle/>
+          <a:p>
+            <a:r>
+              <a:rPr lang="en-US" dirty="0"/>
+              <a:t>Loops: a familiar idea</a:t>
+            </a:r>
+          </a:p>
+        </p:txBody>
+      </p:sp>
+      <p:pic>
+        <p:nvPicPr>
+          <p:cNvPr id="4" name="Picture 3">
+            <a:extLst>
+              <a:ext uri="{FF2B5EF4-FFF2-40B4-BE49-F238E27FC236}">
+                <a16:creationId xmlns:a16="http://schemas.microsoft.com/office/drawing/2014/main" id="{D09B2D14-C3BE-854A-9EDD-00A296EE59AF}"/>
+              </a:ext>
+            </a:extLst>
+          </p:cNvPr>
+          <p:cNvPicPr>
+            <a:picLocks noChangeAspect="1"/>
+          </p:cNvPicPr>
+          <p:nvPr/>
+        </p:nvPicPr>
+        <p:blipFill>
+          <a:blip r:embed="rId2"/>
+          <a:stretch>
+            <a:fillRect/>
+          </a:stretch>
+        </p:blipFill>
+        <p:spPr>
+          <a:xfrm>
+            <a:off x="3647032" y="988308"/>
+            <a:ext cx="3477986" cy="4881384"/>
+          </a:xfrm>
+          <a:prstGeom prst="rect">
+            <a:avLst/>
+          </a:prstGeom>
+        </p:spPr>
+      </p:pic>
+      <p:sp>
+        <p:nvSpPr>
+          <p:cNvPr id="5" name="Rectangle 4">
+            <a:extLst>
+              <a:ext uri="{FF2B5EF4-FFF2-40B4-BE49-F238E27FC236}">
+                <a16:creationId xmlns:a16="http://schemas.microsoft.com/office/drawing/2014/main" id="{F0FED023-934D-C242-82BF-23CEF43585F5}"/>
+              </a:ext>
+            </a:extLst>
+          </p:cNvPr>
+          <p:cNvSpPr/>
+          <p:nvPr/>
+        </p:nvSpPr>
+        <p:spPr>
+          <a:xfrm>
+            <a:off x="2950357" y="6234408"/>
+            <a:ext cx="1865895" cy="307777"/>
+          </a:xfrm>
+          <a:prstGeom prst="rect">
+            <a:avLst/>
+          </a:prstGeom>
+        </p:spPr>
+        <p:txBody>
+          <a:bodyPr wrap="none">
+            <a:spAutoFit/>
+          </a:bodyPr>
+          <a:lstStyle/>
+          <a:p>
+            <a:r>
+              <a:rPr lang="en-US" sz="1400" dirty="0">
+                <a:solidFill>
+                  <a:schemeClr val="bg1">
+                    <a:lumMod val="75000"/>
+                  </a:schemeClr>
+                </a:solidFill>
+              </a:rPr>
+              <a:t>https://</a:t>
+            </a:r>
+            <a:r>
+              <a:rPr lang="en-US" sz="1400" dirty="0" err="1">
+                <a:solidFill>
+                  <a:schemeClr val="bg1">
+                    <a:lumMod val="75000"/>
+                  </a:schemeClr>
+                </a:solidFill>
+              </a:rPr>
+              <a:t>xkcd.com</a:t>
+            </a:r>
+            <a:r>
+              <a:rPr lang="en-US" sz="1400" dirty="0">
+                <a:solidFill>
+                  <a:schemeClr val="bg1">
+                    <a:lumMod val="75000"/>
+                  </a:schemeClr>
+                </a:solidFill>
+              </a:rPr>
+              <a:t>/1411/</a:t>
+            </a:r>
+          </a:p>
+        </p:txBody>
+      </p:sp>
+      <p:pic>
+        <p:nvPicPr>
+          <p:cNvPr id="6" name="Picture 5">
+            <a:extLst>
+              <a:ext uri="{FF2B5EF4-FFF2-40B4-BE49-F238E27FC236}">
+                <a16:creationId xmlns:a16="http://schemas.microsoft.com/office/drawing/2014/main" id="{A9FC15C2-F17F-064B-8CAD-22036EE1F46B}"/>
+              </a:ext>
+            </a:extLst>
+          </p:cNvPr>
+          <p:cNvPicPr>
+            <a:picLocks noChangeAspect="1"/>
+          </p:cNvPicPr>
+          <p:nvPr/>
+        </p:nvPicPr>
+        <p:blipFill rotWithShape="1">
+          <a:blip r:embed="rId3"/>
+          <a:srcRect t="2317" b="4334"/>
+          <a:stretch/>
+        </p:blipFill>
+        <p:spPr>
+          <a:xfrm>
+            <a:off x="7399882" y="1723850"/>
+            <a:ext cx="4265645" cy="3384658"/>
+          </a:xfrm>
+          <a:prstGeom prst="rect">
+            <a:avLst/>
+          </a:prstGeom>
+        </p:spPr>
+      </p:pic>
+    </p:spTree>
+    <p:extLst>
+      <p:ext uri="{BB962C8B-B14F-4D97-AF65-F5344CB8AC3E}">
+        <p14:creationId xmlns:p14="http://schemas.microsoft.com/office/powerpoint/2010/main" val="687196509"/>
+      </p:ext>
+    </p:extLst>
+  </p:cSld>
+  <p:clrMapOvr>
+    <a:masterClrMapping/>
+  </p:clrMapOvr>
+</p:sld>
+</file>
+
+<file path=ppt/slides/slide30.xml><?xml version="1.0" encoding="utf-8"?>
 <p:sld xmlns:a="http://schemas.openxmlformats.org/drawingml/2006/main" xmlns:r="http://schemas.openxmlformats.org/officeDocument/2006/relationships" xmlns:p="http://schemas.openxmlformats.org/presentationml/2006/main">
   <p:cSld>
     <p:spTree>
@@ -5345,7 +10697,7 @@
 </p:sld>
 </file>
 
-<file path=ppt/slides/slide14.xml><?xml version="1.0" encoding="utf-8"?>
+<file path=ppt/slides/slide31.xml><?xml version="1.0" encoding="utf-8"?>
 <p:sld xmlns:a="http://schemas.openxmlformats.org/drawingml/2006/main" xmlns:r="http://schemas.openxmlformats.org/officeDocument/2006/relationships" xmlns:p="http://schemas.openxmlformats.org/presentationml/2006/main">
   <p:cSld>
     <p:spTree>
@@ -5560,7 +10912,7 @@
 </p:sld>
 </file>
 
-<file path=ppt/slides/slide15.xml><?xml version="1.0" encoding="utf-8"?>
+<file path=ppt/slides/slide32.xml><?xml version="1.0" encoding="utf-8"?>
 <p:sld xmlns:a="http://schemas.openxmlformats.org/drawingml/2006/main" xmlns:r="http://schemas.openxmlformats.org/officeDocument/2006/relationships" xmlns:p="http://schemas.openxmlformats.org/presentationml/2006/main">
   <p:cSld>
     <p:spTree>
@@ -5733,7 +11085,7 @@
 </p:sld>
 </file>
 
-<file path=ppt/slides/slide16.xml><?xml version="1.0" encoding="utf-8"?>
+<file path=ppt/slides/slide33.xml><?xml version="1.0" encoding="utf-8"?>
 <p:sld xmlns:a="http://schemas.openxmlformats.org/drawingml/2006/main" xmlns:r="http://schemas.openxmlformats.org/officeDocument/2006/relationships" xmlns:p="http://schemas.openxmlformats.org/presentationml/2006/main">
   <p:cSld>
     <p:spTree>
@@ -5958,7 +11310,7 @@
 </p:sld>
 </file>
 
-<file path=ppt/slides/slide17.xml><?xml version="1.0" encoding="utf-8"?>
+<file path=ppt/slides/slide34.xml><?xml version="1.0" encoding="utf-8"?>
 <p:sld xmlns:a="http://schemas.openxmlformats.org/drawingml/2006/main" xmlns:r="http://schemas.openxmlformats.org/officeDocument/2006/relationships" xmlns:p="http://schemas.openxmlformats.org/presentationml/2006/main">
   <p:cSld>
     <p:spTree>
@@ -6117,7 +11469,7 @@
 </p:sld>
 </file>
 
-<file path=ppt/slides/slide18.xml><?xml version="1.0" encoding="utf-8"?>
+<file path=ppt/slides/slide35.xml><?xml version="1.0" encoding="utf-8"?>
 <p:sld xmlns:a="http://schemas.openxmlformats.org/drawingml/2006/main" xmlns:r="http://schemas.openxmlformats.org/officeDocument/2006/relationships" xmlns:p="http://schemas.openxmlformats.org/presentationml/2006/main">
   <p:cSld>
     <p:spTree>
@@ -6248,8 +11600,8 @@
           </p:sp>
         </mc:Fallback>
       </mc:AlternateContent>
-      <mc:AlternateContent xmlns:mc="http://schemas.openxmlformats.org/markup-compatibility/2006">
-        <mc:Choice xmlns:a14="http://schemas.microsoft.com/office/drawing/2010/main" Requires="a14">
+      <mc:AlternateContent xmlns:mc="http://schemas.openxmlformats.org/markup-compatibility/2006" xmlns:a14="http://schemas.microsoft.com/office/drawing/2010/main">
+        <mc:Choice Requires="a14">
           <p:sp>
             <p:nvSpPr>
               <p:cNvPr id="3" name="Content Placeholder 2">
@@ -6532,7 +11884,7 @@
             </p:txBody>
           </p:sp>
         </mc:Choice>
-        <mc:Fallback>
+        <mc:Fallback xmlns="">
           <p:sp>
             <p:nvSpPr>
               <p:cNvPr id="3" name="Content Placeholder 2">
@@ -6589,7 +11941,7 @@
 </p:sld>
 </file>
 
-<file path=ppt/slides/slide19.xml><?xml version="1.0" encoding="utf-8"?>
+<file path=ppt/slides/slide36.xml><?xml version="1.0" encoding="utf-8"?>
 <p:sld xmlns:a="http://schemas.openxmlformats.org/drawingml/2006/main" xmlns:r="http://schemas.openxmlformats.org/officeDocument/2006/relationships" xmlns:p="http://schemas.openxmlformats.org/presentationml/2006/main">
   <p:cSld>
     <p:spTree>
@@ -6695,1041 +12047,6 @@
     <p:extLst>
       <p:ext uri="{BB962C8B-B14F-4D97-AF65-F5344CB8AC3E}">
         <p14:creationId xmlns:p14="http://schemas.microsoft.com/office/powerpoint/2010/main" val="1524908268"/>
-      </p:ext>
-    </p:extLst>
-  </p:cSld>
-  <p:clrMapOvr>
-    <a:masterClrMapping/>
-  </p:clrMapOvr>
-</p:sld>
-</file>
-
-<file path=ppt/slides/slide2.xml><?xml version="1.0" encoding="utf-8"?>
-<p:sld xmlns:a="http://schemas.openxmlformats.org/drawingml/2006/main" xmlns:r="http://schemas.openxmlformats.org/officeDocument/2006/relationships" xmlns:p="http://schemas.openxmlformats.org/presentationml/2006/main">
-  <p:cSld>
-    <p:spTree>
-      <p:nvGrpSpPr>
-        <p:cNvPr id="1" name=""/>
-        <p:cNvGrpSpPr/>
-        <p:nvPr/>
-      </p:nvGrpSpPr>
-      <p:grpSpPr>
-        <a:xfrm>
-          <a:off x="0" y="0"/>
-          <a:ext cx="0" cy="0"/>
-          <a:chOff x="0" y="0"/>
-          <a:chExt cx="0" cy="0"/>
-        </a:xfrm>
-      </p:grpSpPr>
-      <p:sp>
-        <p:nvSpPr>
-          <p:cNvPr id="2" name="Title 1">
-            <a:extLst>
-              <a:ext uri="{FF2B5EF4-FFF2-40B4-BE49-F238E27FC236}">
-                <a16:creationId xmlns:a16="http://schemas.microsoft.com/office/drawing/2014/main" id="{10D330C2-52A4-1ABA-980B-56FBC97F350C}"/>
-              </a:ext>
-            </a:extLst>
-          </p:cNvPr>
-          <p:cNvSpPr>
-            <a:spLocks noGrp="1"/>
-          </p:cNvSpPr>
-          <p:nvPr>
-            <p:ph type="title"/>
-          </p:nvPr>
-        </p:nvSpPr>
-        <p:spPr/>
-        <p:txBody>
-          <a:bodyPr/>
-          <a:lstStyle/>
-          <a:p>
-            <a:r>
-              <a:rPr lang="en-US" dirty="0"/>
-              <a:t>Plan for Today</a:t>
-            </a:r>
-          </a:p>
-        </p:txBody>
-      </p:sp>
-      <p:sp>
-        <p:nvSpPr>
-          <p:cNvPr id="3" name="Content Placeholder 2">
-            <a:extLst>
-              <a:ext uri="{FF2B5EF4-FFF2-40B4-BE49-F238E27FC236}">
-                <a16:creationId xmlns:a16="http://schemas.microsoft.com/office/drawing/2014/main" id="{9EAE50F6-429C-715A-C25C-1C7744AED1CF}"/>
-              </a:ext>
-            </a:extLst>
-          </p:cNvPr>
-          <p:cNvSpPr>
-            <a:spLocks noGrp="1"/>
-          </p:cNvSpPr>
-          <p:nvPr>
-            <p:ph idx="1"/>
-          </p:nvPr>
-        </p:nvSpPr>
-        <p:spPr/>
-        <p:txBody>
-          <a:bodyPr/>
-          <a:lstStyle/>
-          <a:p>
-            <a:r>
-              <a:rPr lang="en-US" sz="2800" dirty="0"/>
-              <a:t>For loops</a:t>
-            </a:r>
-          </a:p>
-          <a:p>
-            <a:r>
-              <a:rPr lang="en-US" sz="2800" dirty="0"/>
-              <a:t>While loops </a:t>
-            </a:r>
-            <a:r>
-              <a:rPr lang="en-US" dirty="0"/>
-              <a:t> </a:t>
-            </a:r>
-          </a:p>
-        </p:txBody>
-      </p:sp>
-    </p:spTree>
-    <p:extLst>
-      <p:ext uri="{BB962C8B-B14F-4D97-AF65-F5344CB8AC3E}">
-        <p14:creationId xmlns:p14="http://schemas.microsoft.com/office/powerpoint/2010/main" val="1085546165"/>
-      </p:ext>
-    </p:extLst>
-  </p:cSld>
-  <p:clrMapOvr>
-    <a:masterClrMapping/>
-  </p:clrMapOvr>
-</p:sld>
-</file>
-
-<file path=ppt/slides/slide20.xml><?xml version="1.0" encoding="utf-8"?>
-<p:sld xmlns:a="http://schemas.openxmlformats.org/drawingml/2006/main" xmlns:r="http://schemas.openxmlformats.org/officeDocument/2006/relationships" xmlns:p="http://schemas.openxmlformats.org/presentationml/2006/main">
-  <p:cSld>
-    <p:spTree>
-      <p:nvGrpSpPr>
-        <p:cNvPr id="1" name=""/>
-        <p:cNvGrpSpPr/>
-        <p:nvPr/>
-      </p:nvGrpSpPr>
-      <p:grpSpPr>
-        <a:xfrm>
-          <a:off x="0" y="0"/>
-          <a:ext cx="0" cy="0"/>
-          <a:chOff x="0" y="0"/>
-          <a:chExt cx="0" cy="0"/>
-        </a:xfrm>
-      </p:grpSpPr>
-      <p:sp>
-        <p:nvSpPr>
-          <p:cNvPr id="2" name="Title 1">
-            <a:extLst>
-              <a:ext uri="{FF2B5EF4-FFF2-40B4-BE49-F238E27FC236}">
-                <a16:creationId xmlns:a16="http://schemas.microsoft.com/office/drawing/2014/main" id="{47BCDD06-AE2A-334D-A506-8D09797BDF05}"/>
-              </a:ext>
-            </a:extLst>
-          </p:cNvPr>
-          <p:cNvSpPr>
-            <a:spLocks noGrp="1"/>
-          </p:cNvSpPr>
-          <p:nvPr>
-            <p:ph type="title"/>
-          </p:nvPr>
-        </p:nvSpPr>
-        <p:spPr/>
-        <p:txBody>
-          <a:bodyPr/>
-          <a:lstStyle/>
-          <a:p>
-            <a:r>
-              <a:rPr lang="en-US" b="1" dirty="0">
-                <a:solidFill>
-                  <a:srgbClr val="FF9100"/>
-                </a:solidFill>
-                <a:latin typeface="Courier" pitchFamily="2" charset="0"/>
-              </a:rPr>
-              <a:t>while</a:t>
-            </a:r>
-            <a:r>
-              <a:rPr lang="en-US" dirty="0"/>
-              <a:t> loops</a:t>
-            </a:r>
-          </a:p>
-        </p:txBody>
-      </p:sp>
-      <p:sp>
-        <p:nvSpPr>
-          <p:cNvPr id="3" name="Content Placeholder 2">
-            <a:extLst>
-              <a:ext uri="{FF2B5EF4-FFF2-40B4-BE49-F238E27FC236}">
-                <a16:creationId xmlns:a16="http://schemas.microsoft.com/office/drawing/2014/main" id="{59154E34-BE12-E847-A11F-213BD1EA6526}"/>
-              </a:ext>
-            </a:extLst>
-          </p:cNvPr>
-          <p:cNvSpPr>
-            <a:spLocks noGrp="1"/>
-          </p:cNvSpPr>
-          <p:nvPr>
-            <p:ph idx="1"/>
-          </p:nvPr>
-        </p:nvSpPr>
-        <p:spPr/>
-        <p:txBody>
-          <a:bodyPr anchor="t">
-            <a:normAutofit/>
-          </a:bodyPr>
-          <a:lstStyle/>
-          <a:p>
-            <a:r>
-              <a:rPr lang="en-US" sz="2800" dirty="0"/>
-              <a:t>We may sometimes want a program to continue doing the same thing </a:t>
-            </a:r>
-            <a:r>
-              <a:rPr lang="en-US" sz="2800" b="1" dirty="0"/>
-              <a:t>until something happens</a:t>
-            </a:r>
-          </a:p>
-          <a:p>
-            <a:r>
-              <a:rPr lang="en-US" sz="2800" dirty="0"/>
-              <a:t>In Python we can do this with a </a:t>
-            </a:r>
-            <a:r>
-              <a:rPr lang="en-US" sz="2800" b="1" dirty="0">
-                <a:solidFill>
-                  <a:srgbClr val="FF9100"/>
-                </a:solidFill>
-                <a:latin typeface="Courier" pitchFamily="2" charset="0"/>
-              </a:rPr>
-              <a:t>while</a:t>
-            </a:r>
-            <a:r>
-              <a:rPr lang="en-US" sz="2800" dirty="0"/>
-              <a:t> loop, which is paired with a conditional (</a:t>
-            </a:r>
-            <a:r>
-              <a:rPr lang="en-US" sz="2800" dirty="0">
-                <a:latin typeface="Courier" pitchFamily="2" charset="0"/>
-              </a:rPr>
-              <a:t>True/False</a:t>
-            </a:r>
-            <a:r>
-              <a:rPr lang="en-US" sz="2800" dirty="0"/>
-              <a:t>) statement</a:t>
-            </a:r>
-          </a:p>
-          <a:p>
-            <a:pPr marL="0" indent="0">
-              <a:buNone/>
-            </a:pPr>
-            <a:endParaRPr lang="en-US" sz="2800" dirty="0"/>
-          </a:p>
-        </p:txBody>
-      </p:sp>
-      <p:pic>
-        <p:nvPicPr>
-          <p:cNvPr id="6" name="Picture 5">
-            <a:extLst>
-              <a:ext uri="{FF2B5EF4-FFF2-40B4-BE49-F238E27FC236}">
-                <a16:creationId xmlns:a16="http://schemas.microsoft.com/office/drawing/2014/main" id="{EB282F73-BF8A-4040-94EB-A29B28132742}"/>
-              </a:ext>
-            </a:extLst>
-          </p:cNvPr>
-          <p:cNvPicPr>
-            <a:picLocks noChangeAspect="1"/>
-          </p:cNvPicPr>
-          <p:nvPr/>
-        </p:nvPicPr>
-        <p:blipFill>
-          <a:blip r:embed="rId2">
-            <a:extLst>
-              <a:ext uri="{28A0092B-C50C-407E-A947-70E740481C1C}">
-                <a14:useLocalDpi xmlns:a14="http://schemas.microsoft.com/office/drawing/2010/main" val="0"/>
-              </a:ext>
-            </a:extLst>
-          </a:blip>
-          <a:stretch>
-            <a:fillRect/>
-          </a:stretch>
-        </p:blipFill>
-        <p:spPr>
-          <a:xfrm>
-            <a:off x="3869268" y="3318755"/>
-            <a:ext cx="7315200" cy="3324260"/>
-          </a:xfrm>
-          <a:prstGeom prst="rect">
-            <a:avLst/>
-          </a:prstGeom>
-        </p:spPr>
-      </p:pic>
-    </p:spTree>
-    <p:extLst>
-      <p:ext uri="{BB962C8B-B14F-4D97-AF65-F5344CB8AC3E}">
-        <p14:creationId xmlns:p14="http://schemas.microsoft.com/office/powerpoint/2010/main" val="322163246"/>
-      </p:ext>
-    </p:extLst>
-  </p:cSld>
-  <p:clrMapOvr>
-    <a:masterClrMapping/>
-  </p:clrMapOvr>
-</p:sld>
-</file>
-
-<file path=ppt/slides/slide21.xml><?xml version="1.0" encoding="utf-8"?>
-<p:sld xmlns:a="http://schemas.openxmlformats.org/drawingml/2006/main" xmlns:r="http://schemas.openxmlformats.org/officeDocument/2006/relationships" xmlns:p="http://schemas.openxmlformats.org/presentationml/2006/main">
-  <p:cSld>
-    <p:spTree>
-      <p:nvGrpSpPr>
-        <p:cNvPr id="1" name=""/>
-        <p:cNvGrpSpPr/>
-        <p:nvPr/>
-      </p:nvGrpSpPr>
-      <p:grpSpPr>
-        <a:xfrm>
-          <a:off x="0" y="0"/>
-          <a:ext cx="0" cy="0"/>
-          <a:chOff x="0" y="0"/>
-          <a:chExt cx="0" cy="0"/>
-        </a:xfrm>
-      </p:grpSpPr>
-      <p:sp>
-        <p:nvSpPr>
-          <p:cNvPr id="2" name="Title 1">
-            <a:extLst>
-              <a:ext uri="{FF2B5EF4-FFF2-40B4-BE49-F238E27FC236}">
-                <a16:creationId xmlns:a16="http://schemas.microsoft.com/office/drawing/2014/main" id="{47BCDD06-AE2A-334D-A506-8D09797BDF05}"/>
-              </a:ext>
-            </a:extLst>
-          </p:cNvPr>
-          <p:cNvSpPr>
-            <a:spLocks noGrp="1"/>
-          </p:cNvSpPr>
-          <p:nvPr>
-            <p:ph type="title"/>
-          </p:nvPr>
-        </p:nvSpPr>
-        <p:spPr/>
-        <p:txBody>
-          <a:bodyPr/>
-          <a:lstStyle/>
-          <a:p>
-            <a:r>
-              <a:rPr lang="en-US" b="1" dirty="0">
-                <a:solidFill>
-                  <a:srgbClr val="FF9100"/>
-                </a:solidFill>
-                <a:latin typeface="Courier" pitchFamily="2" charset="0"/>
-              </a:rPr>
-              <a:t>while</a:t>
-            </a:r>
-            <a:r>
-              <a:rPr lang="en-US" dirty="0"/>
-              <a:t> loops</a:t>
-            </a:r>
-          </a:p>
-        </p:txBody>
-      </p:sp>
-      <p:sp>
-        <p:nvSpPr>
-          <p:cNvPr id="3" name="Content Placeholder 2">
-            <a:extLst>
-              <a:ext uri="{FF2B5EF4-FFF2-40B4-BE49-F238E27FC236}">
-                <a16:creationId xmlns:a16="http://schemas.microsoft.com/office/drawing/2014/main" id="{59154E34-BE12-E847-A11F-213BD1EA6526}"/>
-              </a:ext>
-            </a:extLst>
-          </p:cNvPr>
-          <p:cNvSpPr>
-            <a:spLocks noGrp="1"/>
-          </p:cNvSpPr>
-          <p:nvPr>
-            <p:ph idx="1"/>
-          </p:nvPr>
-        </p:nvSpPr>
-        <p:spPr/>
-        <p:txBody>
-          <a:bodyPr anchor="t">
-            <a:normAutofit/>
-          </a:bodyPr>
-          <a:lstStyle/>
-          <a:p>
-            <a:r>
-              <a:rPr lang="en-US" sz="2800" b="1" dirty="0">
-                <a:solidFill>
-                  <a:srgbClr val="FF9100"/>
-                </a:solidFill>
-                <a:latin typeface="Courier" pitchFamily="2" charset="0"/>
-              </a:rPr>
-              <a:t>while</a:t>
-            </a:r>
-            <a:r>
-              <a:rPr lang="en-US" sz="2800" dirty="0"/>
-              <a:t> loops can be especially useful when combined with the </a:t>
-            </a:r>
-            <a:r>
-              <a:rPr lang="en-US" sz="2800" b="1" dirty="0">
-                <a:solidFill>
-                  <a:srgbClr val="A325BE"/>
-                </a:solidFill>
-                <a:latin typeface="Courier" pitchFamily="2" charset="0"/>
-              </a:rPr>
-              <a:t>input</a:t>
-            </a:r>
-            <a:r>
-              <a:rPr lang="en-US" sz="2800" b="1" dirty="0">
-                <a:latin typeface="Courier" pitchFamily="2" charset="0"/>
-              </a:rPr>
-              <a:t>()</a:t>
-            </a:r>
-            <a:r>
-              <a:rPr lang="en-US" sz="2800" dirty="0"/>
-              <a:t> function</a:t>
-            </a:r>
-          </a:p>
-          <a:p>
-            <a:r>
-              <a:rPr lang="en-US" sz="2800" dirty="0"/>
-              <a:t>For example, we may want to continue asking for input until the user tells us they are done:</a:t>
-            </a:r>
-          </a:p>
-        </p:txBody>
-      </p:sp>
-      <p:pic>
-        <p:nvPicPr>
-          <p:cNvPr id="7" name="Picture 6">
-            <a:extLst>
-              <a:ext uri="{FF2B5EF4-FFF2-40B4-BE49-F238E27FC236}">
-                <a16:creationId xmlns:a16="http://schemas.microsoft.com/office/drawing/2014/main" id="{23232124-993F-124D-8E00-F226EA847037}"/>
-              </a:ext>
-            </a:extLst>
-          </p:cNvPr>
-          <p:cNvPicPr>
-            <a:picLocks noChangeAspect="1"/>
-          </p:cNvPicPr>
-          <p:nvPr/>
-        </p:nvPicPr>
-        <p:blipFill>
-          <a:blip r:embed="rId2">
-            <a:extLst>
-              <a:ext uri="{28A0092B-C50C-407E-A947-70E740481C1C}">
-                <a14:useLocalDpi xmlns:a14="http://schemas.microsoft.com/office/drawing/2010/main" val="0"/>
-              </a:ext>
-            </a:extLst>
-          </a:blip>
-          <a:stretch>
-            <a:fillRect/>
-          </a:stretch>
-        </p:blipFill>
-        <p:spPr>
-          <a:xfrm>
-            <a:off x="4132289" y="2869050"/>
-            <a:ext cx="7315198" cy="3324260"/>
-          </a:xfrm>
-          <a:prstGeom prst="rect">
-            <a:avLst/>
-          </a:prstGeom>
-        </p:spPr>
-      </p:pic>
-    </p:spTree>
-    <p:extLst>
-      <p:ext uri="{BB962C8B-B14F-4D97-AF65-F5344CB8AC3E}">
-        <p14:creationId xmlns:p14="http://schemas.microsoft.com/office/powerpoint/2010/main" val="3889014741"/>
-      </p:ext>
-    </p:extLst>
-  </p:cSld>
-  <p:clrMapOvr>
-    <a:masterClrMapping/>
-  </p:clrMapOvr>
-</p:sld>
-</file>
-
-<file path=ppt/slides/slide22.xml><?xml version="1.0" encoding="utf-8"?>
-<p:sld xmlns:a="http://schemas.openxmlformats.org/drawingml/2006/main" xmlns:r="http://schemas.openxmlformats.org/officeDocument/2006/relationships" xmlns:p="http://schemas.openxmlformats.org/presentationml/2006/main">
-  <p:cSld>
-    <p:spTree>
-      <p:nvGrpSpPr>
-        <p:cNvPr id="1" name=""/>
-        <p:cNvGrpSpPr/>
-        <p:nvPr/>
-      </p:nvGrpSpPr>
-      <p:grpSpPr>
-        <a:xfrm>
-          <a:off x="0" y="0"/>
-          <a:ext cx="0" cy="0"/>
-          <a:chOff x="0" y="0"/>
-          <a:chExt cx="0" cy="0"/>
-        </a:xfrm>
-      </p:grpSpPr>
-      <p:sp>
-        <p:nvSpPr>
-          <p:cNvPr id="2" name="Title 1">
-            <a:extLst>
-              <a:ext uri="{FF2B5EF4-FFF2-40B4-BE49-F238E27FC236}">
-                <a16:creationId xmlns:a16="http://schemas.microsoft.com/office/drawing/2014/main" id="{05C44A85-BE93-DF4D-AD08-6873C098D523}"/>
-              </a:ext>
-            </a:extLst>
-          </p:cNvPr>
-          <p:cNvSpPr>
-            <a:spLocks noGrp="1"/>
-          </p:cNvSpPr>
-          <p:nvPr>
-            <p:ph type="title"/>
-          </p:nvPr>
-        </p:nvSpPr>
-        <p:spPr/>
-        <p:txBody>
-          <a:bodyPr/>
-          <a:lstStyle/>
-          <a:p>
-            <a:r>
-              <a:rPr lang="en-US" b="1" dirty="0"/>
-              <a:t>Demo</a:t>
-            </a:r>
-            <a:r>
-              <a:rPr lang="en-US" dirty="0"/>
-              <a:t>: compute a sum pt.2</a:t>
-            </a:r>
-          </a:p>
-        </p:txBody>
-      </p:sp>
-      <p:sp>
-        <p:nvSpPr>
-          <p:cNvPr id="3" name="Content Placeholder 2">
-            <a:extLst>
-              <a:ext uri="{FF2B5EF4-FFF2-40B4-BE49-F238E27FC236}">
-                <a16:creationId xmlns:a16="http://schemas.microsoft.com/office/drawing/2014/main" id="{FA92A16D-26E4-EF47-8F9F-CA0152A4D3C7}"/>
-              </a:ext>
-            </a:extLst>
-          </p:cNvPr>
-          <p:cNvSpPr>
-            <a:spLocks noGrp="1"/>
-          </p:cNvSpPr>
-          <p:nvPr>
-            <p:ph idx="1"/>
-          </p:nvPr>
-        </p:nvSpPr>
-        <p:spPr/>
-        <p:txBody>
-          <a:bodyPr anchor="t">
-            <a:normAutofit/>
-          </a:bodyPr>
-          <a:lstStyle/>
-          <a:p>
-            <a:pPr marL="0" indent="0" algn="ctr">
-              <a:buNone/>
-            </a:pPr>
-            <a:endParaRPr lang="en-US" sz="2800" dirty="0"/>
-          </a:p>
-          <a:p>
-            <a:pPr marL="0" indent="0" algn="ctr">
-              <a:buNone/>
-            </a:pPr>
-            <a:endParaRPr lang="en-US" sz="2800" dirty="0"/>
-          </a:p>
-          <a:p>
-            <a:pPr marL="0" indent="0" algn="ctr">
-              <a:buNone/>
-            </a:pPr>
-            <a:r>
-              <a:rPr lang="en-US" sz="2800" dirty="0"/>
-              <a:t>Modify our previous demo program to</a:t>
-            </a:r>
-            <a:br>
-              <a:rPr lang="en-US" sz="2800" dirty="0"/>
-            </a:br>
-            <a:r>
-              <a:rPr lang="en-US" sz="2800" dirty="0"/>
-              <a:t>use a </a:t>
-            </a:r>
-            <a:r>
-              <a:rPr lang="en-US" sz="2800" b="1" dirty="0">
-                <a:solidFill>
-                  <a:srgbClr val="FF9100"/>
-                </a:solidFill>
-                <a:latin typeface="Courier" pitchFamily="2" charset="0"/>
-              </a:rPr>
-              <a:t>while</a:t>
-            </a:r>
-            <a:r>
-              <a:rPr lang="en-US" sz="2800" dirty="0"/>
-              <a:t> </a:t>
-            </a:r>
-            <a:r>
-              <a:rPr lang="en-US" sz="2800" b="1" dirty="0"/>
-              <a:t>loop</a:t>
-            </a:r>
-            <a:r>
-              <a:rPr lang="en-US" sz="2800" dirty="0"/>
-              <a:t> to compute </a:t>
-            </a:r>
-          </a:p>
-          <a:p>
-            <a:pPr marL="0" indent="0" algn="ctr">
-              <a:spcBef>
-                <a:spcPts val="0"/>
-              </a:spcBef>
-              <a:buNone/>
-            </a:pPr>
-            <a:r>
-              <a:rPr lang="en-US" sz="2800" dirty="0"/>
-              <a:t>the </a:t>
-            </a:r>
-            <a:r>
-              <a:rPr lang="en-US" sz="2800" b="1" dirty="0"/>
-              <a:t>sum</a:t>
-            </a:r>
-            <a:r>
-              <a:rPr lang="en-US" sz="2800" dirty="0"/>
-              <a:t> of a series of numbers </a:t>
-            </a:r>
-          </a:p>
-          <a:p>
-            <a:pPr marL="0" indent="0" algn="ctr">
-              <a:spcBef>
-                <a:spcPts val="0"/>
-              </a:spcBef>
-              <a:buNone/>
-            </a:pPr>
-            <a:r>
-              <a:rPr lang="en-US" sz="2800" dirty="0"/>
-              <a:t>entered by the user</a:t>
-            </a:r>
-          </a:p>
-          <a:p>
-            <a:pPr marL="0" indent="0" algn="ctr">
-              <a:spcBef>
-                <a:spcPts val="0"/>
-              </a:spcBef>
-              <a:buNone/>
-            </a:pPr>
-            <a:endParaRPr lang="en-US" sz="2800" dirty="0"/>
-          </a:p>
-          <a:p>
-            <a:pPr marL="0" indent="0" algn="ctr">
-              <a:spcBef>
-                <a:spcPts val="0"/>
-              </a:spcBef>
-              <a:buNone/>
-            </a:pPr>
-            <a:r>
-              <a:rPr lang="en-US" sz="2800" dirty="0"/>
-              <a:t>(continue until the user enters a blank)</a:t>
-            </a:r>
-          </a:p>
-          <a:p>
-            <a:pPr marL="0" indent="0">
-              <a:buNone/>
-            </a:pPr>
-            <a:endParaRPr lang="en-US" sz="2800" dirty="0"/>
-          </a:p>
-        </p:txBody>
-      </p:sp>
-    </p:spTree>
-    <p:extLst>
-      <p:ext uri="{BB962C8B-B14F-4D97-AF65-F5344CB8AC3E}">
-        <p14:creationId xmlns:p14="http://schemas.microsoft.com/office/powerpoint/2010/main" val="1355295565"/>
-      </p:ext>
-    </p:extLst>
-  </p:cSld>
-  <p:clrMapOvr>
-    <a:masterClrMapping/>
-  </p:clrMapOvr>
-</p:sld>
-</file>
-
-<file path=ppt/slides/slide23.xml><?xml version="1.0" encoding="utf-8"?>
-<p:sld xmlns:a="http://schemas.openxmlformats.org/drawingml/2006/main" xmlns:r="http://schemas.openxmlformats.org/officeDocument/2006/relationships" xmlns:p="http://schemas.openxmlformats.org/presentationml/2006/main">
-  <p:cSld>
-    <p:spTree>
-      <p:nvGrpSpPr>
-        <p:cNvPr id="1" name=""/>
-        <p:cNvGrpSpPr/>
-        <p:nvPr/>
-      </p:nvGrpSpPr>
-      <p:grpSpPr>
-        <a:xfrm>
-          <a:off x="0" y="0"/>
-          <a:ext cx="0" cy="0"/>
-          <a:chOff x="0" y="0"/>
-          <a:chExt cx="0" cy="0"/>
-        </a:xfrm>
-      </p:grpSpPr>
-      <p:sp>
-        <p:nvSpPr>
-          <p:cNvPr id="2" name="Title 1">
-            <a:extLst>
-              <a:ext uri="{FF2B5EF4-FFF2-40B4-BE49-F238E27FC236}">
-                <a16:creationId xmlns:a16="http://schemas.microsoft.com/office/drawing/2014/main" id="{B456CB7A-76B8-F043-822B-04311B6522C4}"/>
-              </a:ext>
-            </a:extLst>
-          </p:cNvPr>
-          <p:cNvSpPr>
-            <a:spLocks noGrp="1"/>
-          </p:cNvSpPr>
-          <p:nvPr>
-            <p:ph type="title"/>
-          </p:nvPr>
-        </p:nvSpPr>
-        <p:spPr/>
-        <p:txBody>
-          <a:bodyPr/>
-          <a:lstStyle/>
-          <a:p>
-            <a:r>
-              <a:rPr lang="en-US" dirty="0"/>
-              <a:t>Discussion</a:t>
-            </a:r>
-          </a:p>
-        </p:txBody>
-      </p:sp>
-      <p:sp>
-        <p:nvSpPr>
-          <p:cNvPr id="3" name="Content Placeholder 2">
-            <a:extLst>
-              <a:ext uri="{FF2B5EF4-FFF2-40B4-BE49-F238E27FC236}">
-                <a16:creationId xmlns:a16="http://schemas.microsoft.com/office/drawing/2014/main" id="{A092000C-53CA-624A-81F5-897C9CE4A67F}"/>
-              </a:ext>
-            </a:extLst>
-          </p:cNvPr>
-          <p:cNvSpPr>
-            <a:spLocks noGrp="1"/>
-          </p:cNvSpPr>
-          <p:nvPr>
-            <p:ph idx="1"/>
-          </p:nvPr>
-        </p:nvSpPr>
-        <p:spPr>
-          <a:xfrm>
-            <a:off x="4676932" y="2707636"/>
-            <a:ext cx="6447576" cy="1442728"/>
-          </a:xfrm>
-          <a:prstGeom prst="roundRect">
-            <a:avLst/>
-          </a:prstGeom>
-        </p:spPr>
-        <p:style>
-          <a:lnRef idx="2">
-            <a:schemeClr val="accent2">
-              <a:shade val="15000"/>
-            </a:schemeClr>
-          </a:lnRef>
-          <a:fillRef idx="1">
-            <a:schemeClr val="accent2"/>
-          </a:fillRef>
-          <a:effectRef idx="0">
-            <a:schemeClr val="accent2"/>
-          </a:effectRef>
-          <a:fontRef idx="minor">
-            <a:schemeClr val="lt1"/>
-          </a:fontRef>
-        </p:style>
-        <p:txBody>
-          <a:bodyPr>
-            <a:normAutofit/>
-          </a:bodyPr>
-          <a:lstStyle/>
-          <a:p>
-            <a:pPr marL="0" indent="0" algn="ctr">
-              <a:buNone/>
-            </a:pPr>
-            <a:r>
-              <a:rPr lang="en-US" sz="3600" dirty="0"/>
-              <a:t>What did you come up with?</a:t>
-            </a:r>
-          </a:p>
-        </p:txBody>
-      </p:sp>
-    </p:spTree>
-    <p:extLst>
-      <p:ext uri="{BB962C8B-B14F-4D97-AF65-F5344CB8AC3E}">
-        <p14:creationId xmlns:p14="http://schemas.microsoft.com/office/powerpoint/2010/main" val="943452678"/>
-      </p:ext>
-    </p:extLst>
-  </p:cSld>
-  <p:clrMapOvr>
-    <a:masterClrMapping/>
-  </p:clrMapOvr>
-</p:sld>
-</file>
-
-<file path=ppt/slides/slide24.xml><?xml version="1.0" encoding="utf-8"?>
-<p:sld xmlns:a="http://schemas.openxmlformats.org/drawingml/2006/main" xmlns:r="http://schemas.openxmlformats.org/officeDocument/2006/relationships" xmlns:p="http://schemas.openxmlformats.org/presentationml/2006/main">
-  <p:cSld>
-    <p:spTree>
-      <p:nvGrpSpPr>
-        <p:cNvPr id="1" name=""/>
-        <p:cNvGrpSpPr/>
-        <p:nvPr/>
-      </p:nvGrpSpPr>
-      <p:grpSpPr>
-        <a:xfrm>
-          <a:off x="0" y="0"/>
-          <a:ext cx="0" cy="0"/>
-          <a:chOff x="0" y="0"/>
-          <a:chExt cx="0" cy="0"/>
-        </a:xfrm>
-      </p:grpSpPr>
-      <p:sp>
-        <p:nvSpPr>
-          <p:cNvPr id="2" name="Title 1">
-            <a:extLst>
-              <a:ext uri="{FF2B5EF4-FFF2-40B4-BE49-F238E27FC236}">
-                <a16:creationId xmlns:a16="http://schemas.microsoft.com/office/drawing/2014/main" id="{B456CB7A-76B8-F043-822B-04311B6522C4}"/>
-              </a:ext>
-            </a:extLst>
-          </p:cNvPr>
-          <p:cNvSpPr>
-            <a:spLocks noGrp="1"/>
-          </p:cNvSpPr>
-          <p:nvPr>
-            <p:ph type="title"/>
-          </p:nvPr>
-        </p:nvSpPr>
-        <p:spPr/>
-        <p:txBody>
-          <a:bodyPr/>
-          <a:lstStyle/>
-          <a:p>
-            <a:r>
-              <a:rPr lang="en-US" dirty="0"/>
-              <a:t>Checking in</a:t>
-            </a:r>
-          </a:p>
-        </p:txBody>
-      </p:sp>
-      <p:sp>
-        <p:nvSpPr>
-          <p:cNvPr id="3" name="Content Placeholder 2">
-            <a:extLst>
-              <a:ext uri="{FF2B5EF4-FFF2-40B4-BE49-F238E27FC236}">
-                <a16:creationId xmlns:a16="http://schemas.microsoft.com/office/drawing/2014/main" id="{A092000C-53CA-624A-81F5-897C9CE4A67F}"/>
-              </a:ext>
-            </a:extLst>
-          </p:cNvPr>
-          <p:cNvSpPr>
-            <a:spLocks noGrp="1"/>
-          </p:cNvSpPr>
-          <p:nvPr>
-            <p:ph idx="1"/>
-          </p:nvPr>
-        </p:nvSpPr>
-        <p:spPr/>
-        <p:txBody>
-          <a:bodyPr>
-            <a:normAutofit/>
-          </a:bodyPr>
-          <a:lstStyle/>
-          <a:p>
-            <a:pPr marL="0" indent="0" algn="ctr">
-              <a:buNone/>
-            </a:pPr>
-            <a:endParaRPr lang="en-US" sz="2800" dirty="0"/>
-          </a:p>
-          <a:p>
-            <a:pPr marL="0" indent="0" algn="ctr">
-              <a:buNone/>
-            </a:pPr>
-            <a:r>
-              <a:rPr lang="en-US" sz="2800" dirty="0"/>
-              <a:t>What’s </a:t>
-            </a:r>
-            <a:r>
-              <a:rPr lang="en-US" sz="2800" b="1" dirty="0"/>
-              <a:t>one thing</a:t>
-            </a:r>
-            <a:r>
-              <a:rPr lang="en-US" sz="2800" dirty="0"/>
-              <a:t> you learned </a:t>
-            </a:r>
-          </a:p>
-          <a:p>
-            <a:pPr marL="0" indent="0" algn="ctr">
-              <a:buNone/>
-            </a:pPr>
-            <a:r>
-              <a:rPr lang="en-US" sz="2800" dirty="0"/>
-              <a:t>in today’s class?</a:t>
-            </a:r>
-          </a:p>
-        </p:txBody>
-      </p:sp>
-    </p:spTree>
-    <p:extLst>
-      <p:ext uri="{BB962C8B-B14F-4D97-AF65-F5344CB8AC3E}">
-        <p14:creationId xmlns:p14="http://schemas.microsoft.com/office/powerpoint/2010/main" val="3342727594"/>
-      </p:ext>
-    </p:extLst>
-  </p:cSld>
-  <p:clrMapOvr>
-    <a:masterClrMapping/>
-  </p:clrMapOvr>
-</p:sld>
-</file>
-
-<file path=ppt/slides/slide3.xml><?xml version="1.0" encoding="utf-8"?>
-<p:sld xmlns:a="http://schemas.openxmlformats.org/drawingml/2006/main" xmlns:r="http://schemas.openxmlformats.org/officeDocument/2006/relationships" xmlns:p="http://schemas.openxmlformats.org/presentationml/2006/main">
-  <p:cSld>
-    <p:spTree>
-      <p:nvGrpSpPr>
-        <p:cNvPr id="1" name=""/>
-        <p:cNvGrpSpPr/>
-        <p:nvPr/>
-      </p:nvGrpSpPr>
-      <p:grpSpPr>
-        <a:xfrm>
-          <a:off x="0" y="0"/>
-          <a:ext cx="0" cy="0"/>
-          <a:chOff x="0" y="0"/>
-          <a:chExt cx="0" cy="0"/>
-        </a:xfrm>
-      </p:grpSpPr>
-      <p:sp>
-        <p:nvSpPr>
-          <p:cNvPr id="2" name="Title 1">
-            <a:extLst>
-              <a:ext uri="{FF2B5EF4-FFF2-40B4-BE49-F238E27FC236}">
-                <a16:creationId xmlns:a16="http://schemas.microsoft.com/office/drawing/2014/main" id="{3E0E888E-8A72-A848-8A1B-E7F1EA9FED3E}"/>
-              </a:ext>
-            </a:extLst>
-          </p:cNvPr>
-          <p:cNvSpPr>
-            <a:spLocks noGrp="1"/>
-          </p:cNvSpPr>
-          <p:nvPr>
-            <p:ph type="title"/>
-          </p:nvPr>
-        </p:nvSpPr>
-        <p:spPr/>
-        <p:txBody>
-          <a:bodyPr/>
-          <a:lstStyle/>
-          <a:p>
-            <a:r>
-              <a:rPr lang="en-US" dirty="0"/>
-              <a:t>Loops: a familiar idea</a:t>
-            </a:r>
-          </a:p>
-        </p:txBody>
-      </p:sp>
-      <p:pic>
-        <p:nvPicPr>
-          <p:cNvPr id="4" name="Picture 3">
-            <a:extLst>
-              <a:ext uri="{FF2B5EF4-FFF2-40B4-BE49-F238E27FC236}">
-                <a16:creationId xmlns:a16="http://schemas.microsoft.com/office/drawing/2014/main" id="{D09B2D14-C3BE-854A-9EDD-00A296EE59AF}"/>
-              </a:ext>
-            </a:extLst>
-          </p:cNvPr>
-          <p:cNvPicPr>
-            <a:picLocks noChangeAspect="1"/>
-          </p:cNvPicPr>
-          <p:nvPr/>
-        </p:nvPicPr>
-        <p:blipFill>
-          <a:blip r:embed="rId2"/>
-          <a:stretch>
-            <a:fillRect/>
-          </a:stretch>
-        </p:blipFill>
-        <p:spPr>
-          <a:xfrm>
-            <a:off x="3647032" y="988308"/>
-            <a:ext cx="3477986" cy="4881384"/>
-          </a:xfrm>
-          <a:prstGeom prst="rect">
-            <a:avLst/>
-          </a:prstGeom>
-        </p:spPr>
-      </p:pic>
-      <p:sp>
-        <p:nvSpPr>
-          <p:cNvPr id="5" name="Rectangle 4">
-            <a:extLst>
-              <a:ext uri="{FF2B5EF4-FFF2-40B4-BE49-F238E27FC236}">
-                <a16:creationId xmlns:a16="http://schemas.microsoft.com/office/drawing/2014/main" id="{F0FED023-934D-C242-82BF-23CEF43585F5}"/>
-              </a:ext>
-            </a:extLst>
-          </p:cNvPr>
-          <p:cNvSpPr/>
-          <p:nvPr/>
-        </p:nvSpPr>
-        <p:spPr>
-          <a:xfrm>
-            <a:off x="2950357" y="6234408"/>
-            <a:ext cx="1865895" cy="307777"/>
-          </a:xfrm>
-          <a:prstGeom prst="rect">
-            <a:avLst/>
-          </a:prstGeom>
-        </p:spPr>
-        <p:txBody>
-          <a:bodyPr wrap="none">
-            <a:spAutoFit/>
-          </a:bodyPr>
-          <a:lstStyle/>
-          <a:p>
-            <a:r>
-              <a:rPr lang="en-US" sz="1400" dirty="0">
-                <a:solidFill>
-                  <a:schemeClr val="bg1">
-                    <a:lumMod val="75000"/>
-                  </a:schemeClr>
-                </a:solidFill>
-              </a:rPr>
-              <a:t>https://</a:t>
-            </a:r>
-            <a:r>
-              <a:rPr lang="en-US" sz="1400" dirty="0" err="1">
-                <a:solidFill>
-                  <a:schemeClr val="bg1">
-                    <a:lumMod val="75000"/>
-                  </a:schemeClr>
-                </a:solidFill>
-              </a:rPr>
-              <a:t>xkcd.com</a:t>
-            </a:r>
-            <a:r>
-              <a:rPr lang="en-US" sz="1400" dirty="0">
-                <a:solidFill>
-                  <a:schemeClr val="bg1">
-                    <a:lumMod val="75000"/>
-                  </a:schemeClr>
-                </a:solidFill>
-              </a:rPr>
-              <a:t>/1411/</a:t>
-            </a:r>
-          </a:p>
-        </p:txBody>
-      </p:sp>
-      <p:pic>
-        <p:nvPicPr>
-          <p:cNvPr id="6" name="Picture 5">
-            <a:extLst>
-              <a:ext uri="{FF2B5EF4-FFF2-40B4-BE49-F238E27FC236}">
-                <a16:creationId xmlns:a16="http://schemas.microsoft.com/office/drawing/2014/main" id="{A9FC15C2-F17F-064B-8CAD-22036EE1F46B}"/>
-              </a:ext>
-            </a:extLst>
-          </p:cNvPr>
-          <p:cNvPicPr>
-            <a:picLocks noChangeAspect="1"/>
-          </p:cNvPicPr>
-          <p:nvPr/>
-        </p:nvPicPr>
-        <p:blipFill rotWithShape="1">
-          <a:blip r:embed="rId3"/>
-          <a:srcRect t="2317" b="4334"/>
-          <a:stretch/>
-        </p:blipFill>
-        <p:spPr>
-          <a:xfrm>
-            <a:off x="7399882" y="1723850"/>
-            <a:ext cx="4265645" cy="3384658"/>
-          </a:xfrm>
-          <a:prstGeom prst="rect">
-            <a:avLst/>
-          </a:prstGeom>
-        </p:spPr>
-      </p:pic>
-    </p:spTree>
-    <p:extLst>
-      <p:ext uri="{BB962C8B-B14F-4D97-AF65-F5344CB8AC3E}">
-        <p14:creationId xmlns:p14="http://schemas.microsoft.com/office/powerpoint/2010/main" val="32661862"/>
       </p:ext>
     </p:extLst>
   </p:cSld>
@@ -7808,83 +12125,14 @@
           <a:lstStyle/>
           <a:p>
             <a:r>
-              <a:rPr lang="en-US" sz="2800" b="1" dirty="0"/>
-              <a:t>Goal</a:t>
-            </a:r>
-            <a:r>
-              <a:rPr lang="en-US" sz="2800" dirty="0"/>
-              <a:t>: simplify the description of repeated blocks of code </a:t>
-            </a:r>
-            <a:r>
-              <a:rPr lang="en-US" sz="1800" dirty="0"/>
-              <a:t>(i.e. make it shorter/easier to understand by highlighting </a:t>
-            </a:r>
-            <a:r>
-              <a:rPr lang="en-US" sz="1800" b="1" dirty="0"/>
-              <a:t>what’s being repeated</a:t>
-            </a:r>
-            <a:r>
-              <a:rPr lang="en-US" sz="1800" dirty="0"/>
-              <a:t> and </a:t>
-            </a:r>
-            <a:r>
-              <a:rPr lang="en-US" sz="1800" b="1" dirty="0"/>
-              <a:t>for how long</a:t>
-            </a:r>
-            <a:r>
-              <a:rPr lang="en-US" sz="1800" dirty="0"/>
-              <a:t>)</a:t>
-            </a:r>
-          </a:p>
-          <a:p>
-            <a:endParaRPr lang="en-US" sz="1800" dirty="0"/>
-          </a:p>
-          <a:p>
-            <a:r>
-              <a:rPr lang="en-US" sz="2800" b="1" dirty="0"/>
-              <a:t>Three approaches:</a:t>
-            </a:r>
-            <a:endParaRPr lang="en-US" sz="2800" dirty="0"/>
-          </a:p>
-          <a:p>
-            <a:pPr lvl="1"/>
-            <a:r>
               <a:rPr lang="en-US" sz="2400" dirty="0"/>
-              <a:t>run for </a:t>
-            </a:r>
-            <a:r>
-              <a:rPr lang="en-US" sz="2400" b="1" dirty="0"/>
-              <a:t>each item</a:t>
-            </a:r>
+              <a:t>Sometimes, we want to do the exact same thing multiple times</a:t>
+            </a:r>
+          </a:p>
+          <a:p>
             <a:r>
               <a:rPr lang="en-US" sz="2400" dirty="0"/>
-              <a:t> in a list</a:t>
-            </a:r>
-          </a:p>
-          <a:p>
-            <a:pPr lvl="1"/>
-            <a:r>
-              <a:rPr lang="en-US" sz="2400" dirty="0"/>
-              <a:t>run a specific </a:t>
-            </a:r>
-            <a:r>
-              <a:rPr lang="en-US" sz="2400" b="1" dirty="0"/>
-              <a:t>number of times</a:t>
-            </a:r>
-          </a:p>
-          <a:p>
-            <a:pPr lvl="1"/>
-            <a:r>
-              <a:rPr lang="en-US" sz="2400" dirty="0"/>
-              <a:t>run </a:t>
-            </a:r>
-            <a:r>
-              <a:rPr lang="en-US" sz="2400" b="1" dirty="0"/>
-              <a:t>until</a:t>
-            </a:r>
-            <a:r>
-              <a:rPr lang="en-US" sz="2400" dirty="0"/>
-              <a:t> some condition is met</a:t>
+              <a:t>Ideally, we can write the code we need repeated once, and tell the computer to repeat it as many times as needed </a:t>
             </a:r>
           </a:p>
           <a:p>
@@ -7898,7 +12146,7 @@
     </p:spTree>
     <p:extLst>
       <p:ext uri="{BB962C8B-B14F-4D97-AF65-F5344CB8AC3E}">
-        <p14:creationId xmlns:p14="http://schemas.microsoft.com/office/powerpoint/2010/main" val="1562682963"/>
+        <p14:creationId xmlns:p14="http://schemas.microsoft.com/office/powerpoint/2010/main" val="3717403850"/>
       </p:ext>
     </p:extLst>
   </p:cSld>
@@ -7913,7 +12161,13 @@
   <p:cSld>
     <p:spTree>
       <p:nvGrpSpPr>
-        <p:cNvPr id="1" name=""/>
+        <p:cNvPr id="1" name="">
+          <a:extLst>
+            <a:ext uri="{FF2B5EF4-FFF2-40B4-BE49-F238E27FC236}">
+              <a16:creationId xmlns:a16="http://schemas.microsoft.com/office/drawing/2014/main" id="{B5D89B24-644E-478A-29D9-30DA03C311C6}"/>
+            </a:ext>
+          </a:extLst>
+        </p:cNvPr>
         <p:cNvGrpSpPr/>
         <p:nvPr/>
       </p:nvGrpSpPr>
@@ -7930,7 +12184,7 @@
           <p:cNvPr id="2" name="Title 1">
             <a:extLst>
               <a:ext uri="{FF2B5EF4-FFF2-40B4-BE49-F238E27FC236}">
-                <a16:creationId xmlns:a16="http://schemas.microsoft.com/office/drawing/2014/main" id="{47A9B918-53AD-B84E-B522-04690D34B044}"/>
+                <a16:creationId xmlns:a16="http://schemas.microsoft.com/office/drawing/2014/main" id="{7A08603C-4F3A-D871-A9AA-1B51D32F168F}"/>
               </a:ext>
             </a:extLst>
           </p:cNvPr>
@@ -7947,17 +12201,8 @@
           <a:lstStyle/>
           <a:p>
             <a:r>
-              <a:rPr lang="en-US" b="1" dirty="0">
-                <a:solidFill>
-                  <a:srgbClr val="FF9100"/>
-                </a:solidFill>
-                <a:latin typeface="Courier" pitchFamily="2" charset="0"/>
-              </a:rPr>
-              <a:t>for...in</a:t>
-            </a:r>
-            <a:r>
               <a:rPr lang="en-US" dirty="0"/>
-              <a:t> loops</a:t>
+              <a:t>Loops in computer programming</a:t>
             </a:r>
           </a:p>
         </p:txBody>
@@ -7967,7 +12212,7 @@
           <p:cNvPr id="3" name="Content Placeholder 2">
             <a:extLst>
               <a:ext uri="{FF2B5EF4-FFF2-40B4-BE49-F238E27FC236}">
-                <a16:creationId xmlns:a16="http://schemas.microsoft.com/office/drawing/2014/main" id="{3FE5565C-A5DD-1C42-B41E-BE9B94C35141}"/>
+                <a16:creationId xmlns:a16="http://schemas.microsoft.com/office/drawing/2014/main" id="{A6E5A2D2-E9E5-C015-94A5-BFEE18F4269B}"/>
               </a:ext>
             </a:extLst>
           </p:cNvPr>
@@ -7986,78 +12231,38 @@
           <a:lstStyle/>
           <a:p>
             <a:r>
-              <a:rPr lang="en-US" sz="2800" dirty="0"/>
-              <a:t>In Python, we use the keywords </a:t>
-            </a:r>
-            <a:r>
-              <a:rPr lang="en-US" sz="2800" b="1" dirty="0">
-                <a:solidFill>
-                  <a:srgbClr val="FF9100"/>
-                </a:solidFill>
-                <a:latin typeface="Courier" pitchFamily="2" charset="0"/>
-              </a:rPr>
-              <a:t>for</a:t>
-            </a:r>
-            <a:r>
-              <a:rPr lang="en-US" sz="2800" dirty="0"/>
-              <a:t> and </a:t>
-            </a:r>
-            <a:r>
-              <a:rPr lang="en-US" sz="2800" b="1" dirty="0">
-                <a:solidFill>
-                  <a:srgbClr val="FF9100"/>
-                </a:solidFill>
-                <a:latin typeface="Courier" pitchFamily="2" charset="0"/>
-              </a:rPr>
-              <a:t>in</a:t>
-            </a:r>
-            <a:r>
-              <a:rPr lang="en-US" sz="2800" dirty="0"/>
-              <a:t> to loop through a list</a:t>
-            </a:r>
-          </a:p>
-        </p:txBody>
-      </p:sp>
-      <p:pic>
-        <p:nvPicPr>
-          <p:cNvPr id="7" name="Picture 6">
-            <a:extLst>
-              <a:ext uri="{FF2B5EF4-FFF2-40B4-BE49-F238E27FC236}">
-                <a16:creationId xmlns:a16="http://schemas.microsoft.com/office/drawing/2014/main" id="{C20FBE42-3B15-294D-A6B7-DBCD1A926FB5}"/>
-              </a:ext>
-            </a:extLst>
-          </p:cNvPr>
-          <p:cNvPicPr>
-            <a:picLocks noChangeAspect="1"/>
-          </p:cNvPicPr>
-          <p:nvPr/>
-        </p:nvPicPr>
-        <p:blipFill>
-          <a:blip r:embed="rId2">
-            <a:extLst>
-              <a:ext uri="{28A0092B-C50C-407E-A947-70E740481C1C}">
-                <a14:useLocalDpi xmlns:a14="http://schemas.microsoft.com/office/drawing/2010/main" val="0"/>
-              </a:ext>
-            </a:extLst>
-          </a:blip>
-          <a:stretch>
-            <a:fillRect/>
-          </a:stretch>
-        </p:blipFill>
-        <p:spPr>
-          <a:xfrm>
-            <a:off x="4003964" y="2062864"/>
-            <a:ext cx="7315200" cy="3324261"/>
-          </a:xfrm>
-          <a:prstGeom prst="rect">
-            <a:avLst/>
-          </a:prstGeom>
-        </p:spPr>
-      </p:pic>
+              <a:rPr lang="en-US" sz="2400" dirty="0"/>
+              <a:t>Sometimes, we want to do the exact same thing multiple times</a:t>
+            </a:r>
+          </a:p>
+          <a:p>
+            <a:r>
+              <a:rPr lang="en-US" sz="2400" dirty="0"/>
+              <a:t>Ideally, we can write the code we need repeated once, and tell the computer to repeat it as many times as needed </a:t>
+            </a:r>
+          </a:p>
+          <a:p>
+            <a:r>
+              <a:rPr lang="en-US" sz="2400" dirty="0"/>
+              <a:t>Enter: </a:t>
+            </a:r>
+            <a:r>
+              <a:rPr lang="en-US" sz="2400" b="1" i="1" dirty="0"/>
+              <a:t>Loops</a:t>
+            </a:r>
+          </a:p>
+          <a:p>
+            <a:pPr marL="274320" lvl="1" indent="0">
+              <a:buNone/>
+            </a:pPr>
+            <a:endParaRPr lang="en-US" sz="2400" dirty="0"/>
+          </a:p>
+        </p:txBody>
+      </p:sp>
     </p:spTree>
     <p:extLst>
       <p:ext uri="{BB962C8B-B14F-4D97-AF65-F5344CB8AC3E}">
-        <p14:creationId xmlns:p14="http://schemas.microsoft.com/office/powerpoint/2010/main" val="1713904488"/>
+        <p14:creationId xmlns:p14="http://schemas.microsoft.com/office/powerpoint/2010/main" val="709478653"/>
       </p:ext>
     </p:extLst>
   </p:cSld>
@@ -8072,7 +12277,13 @@
   <p:cSld>
     <p:spTree>
       <p:nvGrpSpPr>
-        <p:cNvPr id="1" name=""/>
+        <p:cNvPr id="1" name="">
+          <a:extLst>
+            <a:ext uri="{FF2B5EF4-FFF2-40B4-BE49-F238E27FC236}">
+              <a16:creationId xmlns:a16="http://schemas.microsoft.com/office/drawing/2014/main" id="{169B3554-67A0-B7D3-CEF7-BBAAB1521CB3}"/>
+            </a:ext>
+          </a:extLst>
+        </p:cNvPr>
         <p:cNvGrpSpPr/>
         <p:nvPr/>
       </p:nvGrpSpPr>
@@ -8086,10 +12297,38 @@
       </p:grpSpPr>
       <p:sp>
         <p:nvSpPr>
+          <p:cNvPr id="2" name="Title 1">
+            <a:extLst>
+              <a:ext uri="{FF2B5EF4-FFF2-40B4-BE49-F238E27FC236}">
+                <a16:creationId xmlns:a16="http://schemas.microsoft.com/office/drawing/2014/main" id="{3BD6B668-7D47-8C53-1915-7F058C84825E}"/>
+              </a:ext>
+            </a:extLst>
+          </p:cNvPr>
+          <p:cNvSpPr>
+            <a:spLocks noGrp="1"/>
+          </p:cNvSpPr>
+          <p:nvPr>
+            <p:ph type="title"/>
+          </p:nvPr>
+        </p:nvSpPr>
+        <p:spPr/>
+        <p:txBody>
+          <a:bodyPr/>
+          <a:lstStyle/>
+          <a:p>
+            <a:r>
+              <a:rPr lang="en-US" dirty="0"/>
+              <a:t>Loops in computer programming</a:t>
+            </a:r>
+          </a:p>
+        </p:txBody>
+      </p:sp>
+      <p:sp>
+        <p:nvSpPr>
           <p:cNvPr id="3" name="Content Placeholder 2">
             <a:extLst>
               <a:ext uri="{FF2B5EF4-FFF2-40B4-BE49-F238E27FC236}">
-                <a16:creationId xmlns:a16="http://schemas.microsoft.com/office/drawing/2014/main" id="{3FE5565C-A5DD-1C42-B41E-BE9B94C35141}"/>
+                <a16:creationId xmlns:a16="http://schemas.microsoft.com/office/drawing/2014/main" id="{3E74C2AF-7401-8406-E412-9AC2F5C68F20}"/>
               </a:ext>
             </a:extLst>
           </p:cNvPr>
@@ -8108,565 +12347,58 @@
           <a:lstStyle/>
           <a:p>
             <a:r>
-              <a:rPr lang="en-US" sz="2800" dirty="0"/>
-              <a:t>We can think of this in terms of where the variable </a:t>
-            </a:r>
-            <a:r>
-              <a:rPr lang="en-US" sz="2800" b="1" dirty="0">
-                <a:latin typeface="Courier" pitchFamily="2" charset="0"/>
-              </a:rPr>
-              <a:t>letter</a:t>
-            </a:r>
-            <a:r>
-              <a:rPr lang="en-US" sz="2800" dirty="0"/>
-              <a:t> is pointing:</a:t>
-            </a:r>
-          </a:p>
-        </p:txBody>
-      </p:sp>
-      <p:pic>
-        <p:nvPicPr>
-          <p:cNvPr id="7" name="Picture 6">
-            <a:extLst>
-              <a:ext uri="{FF2B5EF4-FFF2-40B4-BE49-F238E27FC236}">
-                <a16:creationId xmlns:a16="http://schemas.microsoft.com/office/drawing/2014/main" id="{C20FBE42-3B15-294D-A6B7-DBCD1A926FB5}"/>
-              </a:ext>
-            </a:extLst>
-          </p:cNvPr>
-          <p:cNvPicPr>
-            <a:picLocks noChangeAspect="1"/>
-          </p:cNvPicPr>
-          <p:nvPr/>
-        </p:nvPicPr>
-        <p:blipFill>
-          <a:blip r:embed="rId2">
-            <a:extLst>
-              <a:ext uri="{28A0092B-C50C-407E-A947-70E740481C1C}">
-                <a14:useLocalDpi xmlns:a14="http://schemas.microsoft.com/office/drawing/2010/main" val="0"/>
-              </a:ext>
-            </a:extLst>
-          </a:blip>
-          <a:stretch>
-            <a:fillRect/>
-          </a:stretch>
-        </p:blipFill>
-        <p:spPr>
-          <a:xfrm>
-            <a:off x="3734179" y="2660487"/>
-            <a:ext cx="7315200" cy="3324261"/>
-          </a:xfrm>
-          <a:prstGeom prst="rect">
-            <a:avLst/>
-          </a:prstGeom>
-        </p:spPr>
-      </p:pic>
-      <p:sp>
-        <p:nvSpPr>
-          <p:cNvPr id="9" name="Circular Arrow 8">
-            <a:extLst>
-              <a:ext uri="{FF2B5EF4-FFF2-40B4-BE49-F238E27FC236}">
-                <a16:creationId xmlns:a16="http://schemas.microsoft.com/office/drawing/2014/main" id="{4F182556-F8E4-3F43-8D1A-4F9324DD9B96}"/>
-              </a:ext>
-            </a:extLst>
-          </p:cNvPr>
-          <p:cNvSpPr/>
-          <p:nvPr/>
-        </p:nvSpPr>
-        <p:spPr>
-          <a:xfrm rot="9263131" flipH="1" flipV="1">
-            <a:off x="5283122" y="2276325"/>
-            <a:ext cx="2943524" cy="2957772"/>
-          </a:xfrm>
-          <a:prstGeom prst="circularArrow">
-            <a:avLst>
-              <a:gd name="adj1" fmla="val 404"/>
-              <a:gd name="adj2" fmla="val 678326"/>
-              <a:gd name="adj3" fmla="val 20892761"/>
-              <a:gd name="adj4" fmla="val 13999001"/>
-              <a:gd name="adj5" fmla="val 2690"/>
-            </a:avLst>
-          </a:prstGeom>
-          <a:solidFill>
-            <a:srgbClr val="003470"/>
-          </a:solidFill>
-          <a:ln cap="rnd">
-            <a:solidFill>
-              <a:srgbClr val="003470"/>
-            </a:solidFill>
-          </a:ln>
-          <a:effectLst>
-            <a:glow rad="101600">
-              <a:srgbClr val="FFC000">
-                <a:alpha val="60000"/>
-              </a:srgbClr>
-            </a:glow>
-          </a:effectLst>
-        </p:spPr>
-        <p:style>
-          <a:lnRef idx="2">
-            <a:schemeClr val="accent1">
-              <a:shade val="50000"/>
-            </a:schemeClr>
-          </a:lnRef>
-          <a:fillRef idx="1">
-            <a:schemeClr val="accent1"/>
-          </a:fillRef>
-          <a:effectRef idx="0">
-            <a:schemeClr val="accent1"/>
-          </a:effectRef>
-          <a:fontRef idx="minor">
-            <a:schemeClr val="lt1"/>
-          </a:fontRef>
-        </p:style>
-        <p:txBody>
-          <a:bodyPr rtlCol="0" anchor="ctr"/>
-          <a:lstStyle/>
-          <a:p>
-            <a:pPr algn="ctr"/>
-            <a:endParaRPr lang="en-US">
-              <a:solidFill>
-                <a:schemeClr val="tx1"/>
-              </a:solidFill>
-            </a:endParaRPr>
-          </a:p>
-        </p:txBody>
-      </p:sp>
-      <p:sp>
-        <p:nvSpPr>
-          <p:cNvPr id="8" name="Circular Arrow 7">
-            <a:extLst>
-              <a:ext uri="{FF2B5EF4-FFF2-40B4-BE49-F238E27FC236}">
-                <a16:creationId xmlns:a16="http://schemas.microsoft.com/office/drawing/2014/main" id="{8868C574-FA92-AC41-BA92-A0BC4A438F2F}"/>
-              </a:ext>
-            </a:extLst>
-          </p:cNvPr>
-          <p:cNvSpPr/>
-          <p:nvPr/>
-        </p:nvSpPr>
-        <p:spPr>
-          <a:xfrm rot="9000000" flipH="1" flipV="1">
-            <a:off x="5369236" y="2518987"/>
-            <a:ext cx="2116140" cy="2126383"/>
-          </a:xfrm>
-          <a:prstGeom prst="circularArrow">
-            <a:avLst>
-              <a:gd name="adj1" fmla="val 748"/>
-              <a:gd name="adj2" fmla="val 885245"/>
-              <a:gd name="adj3" fmla="val 20914623"/>
-              <a:gd name="adj4" fmla="val 14340769"/>
-              <a:gd name="adj5" fmla="val 3850"/>
-            </a:avLst>
-          </a:prstGeom>
-          <a:solidFill>
-            <a:srgbClr val="003470"/>
-          </a:solidFill>
-          <a:ln cap="rnd">
-            <a:solidFill>
-              <a:srgbClr val="003470"/>
-            </a:solidFill>
-          </a:ln>
-          <a:effectLst>
-            <a:glow rad="101600">
-              <a:srgbClr val="FFC000">
-                <a:alpha val="60000"/>
-              </a:srgbClr>
-            </a:glow>
-          </a:effectLst>
-        </p:spPr>
-        <p:style>
-          <a:lnRef idx="2">
-            <a:schemeClr val="accent1">
-              <a:shade val="50000"/>
-            </a:schemeClr>
-          </a:lnRef>
-          <a:fillRef idx="1">
-            <a:schemeClr val="accent1"/>
-          </a:fillRef>
-          <a:effectRef idx="0">
-            <a:schemeClr val="accent1"/>
-          </a:effectRef>
-          <a:fontRef idx="minor">
-            <a:schemeClr val="lt1"/>
-          </a:fontRef>
-        </p:style>
-        <p:txBody>
-          <a:bodyPr rtlCol="0" anchor="ctr"/>
-          <a:lstStyle/>
-          <a:p>
-            <a:pPr algn="ctr"/>
-            <a:endParaRPr lang="en-US">
-              <a:solidFill>
-                <a:schemeClr val="tx1"/>
-              </a:solidFill>
-            </a:endParaRPr>
-          </a:p>
-        </p:txBody>
-      </p:sp>
-      <p:sp>
-        <p:nvSpPr>
-          <p:cNvPr id="5" name="Circular Arrow 4">
-            <a:extLst>
-              <a:ext uri="{FF2B5EF4-FFF2-40B4-BE49-F238E27FC236}">
-                <a16:creationId xmlns:a16="http://schemas.microsoft.com/office/drawing/2014/main" id="{0271E856-94F4-DE4C-A810-B8462FD0D13C}"/>
-              </a:ext>
-            </a:extLst>
-          </p:cNvPr>
-          <p:cNvSpPr/>
-          <p:nvPr/>
-        </p:nvSpPr>
-        <p:spPr>
-          <a:xfrm rot="8413844" flipH="1" flipV="1">
-            <a:off x="5389985" y="2688615"/>
-            <a:ext cx="1332953" cy="1339405"/>
-          </a:xfrm>
-          <a:prstGeom prst="circularArrow">
-            <a:avLst>
-              <a:gd name="adj1" fmla="val 1411"/>
-              <a:gd name="adj2" fmla="val 1563058"/>
-              <a:gd name="adj3" fmla="val 20880751"/>
-              <a:gd name="adj4" fmla="val 14799851"/>
-              <a:gd name="adj5" fmla="val 7233"/>
-            </a:avLst>
-          </a:prstGeom>
-          <a:solidFill>
-            <a:srgbClr val="003470"/>
-          </a:solidFill>
-          <a:ln cap="rnd">
-            <a:solidFill>
-              <a:srgbClr val="003470"/>
-            </a:solidFill>
-          </a:ln>
-          <a:effectLst>
-            <a:glow rad="101600">
-              <a:srgbClr val="FFC000">
-                <a:alpha val="60000"/>
-              </a:srgbClr>
-            </a:glow>
-          </a:effectLst>
-        </p:spPr>
-        <p:style>
-          <a:lnRef idx="2">
-            <a:schemeClr val="accent1">
-              <a:shade val="50000"/>
-            </a:schemeClr>
-          </a:lnRef>
-          <a:fillRef idx="1">
-            <a:schemeClr val="accent1"/>
-          </a:fillRef>
-          <a:effectRef idx="0">
-            <a:schemeClr val="accent1"/>
-          </a:effectRef>
-          <a:fontRef idx="minor">
-            <a:schemeClr val="lt1"/>
-          </a:fontRef>
-        </p:style>
-        <p:txBody>
-          <a:bodyPr rtlCol="0" anchor="ctr"/>
-          <a:lstStyle/>
-          <a:p>
-            <a:pPr algn="ctr"/>
-            <a:endParaRPr lang="en-US">
-              <a:solidFill>
-                <a:schemeClr val="tx1"/>
-              </a:solidFill>
-            </a:endParaRPr>
-          </a:p>
-        </p:txBody>
-      </p:sp>
-      <p:sp>
-        <p:nvSpPr>
-          <p:cNvPr id="2" name="Title 1">
-            <a:extLst>
-              <a:ext uri="{FF2B5EF4-FFF2-40B4-BE49-F238E27FC236}">
-                <a16:creationId xmlns:a16="http://schemas.microsoft.com/office/drawing/2014/main" id="{47A9B918-53AD-B84E-B522-04690D34B044}"/>
-              </a:ext>
-            </a:extLst>
-          </p:cNvPr>
-          <p:cNvSpPr>
-            <a:spLocks noGrp="1"/>
-          </p:cNvSpPr>
-          <p:nvPr>
-            <p:ph type="title"/>
-          </p:nvPr>
-        </p:nvSpPr>
-        <p:spPr/>
-        <p:txBody>
-          <a:bodyPr/>
-          <a:lstStyle/>
-          <a:p>
-            <a:r>
-              <a:rPr lang="en-US" b="1" dirty="0">
-                <a:solidFill>
-                  <a:srgbClr val="FF9100"/>
-                </a:solidFill>
-                <a:latin typeface="Courier" pitchFamily="2" charset="0"/>
-              </a:rPr>
-              <a:t>for...in</a:t>
-            </a:r>
-            <a:r>
-              <a:rPr lang="en-US" dirty="0"/>
-              <a:t> loops</a:t>
-            </a:r>
-          </a:p>
-        </p:txBody>
-      </p:sp>
-      <p:pic>
-        <p:nvPicPr>
-          <p:cNvPr id="10" name="Picture 9">
-            <a:extLst>
-              <a:ext uri="{FF2B5EF4-FFF2-40B4-BE49-F238E27FC236}">
-                <a16:creationId xmlns:a16="http://schemas.microsoft.com/office/drawing/2014/main" id="{C20FBE42-3B15-294D-A6B7-DBCD1A926FB5}"/>
-              </a:ext>
-            </a:extLst>
-          </p:cNvPr>
-          <p:cNvPicPr>
-            <a:picLocks noChangeAspect="1"/>
-          </p:cNvPicPr>
-          <p:nvPr/>
-        </p:nvPicPr>
-        <p:blipFill rotWithShape="1">
-          <a:blip r:embed="rId2">
-            <a:extLst>
-              <a:ext uri="{28A0092B-C50C-407E-A947-70E740481C1C}">
-                <a14:useLocalDpi xmlns:a14="http://schemas.microsoft.com/office/drawing/2010/main" val="0"/>
-              </a:ext>
-            </a:extLst>
-          </a:blip>
-          <a:srcRect l="14447" t="15916" r="73053" b="76193"/>
-          <a:stretch/>
-        </p:blipFill>
-        <p:spPr>
-          <a:xfrm>
-            <a:off x="4783678" y="3157668"/>
-            <a:ext cx="914401" cy="262328"/>
-          </a:xfrm>
-          <a:prstGeom prst="roundRect">
-            <a:avLst/>
-          </a:prstGeom>
-          <a:effectLst>
-            <a:glow rad="101600">
-              <a:srgbClr val="FFC000">
-                <a:alpha val="60000"/>
-              </a:srgbClr>
-            </a:glow>
-          </a:effectLst>
-        </p:spPr>
-      </p:pic>
+              <a:rPr lang="en-US" sz="2400" dirty="0"/>
+              <a:t>Sometimes, we want to do the exact same thing multiple times</a:t>
+            </a:r>
+          </a:p>
+          <a:p>
+            <a:r>
+              <a:rPr lang="en-US" sz="2400" dirty="0"/>
+              <a:t>Ideally, we can write the code we need repeated once, and tell the computer to repeat it as many times as needed </a:t>
+            </a:r>
+          </a:p>
+          <a:p>
+            <a:r>
+              <a:rPr lang="en-US" sz="2400" dirty="0"/>
+              <a:t>Enter: </a:t>
+            </a:r>
+            <a:r>
+              <a:rPr lang="en-US" sz="2400" b="1" i="1" dirty="0"/>
+              <a:t>Loops</a:t>
+            </a:r>
+          </a:p>
+          <a:p>
+            <a:r>
+              <a:rPr lang="en-US" sz="2400" dirty="0"/>
+              <a:t>A </a:t>
+            </a:r>
+            <a:r>
+              <a:rPr lang="en-US" sz="2400" b="1" i="1" dirty="0"/>
+              <a:t>loop</a:t>
+            </a:r>
+            <a:r>
+              <a:rPr lang="en-US" sz="2400" dirty="0"/>
+              <a:t> is a chunk of code that we tell the computer to continuously repeated for a specified time</a:t>
+            </a:r>
+          </a:p>
+          <a:p>
+            <a:pPr marL="274320" lvl="1" indent="0">
+              <a:buNone/>
+            </a:pPr>
+            <a:endParaRPr lang="en-US" sz="2400" dirty="0"/>
+          </a:p>
+        </p:txBody>
+      </p:sp>
     </p:spTree>
     <p:extLst>
       <p:ext uri="{BB962C8B-B14F-4D97-AF65-F5344CB8AC3E}">
-        <p14:creationId xmlns:p14="http://schemas.microsoft.com/office/powerpoint/2010/main" val="181142969"/>
+        <p14:creationId xmlns:p14="http://schemas.microsoft.com/office/powerpoint/2010/main" val="1750898608"/>
       </p:ext>
     </p:extLst>
   </p:cSld>
   <p:clrMapOvr>
     <a:masterClrMapping/>
   </p:clrMapOvr>
-  <p:timing>
-    <p:tnLst>
-      <p:par>
-        <p:cTn id="1" dur="indefinite" restart="never" nodeType="tmRoot">
-          <p:childTnLst>
-            <p:seq concurrent="1" nextAc="seek">
-              <p:cTn id="2" dur="indefinite" nodeType="mainSeq">
-                <p:childTnLst>
-                  <p:par>
-                    <p:cTn id="3" fill="hold">
-                      <p:stCondLst>
-                        <p:cond delay="indefinite"/>
-                        <p:cond evt="onBegin" delay="0">
-                          <p:tn val="2"/>
-                        </p:cond>
-                      </p:stCondLst>
-                      <p:childTnLst>
-                        <p:par>
-                          <p:cTn id="4" fill="hold">
-                            <p:stCondLst>
-                              <p:cond delay="0"/>
-                            </p:stCondLst>
-                            <p:childTnLst>
-                              <p:par>
-                                <p:cTn id="5" presetID="1" presetClass="entr" presetSubtype="0" fill="hold" grpId="0" nodeType="withEffect">
-                                  <p:stCondLst>
-                                    <p:cond delay="0"/>
-                                  </p:stCondLst>
-                                  <p:childTnLst>
-                                    <p:set>
-                                      <p:cBhvr>
-                                        <p:cTn id="6" dur="1" fill="hold">
-                                          <p:stCondLst>
-                                            <p:cond delay="0"/>
-                                          </p:stCondLst>
-                                        </p:cTn>
-                                        <p:tgtEl>
-                                          <p:spTgt spid="5"/>
-                                        </p:tgtEl>
-                                        <p:attrNameLst>
-                                          <p:attrName>style.visibility</p:attrName>
-                                        </p:attrNameLst>
-                                      </p:cBhvr>
-                                      <p:to>
-                                        <p:strVal val="visible"/>
-                                      </p:to>
-                                    </p:set>
-                                  </p:childTnLst>
-                                  <p:subTnLst>
-                                    <p:set>
-                                      <p:cBhvr override="childStyle">
-                                        <p:cTn dur="1" fill="hold" display="0" masterRel="nextClick" afterEffect="1"/>
-                                        <p:tgtEl>
-                                          <p:spTgt spid="5"/>
-                                        </p:tgtEl>
-                                        <p:attrNameLst>
-                                          <p:attrName>style.visibility</p:attrName>
-                                        </p:attrNameLst>
-                                      </p:cBhvr>
-                                      <p:to>
-                                        <p:strVal val="hidden"/>
-                                      </p:to>
-                                    </p:set>
-                                  </p:subTnLst>
-                                </p:cTn>
-                              </p:par>
-                            </p:childTnLst>
-                          </p:cTn>
-                        </p:par>
-                      </p:childTnLst>
-                    </p:cTn>
-                  </p:par>
-                  <p:par>
-                    <p:cTn id="7" fill="hold">
-                      <p:stCondLst>
-                        <p:cond delay="indefinite"/>
-                      </p:stCondLst>
-                      <p:childTnLst>
-                        <p:par>
-                          <p:cTn id="8" fill="hold">
-                            <p:stCondLst>
-                              <p:cond delay="0"/>
-                            </p:stCondLst>
-                            <p:childTnLst>
-                              <p:par>
-                                <p:cTn id="9" presetID="1" presetClass="entr" presetSubtype="0" fill="hold" grpId="0" nodeType="clickEffect">
-                                  <p:stCondLst>
-                                    <p:cond delay="0"/>
-                                  </p:stCondLst>
-                                  <p:childTnLst>
-                                    <p:set>
-                                      <p:cBhvr>
-                                        <p:cTn id="10" dur="1" fill="hold">
-                                          <p:stCondLst>
-                                            <p:cond delay="0"/>
-                                          </p:stCondLst>
-                                        </p:cTn>
-                                        <p:tgtEl>
-                                          <p:spTgt spid="8"/>
-                                        </p:tgtEl>
-                                        <p:attrNameLst>
-                                          <p:attrName>style.visibility</p:attrName>
-                                        </p:attrNameLst>
-                                      </p:cBhvr>
-                                      <p:to>
-                                        <p:strVal val="visible"/>
-                                      </p:to>
-                                    </p:set>
-                                  </p:childTnLst>
-                                  <p:subTnLst>
-                                    <p:set>
-                                      <p:cBhvr override="childStyle">
-                                        <p:cTn dur="1" fill="hold" display="0" masterRel="nextClick" afterEffect="1"/>
-                                        <p:tgtEl>
-                                          <p:spTgt spid="8"/>
-                                        </p:tgtEl>
-                                        <p:attrNameLst>
-                                          <p:attrName>style.visibility</p:attrName>
-                                        </p:attrNameLst>
-                                      </p:cBhvr>
-                                      <p:to>
-                                        <p:strVal val="hidden"/>
-                                      </p:to>
-                                    </p:set>
-                                  </p:subTnLst>
-                                </p:cTn>
-                              </p:par>
-                            </p:childTnLst>
-                          </p:cTn>
-                        </p:par>
-                      </p:childTnLst>
-                    </p:cTn>
-                  </p:par>
-                  <p:par>
-                    <p:cTn id="11" fill="hold">
-                      <p:stCondLst>
-                        <p:cond delay="indefinite"/>
-                      </p:stCondLst>
-                      <p:childTnLst>
-                        <p:par>
-                          <p:cTn id="12" fill="hold">
-                            <p:stCondLst>
-                              <p:cond delay="0"/>
-                            </p:stCondLst>
-                            <p:childTnLst>
-                              <p:par>
-                                <p:cTn id="13" presetID="1" presetClass="entr" presetSubtype="0" fill="hold" grpId="0" nodeType="clickEffect">
-                                  <p:stCondLst>
-                                    <p:cond delay="0"/>
-                                  </p:stCondLst>
-                                  <p:childTnLst>
-                                    <p:set>
-                                      <p:cBhvr>
-                                        <p:cTn id="14" dur="1" fill="hold">
-                                          <p:stCondLst>
-                                            <p:cond delay="0"/>
-                                          </p:stCondLst>
-                                        </p:cTn>
-                                        <p:tgtEl>
-                                          <p:spTgt spid="9"/>
-                                        </p:tgtEl>
-                                        <p:attrNameLst>
-                                          <p:attrName>style.visibility</p:attrName>
-                                        </p:attrNameLst>
-                                      </p:cBhvr>
-                                      <p:to>
-                                        <p:strVal val="visible"/>
-                                      </p:to>
-                                    </p:set>
-                                  </p:childTnLst>
-                                </p:cTn>
-                              </p:par>
-                            </p:childTnLst>
-                          </p:cTn>
-                        </p:par>
-                      </p:childTnLst>
-                    </p:cTn>
-                  </p:par>
-                </p:childTnLst>
-              </p:cTn>
-              <p:prevCondLst>
-                <p:cond evt="onPrev" delay="0">
-                  <p:tgtEl>
-                    <p:sldTgt/>
-                  </p:tgtEl>
-                </p:cond>
-              </p:prevCondLst>
-              <p:nextCondLst>
-                <p:cond evt="onNext" delay="0">
-                  <p:tgtEl>
-                    <p:sldTgt/>
-                  </p:tgtEl>
-                </p:cond>
-              </p:nextCondLst>
-            </p:seq>
-          </p:childTnLst>
-        </p:cTn>
-      </p:par>
-    </p:tnLst>
-    <p:bldLst>
-      <p:bldP spid="9" grpId="0" animBg="1"/>
-      <p:bldP spid="8" grpId="0" animBg="1"/>
-      <p:bldP spid="5" grpId="0" animBg="1"/>
-    </p:bldLst>
-  </p:timing>
 </p:sld>
 </file>
 
@@ -8675,7 +12407,13 @@
   <p:cSld>
     <p:spTree>
       <p:nvGrpSpPr>
-        <p:cNvPr id="1" name=""/>
+        <p:cNvPr id="1" name="">
+          <a:extLst>
+            <a:ext uri="{FF2B5EF4-FFF2-40B4-BE49-F238E27FC236}">
+              <a16:creationId xmlns:a16="http://schemas.microsoft.com/office/drawing/2014/main" id="{FB50F68E-3619-7CC2-F400-108491309805}"/>
+            </a:ext>
+          </a:extLst>
+        </p:cNvPr>
         <p:cNvGrpSpPr/>
         <p:nvPr/>
       </p:nvGrpSpPr>
@@ -8692,7 +12430,7 @@
           <p:cNvPr id="2" name="Title 1">
             <a:extLst>
               <a:ext uri="{FF2B5EF4-FFF2-40B4-BE49-F238E27FC236}">
-                <a16:creationId xmlns:a16="http://schemas.microsoft.com/office/drawing/2014/main" id="{F6571CF7-0E15-8C4D-9D36-F3F5A06CF19C}"/>
+                <a16:creationId xmlns:a16="http://schemas.microsoft.com/office/drawing/2014/main" id="{34B428D8-FEB5-FBF4-DC20-E9927F6B18C6}"/>
               </a:ext>
             </a:extLst>
           </p:cNvPr>
@@ -8709,21 +12447,8 @@
           <a:lstStyle/>
           <a:p>
             <a:r>
-              <a:rPr lang="en-US" b="1" dirty="0">
-                <a:solidFill>
-                  <a:srgbClr val="FF9100"/>
-                </a:solidFill>
-                <a:latin typeface="Courier" pitchFamily="2" charset="0"/>
-              </a:rPr>
-              <a:t>for...in</a:t>
-            </a:r>
-            <a:r>
-              <a:rPr lang="en-US" b="1" dirty="0"/>
-              <a:t> </a:t>
-            </a:r>
-            <a:r>
               <a:rPr lang="en-US" dirty="0"/>
-              <a:t>loops: unpacked</a:t>
+              <a:t>Loops in computer programming</a:t>
             </a:r>
           </a:p>
         </p:txBody>
@@ -8733,7 +12458,7 @@
           <p:cNvPr id="3" name="Content Placeholder 2">
             <a:extLst>
               <a:ext uri="{FF2B5EF4-FFF2-40B4-BE49-F238E27FC236}">
-                <a16:creationId xmlns:a16="http://schemas.microsoft.com/office/drawing/2014/main" id="{2189D3E8-D942-4A4B-9254-D0DBA5684993}"/>
+                <a16:creationId xmlns:a16="http://schemas.microsoft.com/office/drawing/2014/main" id="{A196727D-8677-D053-C6B2-00BAB6F77715}"/>
               </a:ext>
             </a:extLst>
           </p:cNvPr>
@@ -8752,60 +12477,102 @@
           <a:lstStyle/>
           <a:p>
             <a:r>
-              <a:rPr lang="en-US" sz="2800" dirty="0"/>
-              <a:t>We could accomplish the same thing by writing it out as </a:t>
-            </a:r>
-            <a:r>
-              <a:rPr lang="en-US" sz="2800" b="1" dirty="0"/>
-              <a:t>three separate assignments</a:t>
-            </a:r>
-            <a:r>
-              <a:rPr lang="en-US" sz="2800" dirty="0"/>
-              <a:t>: </a:t>
-            </a:r>
-          </a:p>
-        </p:txBody>
-      </p:sp>
-      <p:pic>
-        <p:nvPicPr>
-          <p:cNvPr id="7" name="Picture 6">
-            <a:extLst>
-              <a:ext uri="{FF2B5EF4-FFF2-40B4-BE49-F238E27FC236}">
-                <a16:creationId xmlns:a16="http://schemas.microsoft.com/office/drawing/2014/main" id="{12D458AE-14E8-F748-821D-0A89B9044A0C}"/>
-              </a:ext>
-            </a:extLst>
-          </p:cNvPr>
-          <p:cNvPicPr>
-            <a:picLocks noChangeAspect="1"/>
-          </p:cNvPicPr>
-          <p:nvPr/>
-        </p:nvPicPr>
-        <p:blipFill>
-          <a:blip r:embed="rId2">
-            <a:extLst>
-              <a:ext uri="{28A0092B-C50C-407E-A947-70E740481C1C}">
-                <a14:useLocalDpi xmlns:a14="http://schemas.microsoft.com/office/drawing/2010/main" val="0"/>
-              </a:ext>
-            </a:extLst>
-          </a:blip>
-          <a:stretch>
-            <a:fillRect/>
-          </a:stretch>
-        </p:blipFill>
-        <p:spPr>
-          <a:xfrm>
-            <a:off x="3869270" y="2104427"/>
-            <a:ext cx="7315198" cy="3324260"/>
-          </a:xfrm>
-          <a:prstGeom prst="rect">
-            <a:avLst/>
-          </a:prstGeom>
-        </p:spPr>
-      </p:pic>
+              <a:rPr lang="en-US" sz="2400" dirty="0"/>
+              <a:t>Sometimes, we want to do the exact same thing multiple times</a:t>
+            </a:r>
+          </a:p>
+          <a:p>
+            <a:r>
+              <a:rPr lang="en-US" sz="2400" dirty="0"/>
+              <a:t>Ideally, we can write the code we need repeated once, and tell the computer to repeat it as many times as needed </a:t>
+            </a:r>
+          </a:p>
+          <a:p>
+            <a:r>
+              <a:rPr lang="en-US" sz="2400" dirty="0"/>
+              <a:t>Enter: </a:t>
+            </a:r>
+            <a:r>
+              <a:rPr lang="en-US" sz="2400" b="1" i="1" dirty="0"/>
+              <a:t>Loops</a:t>
+            </a:r>
+          </a:p>
+          <a:p>
+            <a:r>
+              <a:rPr lang="en-US" sz="2400" dirty="0"/>
+              <a:t>A </a:t>
+            </a:r>
+            <a:r>
+              <a:rPr lang="en-US" sz="2400" b="1" i="1" dirty="0"/>
+              <a:t>loop</a:t>
+            </a:r>
+            <a:r>
+              <a:rPr lang="en-US" sz="2400" dirty="0"/>
+              <a:t> is a chunk of code that we tell the computer to continuously repeated for a specified time</a:t>
+            </a:r>
+          </a:p>
+          <a:p>
+            <a:r>
+              <a:rPr lang="en-US" sz="2400" dirty="0"/>
+              <a:t>There are three main approaches:</a:t>
+            </a:r>
+          </a:p>
+          <a:p>
+            <a:pPr lvl="1"/>
+            <a:r>
+              <a:rPr lang="en-US" sz="2400" dirty="0"/>
+              <a:t>run </a:t>
+            </a:r>
+            <a:r>
+              <a:rPr lang="en-US" sz="2400" b="1" dirty="0"/>
+              <a:t>until</a:t>
+            </a:r>
+            <a:r>
+              <a:rPr lang="en-US" sz="2400" dirty="0"/>
+              <a:t> some condition is met</a:t>
+            </a:r>
+          </a:p>
+          <a:p>
+            <a:pPr lvl="1"/>
+            <a:r>
+              <a:rPr lang="en-US" sz="2400" dirty="0"/>
+              <a:t>run for </a:t>
+            </a:r>
+            <a:r>
+              <a:rPr lang="en-US" sz="2400" b="1" dirty="0"/>
+              <a:t>each item</a:t>
+            </a:r>
+            <a:r>
+              <a:rPr lang="en-US" sz="2400" dirty="0"/>
+              <a:t> in a list</a:t>
+            </a:r>
+          </a:p>
+          <a:p>
+            <a:pPr lvl="1"/>
+            <a:r>
+              <a:rPr lang="en-US" sz="2400" dirty="0"/>
+              <a:t>run a specific </a:t>
+            </a:r>
+            <a:r>
+              <a:rPr lang="en-US" sz="2400" b="1" dirty="0"/>
+              <a:t>number of times</a:t>
+            </a:r>
+          </a:p>
+          <a:p>
+            <a:endParaRPr lang="en-US" sz="2400" dirty="0"/>
+          </a:p>
+          <a:p>
+            <a:pPr marL="274320" lvl="1" indent="0">
+              <a:buNone/>
+            </a:pPr>
+            <a:endParaRPr lang="en-US" sz="2400" dirty="0"/>
+          </a:p>
+        </p:txBody>
+      </p:sp>
     </p:spTree>
     <p:extLst>
       <p:ext uri="{BB962C8B-B14F-4D97-AF65-F5344CB8AC3E}">
-        <p14:creationId xmlns:p14="http://schemas.microsoft.com/office/powerpoint/2010/main" val="1823423461"/>
+        <p14:creationId xmlns:p14="http://schemas.microsoft.com/office/powerpoint/2010/main" val="3436648301"/>
       </p:ext>
     </p:extLst>
   </p:cSld>
@@ -8820,7 +12587,13 @@
   <p:cSld>
     <p:spTree>
       <p:nvGrpSpPr>
-        <p:cNvPr id="1" name=""/>
+        <p:cNvPr id="1" name="">
+          <a:extLst>
+            <a:ext uri="{FF2B5EF4-FFF2-40B4-BE49-F238E27FC236}">
+              <a16:creationId xmlns:a16="http://schemas.microsoft.com/office/drawing/2014/main" id="{F570F995-2005-CBD4-68DB-65E65C2C6DFC}"/>
+            </a:ext>
+          </a:extLst>
+        </p:cNvPr>
         <p:cNvGrpSpPr/>
         <p:nvPr/>
       </p:nvGrpSpPr>
@@ -8837,7 +12610,7 @@
           <p:cNvPr id="2" name="Title 1">
             <a:extLst>
               <a:ext uri="{FF2B5EF4-FFF2-40B4-BE49-F238E27FC236}">
-                <a16:creationId xmlns:a16="http://schemas.microsoft.com/office/drawing/2014/main" id="{A08EB6FF-FCCF-F047-BE66-8E2B12B4854F}"/>
+                <a16:creationId xmlns:a16="http://schemas.microsoft.com/office/drawing/2014/main" id="{0A02F74C-B1DC-97CF-A2D0-3B009372EDAC}"/>
               </a:ext>
             </a:extLst>
           </p:cNvPr>
@@ -8854,21 +12627,8 @@
           <a:lstStyle/>
           <a:p>
             <a:r>
-              <a:rPr lang="en-US" b="1" dirty="0">
-                <a:solidFill>
-                  <a:srgbClr val="FF9100"/>
-                </a:solidFill>
-                <a:latin typeface="Courier" pitchFamily="2" charset="0"/>
-              </a:rPr>
-              <a:t>for...in</a:t>
-            </a:r>
-            <a:r>
-              <a:rPr lang="en-US" b="1" dirty="0"/>
-              <a:t> </a:t>
-            </a:r>
-            <a:r>
               <a:rPr lang="en-US" dirty="0"/>
-              <a:t>loops: a common “gotcha”</a:t>
+              <a:t>Loops in computer programming</a:t>
             </a:r>
           </a:p>
         </p:txBody>
@@ -8878,7 +12638,7 @@
           <p:cNvPr id="3" name="Content Placeholder 2">
             <a:extLst>
               <a:ext uri="{FF2B5EF4-FFF2-40B4-BE49-F238E27FC236}">
-                <a16:creationId xmlns:a16="http://schemas.microsoft.com/office/drawing/2014/main" id="{641B7E0C-27AE-AB48-A9D9-9A2A4B916D1A}"/>
+                <a16:creationId xmlns:a16="http://schemas.microsoft.com/office/drawing/2014/main" id="{AA6FB4A0-406F-3690-85ED-4F86B954A520}"/>
               </a:ext>
             </a:extLst>
           </p:cNvPr>
@@ -8897,113 +12657,160 @@
           <a:lstStyle/>
           <a:p>
             <a:r>
-              <a:rPr lang="en-US" sz="2800" dirty="0"/>
-              <a:t>Python will allow you to </a:t>
-            </a:r>
-            <a:r>
-              <a:rPr lang="en-US" sz="2800" b="1" dirty="0"/>
-              <a:t>modify a list </a:t>
-            </a:r>
-            <a:r>
-              <a:rPr lang="en-US" sz="2800" dirty="0"/>
-              <a:t>while you’re looping through it:</a:t>
-            </a:r>
-          </a:p>
-          <a:p>
-            <a:endParaRPr lang="en-US" sz="2800" dirty="0"/>
-          </a:p>
-          <a:p>
-            <a:endParaRPr lang="en-US" sz="2800" dirty="0"/>
-          </a:p>
-          <a:p>
-            <a:endParaRPr lang="en-US" sz="2800" dirty="0"/>
-          </a:p>
-          <a:p>
-            <a:endParaRPr lang="en-US" sz="2800" dirty="0"/>
-          </a:p>
-          <a:p>
-            <a:endParaRPr lang="en-US" sz="2800" dirty="0"/>
-          </a:p>
-          <a:p>
-            <a:r>
-              <a:rPr lang="en-US" sz="2800" dirty="0"/>
-              <a:t>This is generally a </a:t>
-            </a:r>
-            <a:r>
-              <a:rPr lang="en-US" sz="2800" b="1" dirty="0"/>
-              <a:t>bad idea</a:t>
-            </a:r>
-            <a:r>
-              <a:rPr lang="en-US" sz="2800" dirty="0"/>
-              <a:t> (more on why later)</a:t>
+              <a:rPr lang="en-US" sz="2400" dirty="0"/>
+              <a:t>Sometimes, we want to do the exact same thing multiple times</a:t>
+            </a:r>
+          </a:p>
+          <a:p>
+            <a:r>
+              <a:rPr lang="en-US" sz="2400" dirty="0"/>
+              <a:t>Ideally, we can write the code we need repeated once, and tell the computer to repeat it as many times as needed </a:t>
+            </a:r>
+          </a:p>
+          <a:p>
+            <a:r>
+              <a:rPr lang="en-US" sz="2400" dirty="0"/>
+              <a:t>Enter: </a:t>
+            </a:r>
+            <a:r>
+              <a:rPr lang="en-US" sz="2400" b="1" i="1" dirty="0"/>
+              <a:t>Loops</a:t>
+            </a:r>
+          </a:p>
+          <a:p>
+            <a:r>
+              <a:rPr lang="en-US" sz="2400" dirty="0"/>
+              <a:t>A </a:t>
+            </a:r>
+            <a:r>
+              <a:rPr lang="en-US" sz="2400" b="1" i="1" dirty="0"/>
+              <a:t>loop</a:t>
+            </a:r>
+            <a:r>
+              <a:rPr lang="en-US" sz="2400" dirty="0"/>
+              <a:t> is a chunk of code that we tell the computer to continuously repeated for a specified time</a:t>
+            </a:r>
+          </a:p>
+          <a:p>
+            <a:r>
+              <a:rPr lang="en-US" sz="2400" dirty="0"/>
+              <a:t>There are three main approaches:</a:t>
             </a:r>
           </a:p>
           <a:p>
             <a:pPr lvl="1"/>
             <a:r>
               <a:rPr lang="en-US" sz="2400" dirty="0"/>
-              <a:t>it’s fine to format the </a:t>
+              <a:t>run </a:t>
             </a:r>
             <a:r>
               <a:rPr lang="en-US" sz="2400" b="1" dirty="0"/>
-              <a:t>values</a:t>
+              <a:t>until</a:t>
             </a:r>
             <a:r>
               <a:rPr lang="en-US" sz="2400" dirty="0"/>
-              <a:t>, etc.</a:t>
+              <a:t> some condition is met</a:t>
             </a:r>
           </a:p>
           <a:p>
             <a:pPr lvl="1"/>
             <a:r>
               <a:rPr lang="en-US" sz="2400" dirty="0"/>
-              <a:t>just don’t </a:t>
+              <a:t>run for </a:t>
             </a:r>
             <a:r>
               <a:rPr lang="en-US" sz="2400" b="1" dirty="0"/>
-              <a:t>overwrite</a:t>
+              <a:t>each item</a:t>
             </a:r>
             <a:r>
               <a:rPr lang="en-US" sz="2400" dirty="0"/>
-              <a:t> the originals!</a:t>
-            </a:r>
-          </a:p>
-        </p:txBody>
-      </p:sp>
-      <p:pic>
-        <p:nvPicPr>
-          <p:cNvPr id="8" name="Picture 7">
-            <a:extLst>
-              <a:ext uri="{FF2B5EF4-FFF2-40B4-BE49-F238E27FC236}">
-                <a16:creationId xmlns:a16="http://schemas.microsoft.com/office/drawing/2014/main" id="{D2341ECB-15FB-9848-A7E6-5CC222FA2CE7}"/>
-              </a:ext>
-            </a:extLst>
-          </p:cNvPr>
-          <p:cNvPicPr>
-            <a:picLocks noChangeAspect="1"/>
-          </p:cNvPicPr>
+              <a:t> in a list</a:t>
+            </a:r>
+          </a:p>
+          <a:p>
+            <a:pPr lvl="1"/>
+            <a:r>
+              <a:rPr lang="en-US" sz="2400" dirty="0"/>
+              <a:t>run a specific </a:t>
+            </a:r>
+            <a:r>
+              <a:rPr lang="en-US" sz="2400" b="1" dirty="0"/>
+              <a:t>number of times</a:t>
+            </a:r>
+          </a:p>
+          <a:p>
+            <a:endParaRPr lang="en-US" sz="2400" dirty="0"/>
+          </a:p>
+          <a:p>
+            <a:pPr marL="274320" lvl="1" indent="0">
+              <a:buNone/>
+            </a:pPr>
+            <a:endParaRPr lang="en-US" sz="2400" dirty="0"/>
+          </a:p>
+        </p:txBody>
+      </p:sp>
+      <p:sp>
+        <p:nvSpPr>
+          <p:cNvPr id="4" name="Frame 3">
+            <a:extLst>
+              <a:ext uri="{FF2B5EF4-FFF2-40B4-BE49-F238E27FC236}">
+                <a16:creationId xmlns:a16="http://schemas.microsoft.com/office/drawing/2014/main" id="{D0B01048-418F-572D-0B98-B53AFC4B4AB5}"/>
+              </a:ext>
+            </a:extLst>
+          </p:cNvPr>
+          <p:cNvSpPr/>
           <p:nvPr/>
-        </p:nvPicPr>
-        <p:blipFill>
-          <a:blip r:embed="rId2"/>
-          <a:stretch>
-            <a:fillRect/>
-          </a:stretch>
-        </p:blipFill>
+        </p:nvSpPr>
         <p:spPr>
           <a:xfrm>
-            <a:off x="3869268" y="1925828"/>
-            <a:ext cx="6883400" cy="2997200"/>
+            <a:off x="4208584" y="4876800"/>
+            <a:ext cx="4712677" cy="848220"/>
           </a:xfrm>
-          <a:prstGeom prst="rect">
-            <a:avLst/>
+          <a:prstGeom prst="frame">
+            <a:avLst>
+              <a:gd name="adj1" fmla="val 6972"/>
+            </a:avLst>
           </a:prstGeom>
+          <a:solidFill>
+            <a:srgbClr val="C00000"/>
+          </a:solidFill>
+          <a:ln>
+            <a:noFill/>
+          </a:ln>
         </p:spPr>
-      </p:pic>
+        <p:style>
+          <a:lnRef idx="2">
+            <a:schemeClr val="accent1">
+              <a:shade val="15000"/>
+            </a:schemeClr>
+          </a:lnRef>
+          <a:fillRef idx="1">
+            <a:schemeClr val="accent1"/>
+          </a:fillRef>
+          <a:effectRef idx="0">
+            <a:schemeClr val="accent1"/>
+          </a:effectRef>
+          <a:fontRef idx="minor">
+            <a:schemeClr val="lt1"/>
+          </a:fontRef>
+        </p:style>
+        <p:txBody>
+          <a:bodyPr rtlCol="0" anchor="ctr"/>
+          <a:lstStyle/>
+          <a:p>
+            <a:pPr algn="ctr"/>
+            <a:endParaRPr lang="en-US">
+              <a:solidFill>
+                <a:schemeClr val="tx1"/>
+              </a:solidFill>
+            </a:endParaRPr>
+          </a:p>
+        </p:txBody>
+      </p:sp>
     </p:spTree>
     <p:extLst>
       <p:ext uri="{BB962C8B-B14F-4D97-AF65-F5344CB8AC3E}">
-        <p14:creationId xmlns:p14="http://schemas.microsoft.com/office/powerpoint/2010/main" val="2520195585"/>
+        <p14:creationId xmlns:p14="http://schemas.microsoft.com/office/powerpoint/2010/main" val="1513932756"/>
       </p:ext>
     </p:extLst>
   </p:cSld>
@@ -9035,7 +12842,7 @@
           <p:cNvPr id="2" name="Title 1">
             <a:extLst>
               <a:ext uri="{FF2B5EF4-FFF2-40B4-BE49-F238E27FC236}">
-                <a16:creationId xmlns:a16="http://schemas.microsoft.com/office/drawing/2014/main" id="{05C44A85-BE93-DF4D-AD08-6873C098D523}"/>
+                <a16:creationId xmlns:a16="http://schemas.microsoft.com/office/drawing/2014/main" id="{47A9B918-53AD-B84E-B522-04690D34B044}"/>
               </a:ext>
             </a:extLst>
           </p:cNvPr>
@@ -9052,12 +12859,17 @@
           <a:lstStyle/>
           <a:p>
             <a:r>
-              <a:rPr lang="en-US" b="1" dirty="0"/>
-              <a:t>Demo</a:t>
+              <a:rPr lang="en-US" b="1" dirty="0">
+                <a:solidFill>
+                  <a:srgbClr val="FF9100"/>
+                </a:solidFill>
+                <a:latin typeface="Courier" pitchFamily="2" charset="0"/>
+              </a:rPr>
+              <a:t>for...in</a:t>
             </a:r>
             <a:r>
               <a:rPr lang="en-US" dirty="0"/>
-              <a:t>: compute a sum</a:t>
+              <a:t> loops</a:t>
             </a:r>
           </a:p>
         </p:txBody>
@@ -9067,7 +12879,7 @@
           <p:cNvPr id="3" name="Content Placeholder 2">
             <a:extLst>
               <a:ext uri="{FF2B5EF4-FFF2-40B4-BE49-F238E27FC236}">
-                <a16:creationId xmlns:a16="http://schemas.microsoft.com/office/drawing/2014/main" id="{FA92A16D-26E4-EF47-8F9F-CA0152A4D3C7}"/>
+                <a16:creationId xmlns:a16="http://schemas.microsoft.com/office/drawing/2014/main" id="{3FE5565C-A5DD-1C42-B41E-BE9B94C35141}"/>
               </a:ext>
             </a:extLst>
           </p:cNvPr>
@@ -9085,18 +12897,9 @@
           </a:bodyPr>
           <a:lstStyle/>
           <a:p>
-            <a:pPr marL="0" indent="0" algn="ctr">
-              <a:buNone/>
-            </a:pPr>
-            <a:endParaRPr lang="en-US" sz="2800" dirty="0"/>
-          </a:p>
-          <a:p>
-            <a:pPr marL="0" indent="0" algn="ctr">
-              <a:buNone/>
-            </a:pPr>
             <a:r>
               <a:rPr lang="en-US" sz="2800" dirty="0"/>
-              <a:t>Use a </a:t>
+              <a:t>In Python, we use the keywords </a:t>
             </a:r>
             <a:r>
               <a:rPr lang="en-US" sz="2800" b="1" dirty="0">
@@ -9109,75 +12912,64 @@
             </a:r>
             <a:r>
               <a:rPr lang="en-US" sz="2800" dirty="0"/>
-              <a:t> </a:t>
-            </a:r>
-            <a:r>
-              <a:rPr lang="en-US" sz="2800" b="1" dirty="0"/>
-              <a:t>loop</a:t>
+              <a:t> and </a:t>
+            </a:r>
+            <a:r>
+              <a:rPr lang="en-US" sz="2800" b="1" dirty="0">
+                <a:solidFill>
+                  <a:srgbClr val="FF9100"/>
+                </a:solidFill>
+                <a:latin typeface="Courier" pitchFamily="2" charset="0"/>
+              </a:rPr>
+              <a:t>in</a:t>
             </a:r>
             <a:r>
               <a:rPr lang="en-US" sz="2800" dirty="0"/>
-              <a:t> to compute </a:t>
-            </a:r>
-          </a:p>
-          <a:p>
-            <a:pPr marL="0" indent="0" algn="ctr">
-              <a:spcBef>
-                <a:spcPts val="0"/>
-              </a:spcBef>
-              <a:buNone/>
-            </a:pPr>
-            <a:r>
-              <a:rPr lang="en-US" sz="2800" dirty="0"/>
-              <a:t>the </a:t>
-            </a:r>
-            <a:r>
-              <a:rPr lang="en-US" sz="2800" b="1" dirty="0"/>
-              <a:t>sum</a:t>
-            </a:r>
-            <a:r>
-              <a:rPr lang="en-US" sz="2800" dirty="0"/>
-              <a:t> of a list of numbers</a:t>
-            </a:r>
-          </a:p>
-          <a:p>
-            <a:pPr marL="0" indent="0">
-              <a:buNone/>
-            </a:pPr>
-            <a:endParaRPr lang="en-US" sz="2800" dirty="0"/>
-          </a:p>
-          <a:p>
-            <a:pPr marL="0" indent="0">
-              <a:buNone/>
-            </a:pPr>
-            <a:endParaRPr lang="en-US" sz="2800" dirty="0"/>
-          </a:p>
-          <a:p>
-            <a:r>
-              <a:rPr lang="en-US" sz="2800" b="1" dirty="0"/>
-              <a:t>Step 1</a:t>
-            </a:r>
-            <a:r>
-              <a:rPr lang="en-US" sz="2800" dirty="0"/>
-              <a:t>: pseudocode</a:t>
-            </a:r>
-          </a:p>
-          <a:p>
-            <a:r>
-              <a:rPr lang="en-US" sz="2800" b="1" dirty="0"/>
-              <a:t>Step 2</a:t>
-            </a:r>
-            <a:r>
-              <a:rPr lang="en-US" sz="2800" dirty="0"/>
-              <a:t>: python</a:t>
-            </a:r>
-          </a:p>
-        </p:txBody>
-      </p:sp>
+              <a:t> to loop through a list</a:t>
+            </a:r>
+          </a:p>
+        </p:txBody>
+      </p:sp>
+      <p:pic>
+        <p:nvPicPr>
+          <p:cNvPr id="7" name="Picture 6">
+            <a:extLst>
+              <a:ext uri="{FF2B5EF4-FFF2-40B4-BE49-F238E27FC236}">
+                <a16:creationId xmlns:a16="http://schemas.microsoft.com/office/drawing/2014/main" id="{C20FBE42-3B15-294D-A6B7-DBCD1A926FB5}"/>
+              </a:ext>
+            </a:extLst>
+          </p:cNvPr>
+          <p:cNvPicPr>
+            <a:picLocks noChangeAspect="1"/>
+          </p:cNvPicPr>
+          <p:nvPr/>
+        </p:nvPicPr>
+        <p:blipFill>
+          <a:blip r:embed="rId2">
+            <a:extLst>
+              <a:ext uri="{28A0092B-C50C-407E-A947-70E740481C1C}">
+                <a14:useLocalDpi xmlns:a14="http://schemas.microsoft.com/office/drawing/2010/main" val="0"/>
+              </a:ext>
+            </a:extLst>
+          </a:blip>
+          <a:stretch>
+            <a:fillRect/>
+          </a:stretch>
+        </p:blipFill>
+        <p:spPr>
+          <a:xfrm>
+            <a:off x="4003964" y="2062864"/>
+            <a:ext cx="7315200" cy="3324261"/>
+          </a:xfrm>
+          <a:prstGeom prst="rect">
+            <a:avLst/>
+          </a:prstGeom>
+        </p:spPr>
+      </p:pic>
     </p:spTree>
     <p:extLst>
       <p:ext uri="{BB962C8B-B14F-4D97-AF65-F5344CB8AC3E}">
-        <p14:creationId xmlns:p14="http://schemas.microsoft.com/office/powerpoint/2010/main" val="2597628689"/>
+        <p14:creationId xmlns:p14="http://schemas.microsoft.com/office/powerpoint/2010/main" val="1713904488"/>
       </p:ext>
     </p:extLst>
   </p:cSld>
